--- a/slides/1_Introduction.pptx
+++ b/slides/1_Introduction.pptx
@@ -5,7 +5,7 @@
     <p:sldMasterId id="2147483672" r:id="rId1"/>
   </p:sldMasterIdLst>
   <p:notesMasterIdLst>
-    <p:notesMasterId r:id="rId26"/>
+    <p:notesMasterId r:id="rId28"/>
   </p:notesMasterIdLst>
   <p:sldIdLst>
     <p:sldId id="257" r:id="rId2"/>
@@ -16,25 +16,27 @@
     <p:sldId id="273" r:id="rId7"/>
     <p:sldId id="275" r:id="rId8"/>
     <p:sldId id="282" r:id="rId9"/>
-    <p:sldId id="276" r:id="rId10"/>
-    <p:sldId id="277" r:id="rId11"/>
-    <p:sldId id="278" r:id="rId12"/>
-    <p:sldId id="267" r:id="rId13"/>
-    <p:sldId id="264" r:id="rId14"/>
-    <p:sldId id="281" r:id="rId15"/>
-    <p:sldId id="259" r:id="rId16"/>
-    <p:sldId id="269" r:id="rId17"/>
-    <p:sldId id="270" r:id="rId18"/>
-    <p:sldId id="266" r:id="rId19"/>
-    <p:sldId id="283" r:id="rId20"/>
-    <p:sldId id="280" r:id="rId21"/>
-    <p:sldId id="265" r:id="rId22"/>
-    <p:sldId id="279" r:id="rId23"/>
-    <p:sldId id="284" r:id="rId24"/>
-    <p:sldId id="271" r:id="rId25"/>
+    <p:sldId id="285" r:id="rId10"/>
+    <p:sldId id="276" r:id="rId11"/>
+    <p:sldId id="277" r:id="rId12"/>
+    <p:sldId id="278" r:id="rId13"/>
+    <p:sldId id="267" r:id="rId14"/>
+    <p:sldId id="264" r:id="rId15"/>
+    <p:sldId id="281" r:id="rId16"/>
+    <p:sldId id="259" r:id="rId17"/>
+    <p:sldId id="269" r:id="rId18"/>
+    <p:sldId id="270" r:id="rId19"/>
+    <p:sldId id="266" r:id="rId20"/>
+    <p:sldId id="283" r:id="rId21"/>
+    <p:sldId id="280" r:id="rId22"/>
+    <p:sldId id="265" r:id="rId23"/>
+    <p:sldId id="279" r:id="rId24"/>
+    <p:sldId id="286" r:id="rId25"/>
+    <p:sldId id="284" r:id="rId26"/>
+    <p:sldId id="271" r:id="rId27"/>
   </p:sldIdLst>
   <p:sldSz cx="12192000" cy="6858000"/>
-  <p:notesSz cx="7099300" cy="10234613"/>
+  <p:notesSz cx="9928225" cy="6797675"/>
   <p:defaultTextStyle>
     <a:defPPr>
       <a:defRPr lang="zh-CN"/>
@@ -144,85 +146,241 @@
 <file path=ppt/changesInfos/changesInfo1.xml><?xml version="1.0" encoding="utf-8"?>
 <pc:chgInfo xmlns:a="http://schemas.openxmlformats.org/drawingml/2006/main" xmlns:r="http://schemas.openxmlformats.org/officeDocument/2006/relationships" xmlns:ac="http://schemas.microsoft.com/office/drawing/2013/main/command" xmlns:pc="http://schemas.microsoft.com/office/powerpoint/2013/main/command">
   <pc:docChgLst>
-    <pc:chgData userId="a1a4dc899414fe72" providerId="LiveId" clId="{D44DB251-AFA7-4F6D-8F23-87EE480B524D}"/>
-  </pc:docChgLst>
-  <pc:docChgLst>
-    <pc:chgData userId="a1a4dc899414fe72" providerId="LiveId" clId="{9727F575-7828-4C77-9245-F9D83895B208}"/>
+    <pc:chgData userId="a1a4dc899414fe72" providerId="LiveId" clId="{2D0C48E8-969C-4D80-AF84-302CDC89D1E5}"/>
     <pc:docChg chg="undo custSel addSld modSld">
-      <pc:chgData name="" userId="a1a4dc899414fe72" providerId="LiveId" clId="{9727F575-7828-4C77-9245-F9D83895B208}" dt="2021-09-16T15:40:47.066" v="483" actId="1076"/>
+      <pc:chgData name="" userId="a1a4dc899414fe72" providerId="LiveId" clId="{2D0C48E8-969C-4D80-AF84-302CDC89D1E5}" dt="2022-09-14T13:33:53.252" v="423" actId="20577"/>
       <pc:docMkLst>
         <pc:docMk/>
       </pc:docMkLst>
-      <pc:sldChg chg="modSp">
-        <pc:chgData name="" userId="a1a4dc899414fe72" providerId="LiveId" clId="{9727F575-7828-4C77-9245-F9D83895B208}" dt="2021-09-16T15:29:14.402" v="471" actId="20577"/>
+      <pc:sldChg chg="modSp modAnim">
+        <pc:chgData name="" userId="a1a4dc899414fe72" providerId="LiveId" clId="{2D0C48E8-969C-4D80-AF84-302CDC89D1E5}" dt="2022-09-14T13:28:36.406" v="87"/>
         <pc:sldMkLst>
           <pc:docMk/>
-          <pc:sldMk cId="2767046389" sldId="259"/>
+          <pc:sldMk cId="1200844452" sldId="266"/>
         </pc:sldMkLst>
         <pc:spChg chg="mod">
-          <ac:chgData name="" userId="a1a4dc899414fe72" providerId="LiveId" clId="{9727F575-7828-4C77-9245-F9D83895B208}" dt="2021-09-16T15:29:14.402" v="471" actId="20577"/>
+          <ac:chgData name="" userId="a1a4dc899414fe72" providerId="LiveId" clId="{2D0C48E8-969C-4D80-AF84-302CDC89D1E5}" dt="2022-09-14T13:28:10.467" v="85" actId="20577"/>
           <ac:spMkLst>
             <pc:docMk/>
-            <pc:sldMk cId="2767046389" sldId="259"/>
+            <pc:sldMk cId="1200844452" sldId="266"/>
+            <ac:spMk id="3" creationId="{00000000-0000-0000-0000-000000000000}"/>
+          </ac:spMkLst>
+        </pc:spChg>
+        <pc:picChg chg="mod">
+          <ac:chgData name="" userId="a1a4dc899414fe72" providerId="LiveId" clId="{2D0C48E8-969C-4D80-AF84-302CDC89D1E5}" dt="2022-09-14T13:28:26.362" v="86" actId="1076"/>
+          <ac:picMkLst>
+            <pc:docMk/>
+            <pc:sldMk cId="1200844452" sldId="266"/>
+            <ac:picMk id="1026" creationId="{730E4CA2-5F96-4577-AE3C-139B6FE6DF84}"/>
+          </ac:picMkLst>
+        </pc:picChg>
+      </pc:sldChg>
+      <pc:sldChg chg="modSp">
+        <pc:chgData name="" userId="a1a4dc899414fe72" providerId="LiveId" clId="{2D0C48E8-969C-4D80-AF84-302CDC89D1E5}" dt="2022-09-14T13:07:16.925" v="75" actId="1076"/>
+        <pc:sldMkLst>
+          <pc:docMk/>
+          <pc:sldMk cId="881887314" sldId="274"/>
+        </pc:sldMkLst>
+        <pc:spChg chg="mod">
+          <ac:chgData name="" userId="a1a4dc899414fe72" providerId="LiveId" clId="{2D0C48E8-969C-4D80-AF84-302CDC89D1E5}" dt="2022-09-14T13:07:13.228" v="74" actId="20577"/>
+          <ac:spMkLst>
+            <pc:docMk/>
+            <pc:sldMk cId="881887314" sldId="274"/>
+            <ac:spMk id="3" creationId="{00000000-0000-0000-0000-000000000000}"/>
+          </ac:spMkLst>
+        </pc:spChg>
+        <pc:picChg chg="mod">
+          <ac:chgData name="" userId="a1a4dc899414fe72" providerId="LiveId" clId="{2D0C48E8-969C-4D80-AF84-302CDC89D1E5}" dt="2022-09-14T13:07:16.925" v="75" actId="1076"/>
+          <ac:picMkLst>
+            <pc:docMk/>
+            <pc:sldMk cId="881887314" sldId="274"/>
+            <ac:picMk id="7" creationId="{00000000-0000-0000-0000-000000000000}"/>
+          </ac:picMkLst>
+        </pc:picChg>
+      </pc:sldChg>
+      <pc:sldChg chg="modSp modAnim">
+        <pc:chgData name="" userId="a1a4dc899414fe72" providerId="LiveId" clId="{2D0C48E8-969C-4D80-AF84-302CDC89D1E5}" dt="2022-09-14T13:33:53.252" v="423" actId="20577"/>
+        <pc:sldMkLst>
+          <pc:docMk/>
+          <pc:sldMk cId="1007499287" sldId="283"/>
+        </pc:sldMkLst>
+        <pc:spChg chg="mod">
+          <ac:chgData name="" userId="a1a4dc899414fe72" providerId="LiveId" clId="{2D0C48E8-969C-4D80-AF84-302CDC89D1E5}" dt="2022-09-14T13:33:53.252" v="423" actId="20577"/>
+          <ac:spMkLst>
+            <pc:docMk/>
+            <pc:sldMk cId="1007499287" sldId="283"/>
             <ac:spMk id="3" creationId="{00000000-0000-0000-0000-000000000000}"/>
           </ac:spMkLst>
         </pc:spChg>
       </pc:sldChg>
       <pc:sldChg chg="modSp">
-        <pc:chgData name="" userId="a1a4dc899414fe72" providerId="LiveId" clId="{9727F575-7828-4C77-9245-F9D83895B208}" dt="2021-09-15T13:49:38.267" v="380" actId="1076"/>
+        <pc:chgData name="" userId="a1a4dc899414fe72" providerId="LiveId" clId="{2D0C48E8-969C-4D80-AF84-302CDC89D1E5}" dt="2022-09-05T16:26:15.488" v="12" actId="20577"/>
         <pc:sldMkLst>
           <pc:docMk/>
-          <pc:sldMk cId="309363700" sldId="267"/>
+          <pc:sldMk cId="1976659755" sldId="284"/>
         </pc:sldMkLst>
-        <pc:spChg chg="mod">
-          <ac:chgData name="" userId="a1a4dc899414fe72" providerId="LiveId" clId="{9727F575-7828-4C77-9245-F9D83895B208}" dt="2021-09-15T13:49:38.267" v="380" actId="1076"/>
+        <pc:graphicFrameChg chg="mod modGraphic">
+          <ac:chgData name="" userId="a1a4dc899414fe72" providerId="LiveId" clId="{2D0C48E8-969C-4D80-AF84-302CDC89D1E5}" dt="2022-09-05T16:26:15.488" v="12" actId="20577"/>
+          <ac:graphicFrameMkLst>
+            <pc:docMk/>
+            <pc:sldMk cId="1976659755" sldId="284"/>
+            <ac:graphicFrameMk id="8" creationId="{00000000-0000-0000-0000-000000000000}"/>
+          </ac:graphicFrameMkLst>
+        </pc:graphicFrameChg>
+      </pc:sldChg>
+      <pc:sldChg chg="modAnim">
+        <pc:chgData name="" userId="a1a4dc899414fe72" providerId="LiveId" clId="{2D0C48E8-969C-4D80-AF84-302CDC89D1E5}" dt="2022-09-14T13:11:27.940" v="76"/>
+        <pc:sldMkLst>
+          <pc:docMk/>
+          <pc:sldMk cId="1270682027" sldId="285"/>
+        </pc:sldMkLst>
+      </pc:sldChg>
+      <pc:sldChg chg="addSp delSp modSp add delAnim">
+        <pc:chgData name="" userId="a1a4dc899414fe72" providerId="LiveId" clId="{2D0C48E8-969C-4D80-AF84-302CDC89D1E5}" dt="2022-09-05T16:25:47.057" v="7" actId="1076"/>
+        <pc:sldMkLst>
+          <pc:docMk/>
+          <pc:sldMk cId="3460045189" sldId="286"/>
+        </pc:sldMkLst>
+        <pc:spChg chg="del">
+          <ac:chgData name="" userId="a1a4dc899414fe72" providerId="LiveId" clId="{2D0C48E8-969C-4D80-AF84-302CDC89D1E5}" dt="2022-09-05T16:25:34.374" v="2" actId="478"/>
           <ac:spMkLst>
             <pc:docMk/>
-            <pc:sldMk cId="309363700" sldId="267"/>
-            <ac:spMk id="23" creationId="{00000000-0000-0000-0000-000000000000}"/>
+            <pc:sldMk cId="3460045189" sldId="286"/>
+            <ac:spMk id="7" creationId="{42A5FD59-ADD6-43B5-BEE9-0D51B95ECFE4}"/>
           </ac:spMkLst>
         </pc:spChg>
-        <pc:spChg chg="mod">
-          <ac:chgData name="" userId="a1a4dc899414fe72" providerId="LiveId" clId="{9727F575-7828-4C77-9245-F9D83895B208}" dt="2021-09-15T13:48:07.312" v="334" actId="14100"/>
-          <ac:spMkLst>
+        <pc:grpChg chg="del">
+          <ac:chgData name="" userId="a1a4dc899414fe72" providerId="LiveId" clId="{2D0C48E8-969C-4D80-AF84-302CDC89D1E5}" dt="2022-09-05T16:25:32.502" v="1" actId="478"/>
+          <ac:grpSpMkLst>
             <pc:docMk/>
-            <pc:sldMk cId="309363700" sldId="267"/>
-            <ac:spMk id="24" creationId="{00000000-0000-0000-0000-000000000000}"/>
-          </ac:spMkLst>
-        </pc:spChg>
-        <pc:spChg chg="mod">
-          <ac:chgData name="" userId="a1a4dc899414fe72" providerId="LiveId" clId="{9727F575-7828-4C77-9245-F9D83895B208}" dt="2021-09-15T13:48:02.043" v="333" actId="14100"/>
-          <ac:spMkLst>
+            <pc:sldMk cId="3460045189" sldId="286"/>
+            <ac:grpSpMk id="52" creationId="{00000000-0000-0000-0000-000000000000}"/>
+          </ac:grpSpMkLst>
+        </pc:grpChg>
+        <pc:picChg chg="add mod">
+          <ac:chgData name="" userId="a1a4dc899414fe72" providerId="LiveId" clId="{2D0C48E8-969C-4D80-AF84-302CDC89D1E5}" dt="2022-09-05T16:25:47.057" v="7" actId="1076"/>
+          <ac:picMkLst>
             <pc:docMk/>
-            <pc:sldMk cId="309363700" sldId="267"/>
-            <ac:spMk id="25" creationId="{00000000-0000-0000-0000-000000000000}"/>
-          </ac:spMkLst>
-        </pc:spChg>
-        <pc:spChg chg="mod">
-          <ac:chgData name="" userId="a1a4dc899414fe72" providerId="LiveId" clId="{9727F575-7828-4C77-9245-F9D83895B208}" dt="2021-09-15T13:49:28.027" v="378" actId="14100"/>
-          <ac:spMkLst>
+            <pc:sldMk cId="3460045189" sldId="286"/>
+            <ac:picMk id="9" creationId="{E3ACA263-42AA-4790-8F80-F8689455C5DE}"/>
+          </ac:picMkLst>
+        </pc:picChg>
+        <pc:cxnChg chg="mod">
+          <ac:chgData name="" userId="a1a4dc899414fe72" providerId="LiveId" clId="{2D0C48E8-969C-4D80-AF84-302CDC89D1E5}" dt="2022-09-05T16:25:32.502" v="1" actId="478"/>
+          <ac:cxnSpMkLst>
             <pc:docMk/>
-            <pc:sldMk cId="309363700" sldId="267"/>
-            <ac:spMk id="26" creationId="{00000000-0000-0000-0000-000000000000}"/>
-          </ac:spMkLst>
-        </pc:spChg>
-        <pc:spChg chg="mod">
-          <ac:chgData name="" userId="a1a4dc899414fe72" providerId="LiveId" clId="{9727F575-7828-4C77-9245-F9D83895B208}" dt="2021-09-15T13:49:32.110" v="379" actId="1076"/>
-          <ac:spMkLst>
+            <pc:sldMk cId="3460045189" sldId="286"/>
+            <ac:cxnSpMk id="17" creationId="{00000000-0000-0000-0000-000000000000}"/>
+          </ac:cxnSpMkLst>
+        </pc:cxnChg>
+        <pc:cxnChg chg="mod">
+          <ac:chgData name="" userId="a1a4dc899414fe72" providerId="LiveId" clId="{2D0C48E8-969C-4D80-AF84-302CDC89D1E5}" dt="2022-09-05T16:25:32.502" v="1" actId="478"/>
+          <ac:cxnSpMkLst>
             <pc:docMk/>
-            <pc:sldMk cId="309363700" sldId="267"/>
-            <ac:spMk id="32" creationId="{00000000-0000-0000-0000-000000000000}"/>
-          </ac:spMkLst>
-        </pc:spChg>
+            <pc:sldMk cId="3460045189" sldId="286"/>
+            <ac:cxnSpMk id="20" creationId="{00000000-0000-0000-0000-000000000000}"/>
+          </ac:cxnSpMkLst>
+        </pc:cxnChg>
+        <pc:cxnChg chg="mod">
+          <ac:chgData name="" userId="a1a4dc899414fe72" providerId="LiveId" clId="{2D0C48E8-969C-4D80-AF84-302CDC89D1E5}" dt="2022-09-05T16:25:32.502" v="1" actId="478"/>
+          <ac:cxnSpMkLst>
+            <pc:docMk/>
+            <pc:sldMk cId="3460045189" sldId="286"/>
+            <ac:cxnSpMk id="24" creationId="{00000000-0000-0000-0000-000000000000}"/>
+          </ac:cxnSpMkLst>
+        </pc:cxnChg>
+        <pc:cxnChg chg="mod">
+          <ac:chgData name="" userId="a1a4dc899414fe72" providerId="LiveId" clId="{2D0C48E8-969C-4D80-AF84-302CDC89D1E5}" dt="2022-09-05T16:25:32.502" v="1" actId="478"/>
+          <ac:cxnSpMkLst>
+            <pc:docMk/>
+            <pc:sldMk cId="3460045189" sldId="286"/>
+            <ac:cxnSpMk id="27" creationId="{00000000-0000-0000-0000-000000000000}"/>
+          </ac:cxnSpMkLst>
+        </pc:cxnChg>
+        <pc:cxnChg chg="mod">
+          <ac:chgData name="" userId="a1a4dc899414fe72" providerId="LiveId" clId="{2D0C48E8-969C-4D80-AF84-302CDC89D1E5}" dt="2022-09-05T16:25:32.502" v="1" actId="478"/>
+          <ac:cxnSpMkLst>
+            <pc:docMk/>
+            <pc:sldMk cId="3460045189" sldId="286"/>
+            <ac:cxnSpMk id="29" creationId="{00000000-0000-0000-0000-000000000000}"/>
+          </ac:cxnSpMkLst>
+        </pc:cxnChg>
+        <pc:cxnChg chg="mod">
+          <ac:chgData name="" userId="a1a4dc899414fe72" providerId="LiveId" clId="{2D0C48E8-969C-4D80-AF84-302CDC89D1E5}" dt="2022-09-05T16:25:32.502" v="1" actId="478"/>
+          <ac:cxnSpMkLst>
+            <pc:docMk/>
+            <pc:sldMk cId="3460045189" sldId="286"/>
+            <ac:cxnSpMk id="31" creationId="{00000000-0000-0000-0000-000000000000}"/>
+          </ac:cxnSpMkLst>
+        </pc:cxnChg>
+        <pc:cxnChg chg="mod">
+          <ac:chgData name="" userId="a1a4dc899414fe72" providerId="LiveId" clId="{2D0C48E8-969C-4D80-AF84-302CDC89D1E5}" dt="2022-09-05T16:25:32.502" v="1" actId="478"/>
+          <ac:cxnSpMkLst>
+            <pc:docMk/>
+            <pc:sldMk cId="3460045189" sldId="286"/>
+            <ac:cxnSpMk id="35" creationId="{00000000-0000-0000-0000-000000000000}"/>
+          </ac:cxnSpMkLst>
+        </pc:cxnChg>
+        <pc:cxnChg chg="mod">
+          <ac:chgData name="" userId="a1a4dc899414fe72" providerId="LiveId" clId="{2D0C48E8-969C-4D80-AF84-302CDC89D1E5}" dt="2022-09-05T16:25:32.502" v="1" actId="478"/>
+          <ac:cxnSpMkLst>
+            <pc:docMk/>
+            <pc:sldMk cId="3460045189" sldId="286"/>
+            <ac:cxnSpMk id="38" creationId="{00000000-0000-0000-0000-000000000000}"/>
+          </ac:cxnSpMkLst>
+        </pc:cxnChg>
+        <pc:cxnChg chg="mod">
+          <ac:chgData name="" userId="a1a4dc899414fe72" providerId="LiveId" clId="{2D0C48E8-969C-4D80-AF84-302CDC89D1E5}" dt="2022-09-05T16:25:32.502" v="1" actId="478"/>
+          <ac:cxnSpMkLst>
+            <pc:docMk/>
+            <pc:sldMk cId="3460045189" sldId="286"/>
+            <ac:cxnSpMk id="46" creationId="{00000000-0000-0000-0000-000000000000}"/>
+          </ac:cxnSpMkLst>
+        </pc:cxnChg>
+        <pc:cxnChg chg="mod">
+          <ac:chgData name="" userId="a1a4dc899414fe72" providerId="LiveId" clId="{2D0C48E8-969C-4D80-AF84-302CDC89D1E5}" dt="2022-09-05T16:25:32.502" v="1" actId="478"/>
+          <ac:cxnSpMkLst>
+            <pc:docMk/>
+            <pc:sldMk cId="3460045189" sldId="286"/>
+            <ac:cxnSpMk id="51" creationId="{00000000-0000-0000-0000-000000000000}"/>
+          </ac:cxnSpMkLst>
+        </pc:cxnChg>
+        <pc:cxnChg chg="mod">
+          <ac:chgData name="" userId="a1a4dc899414fe72" providerId="LiveId" clId="{2D0C48E8-969C-4D80-AF84-302CDC89D1E5}" dt="2022-09-05T16:25:32.502" v="1" actId="478"/>
+          <ac:cxnSpMkLst>
+            <pc:docMk/>
+            <pc:sldMk cId="3460045189" sldId="286"/>
+            <ac:cxnSpMk id="81" creationId="{00000000-0000-0000-0000-000000000000}"/>
+          </ac:cxnSpMkLst>
+        </pc:cxnChg>
+      </pc:sldChg>
+    </pc:docChg>
+  </pc:docChgLst>
+  <pc:docChgLst>
+    <pc:chgData userId="a1a4dc899414fe72" providerId="LiveId" clId="{D44DB251-AFA7-4F6D-8F23-87EE480B524D}"/>
+  </pc:docChgLst>
+  <pc:docChgLst>
+    <pc:chgData userId="a1a4dc899414fe72" providerId="LiveId" clId="{C2A891E7-F459-458D-88C2-AD299BB73136}"/>
+    <pc:docChg chg="modSld modNotesMaster">
+      <pc:chgData name="" userId="a1a4dc899414fe72" providerId="LiveId" clId="{C2A891E7-F459-458D-88C2-AD299BB73136}" dt="2022-09-14T07:49:42.069" v="264"/>
+      <pc:docMkLst>
+        <pc:docMk/>
+      </pc:docMkLst>
+      <pc:sldChg chg="modNotes">
+        <pc:chgData name="" userId="a1a4dc899414fe72" providerId="LiveId" clId="{C2A891E7-F459-458D-88C2-AD299BB73136}" dt="2022-09-14T07:49:42.069" v="264"/>
+        <pc:sldMkLst>
+          <pc:docMk/>
+          <pc:sldMk cId="8000043" sldId="257"/>
+        </pc:sldMkLst>
       </pc:sldChg>
       <pc:sldChg chg="modSp">
-        <pc:chgData name="" userId="a1a4dc899414fe72" providerId="LiveId" clId="{9727F575-7828-4C77-9245-F9D83895B208}" dt="2021-09-15T13:24:23.998" v="267" actId="20577"/>
+        <pc:chgData name="" userId="a1a4dc899414fe72" providerId="LiveId" clId="{C2A891E7-F459-458D-88C2-AD299BB73136}" dt="2022-09-14T07:46:02.938" v="262" actId="6549"/>
         <pc:sldMkLst>
           <pc:docMk/>
           <pc:sldMk cId="3236992425" sldId="271"/>
         </pc:sldMkLst>
         <pc:spChg chg="mod">
-          <ac:chgData name="" userId="a1a4dc899414fe72" providerId="LiveId" clId="{9727F575-7828-4C77-9245-F9D83895B208}" dt="2021-09-15T13:24:23.998" v="267" actId="20577"/>
+          <ac:chgData name="" userId="a1a4dc899414fe72" providerId="LiveId" clId="{C2A891E7-F459-458D-88C2-AD299BB73136}" dt="2022-09-14T07:46:02.938" v="262" actId="6549"/>
           <ac:spMkLst>
             <pc:docMk/>
             <pc:sldMk cId="3236992425" sldId="271"/>
@@ -231,59 +389,43 @@
         </pc:spChg>
       </pc:sldChg>
       <pc:sldChg chg="modSp modAnim">
-        <pc:chgData name="" userId="a1a4dc899414fe72" providerId="LiveId" clId="{9727F575-7828-4C77-9245-F9D83895B208}" dt="2021-09-15T13:35:35.161" v="284" actId="1076"/>
+        <pc:chgData name="" userId="a1a4dc899414fe72" providerId="LiveId" clId="{C2A891E7-F459-458D-88C2-AD299BB73136}" dt="2022-09-14T07:38:14.465" v="147"/>
         <pc:sldMkLst>
           <pc:docMk/>
           <pc:sldMk cId="881887314" sldId="274"/>
         </pc:sldMkLst>
-        <pc:picChg chg="mod">
-          <ac:chgData name="" userId="a1a4dc899414fe72" providerId="LiveId" clId="{9727F575-7828-4C77-9245-F9D83895B208}" dt="2021-09-15T13:35:35.161" v="284" actId="1076"/>
-          <ac:picMkLst>
+        <pc:spChg chg="mod">
+          <ac:chgData name="" userId="a1a4dc899414fe72" providerId="LiveId" clId="{C2A891E7-F459-458D-88C2-AD299BB73136}" dt="2022-09-14T07:38:14.465" v="147"/>
+          <ac:spMkLst>
             <pc:docMk/>
             <pc:sldMk cId="881887314" sldId="274"/>
-            <ac:picMk id="7" creationId="{00000000-0000-0000-0000-000000000000}"/>
-          </ac:picMkLst>
-        </pc:picChg>
+            <ac:spMk id="3" creationId="{00000000-0000-0000-0000-000000000000}"/>
+          </ac:spMkLst>
+        </pc:spChg>
       </pc:sldChg>
-      <pc:sldChg chg="addSp delSp modSp mod delAnim modAnim">
-        <pc:chgData name="" userId="a1a4dc899414fe72" providerId="LiveId" clId="{9727F575-7828-4C77-9245-F9D83895B208}" dt="2021-09-14T13:46:35.093" v="73" actId="1076"/>
+      <pc:sldChg chg="modSp">
+        <pc:chgData name="" userId="a1a4dc899414fe72" providerId="LiveId" clId="{C2A891E7-F459-458D-88C2-AD299BB73136}" dt="2022-09-14T07:39:31.868" v="151"/>
         <pc:sldMkLst>
           <pc:docMk/>
-          <pc:sldMk cId="3613582510" sldId="276"/>
+          <pc:sldMk cId="1672409461" sldId="277"/>
         </pc:sldMkLst>
-        <pc:graphicFrameChg chg="add">
-          <ac:chgData name="" userId="a1a4dc899414fe72" providerId="LiveId" clId="{9727F575-7828-4C77-9245-F9D83895B208}" dt="2021-09-14T13:45:32.712" v="53"/>
-          <ac:graphicFrameMkLst>
+        <pc:spChg chg="mod">
+          <ac:chgData name="" userId="a1a4dc899414fe72" providerId="LiveId" clId="{C2A891E7-F459-458D-88C2-AD299BB73136}" dt="2022-09-14T07:39:31.868" v="151"/>
+          <ac:spMkLst>
             <pc:docMk/>
-            <pc:sldMk cId="3613582510" sldId="276"/>
-            <ac:graphicFrameMk id="17" creationId="{00000000-0008-0000-0300-000002000000}"/>
-          </ac:graphicFrameMkLst>
-        </pc:graphicFrameChg>
-        <pc:picChg chg="add mod">
-          <ac:chgData name="" userId="a1a4dc899414fe72" providerId="LiveId" clId="{9727F575-7828-4C77-9245-F9D83895B208}" dt="2021-09-14T13:46:35.093" v="73" actId="1076"/>
-          <ac:picMkLst>
-            <pc:docMk/>
-            <pc:sldMk cId="3613582510" sldId="276"/>
-            <ac:picMk id="10" creationId="{4BF9AE49-7092-4814-A08F-B69B959D2604}"/>
-          </ac:picMkLst>
-        </pc:picChg>
-        <pc:picChg chg="del">
-          <ac:chgData name="" userId="a1a4dc899414fe72" providerId="LiveId" clId="{9727F575-7828-4C77-9245-F9D83895B208}" dt="2021-09-14T13:46:09.420" v="62" actId="478"/>
-          <ac:picMkLst>
-            <pc:docMk/>
-            <pc:sldMk cId="3613582510" sldId="276"/>
-            <ac:picMk id="12" creationId="{00000000-0000-0000-0000-000000000000}"/>
-          </ac:picMkLst>
-        </pc:picChg>
+            <pc:sldMk cId="1672409461" sldId="277"/>
+            <ac:spMk id="3" creationId="{00000000-0000-0000-0000-000000000000}"/>
+          </ac:spMkLst>
+        </pc:spChg>
       </pc:sldChg>
       <pc:sldChg chg="modSp">
-        <pc:chgData name="" userId="a1a4dc899414fe72" providerId="LiveId" clId="{9727F575-7828-4C77-9245-F9D83895B208}" dt="2021-09-15T13:25:06.895" v="278" actId="20577"/>
+        <pc:chgData name="" userId="a1a4dc899414fe72" providerId="LiveId" clId="{C2A891E7-F459-458D-88C2-AD299BB73136}" dt="2022-09-14T07:44:47.157" v="234" actId="14100"/>
         <pc:sldMkLst>
           <pc:docMk/>
           <pc:sldMk cId="1976659755" sldId="284"/>
         </pc:sldMkLst>
         <pc:spChg chg="mod">
-          <ac:chgData name="" userId="a1a4dc899414fe72" providerId="LiveId" clId="{9727F575-7828-4C77-9245-F9D83895B208}" dt="2021-09-14T13:44:23.230" v="51" actId="20577"/>
+          <ac:chgData name="" userId="a1a4dc899414fe72" providerId="LiveId" clId="{C2A891E7-F459-458D-88C2-AD299BB73136}" dt="2022-09-14T07:42:59.242" v="170"/>
           <ac:spMkLst>
             <pc:docMk/>
             <pc:sldMk cId="1976659755" sldId="284"/>
@@ -291,7 +433,7 @@
           </ac:spMkLst>
         </pc:spChg>
         <pc:spChg chg="mod">
-          <ac:chgData name="" userId="a1a4dc899414fe72" providerId="LiveId" clId="{9727F575-7828-4C77-9245-F9D83895B208}" dt="2021-09-14T13:43:56.416" v="31" actId="1076"/>
+          <ac:chgData name="" userId="a1a4dc899414fe72" providerId="LiveId" clId="{C2A891E7-F459-458D-88C2-AD299BB73136}" dt="2022-09-14T07:44:47.157" v="234" actId="14100"/>
           <ac:spMkLst>
             <pc:docMk/>
             <pc:sldMk cId="1976659755" sldId="284"/>
@@ -299,7 +441,7 @@
           </ac:spMkLst>
         </pc:spChg>
         <pc:graphicFrameChg chg="mod modGraphic">
-          <ac:chgData name="" userId="a1a4dc899414fe72" providerId="LiveId" clId="{9727F575-7828-4C77-9245-F9D83895B208}" dt="2021-09-15T13:25:06.895" v="278" actId="20577"/>
+          <ac:chgData name="" userId="a1a4dc899414fe72" providerId="LiveId" clId="{C2A891E7-F459-458D-88C2-AD299BB73136}" dt="2022-09-14T07:43:08.059" v="180"/>
           <ac:graphicFrameMkLst>
             <pc:docMk/>
             <pc:sldMk cId="1976659755" sldId="284"/>
@@ -307,46 +449,10 @@
           </ac:graphicFrameMkLst>
         </pc:graphicFrameChg>
       </pc:sldChg>
-      <pc:sldChg chg="addSp delSp modSp add modAnim">
-        <pc:chgData name="" userId="a1a4dc899414fe72" providerId="LiveId" clId="{9727F575-7828-4C77-9245-F9D83895B208}" dt="2021-09-16T15:40:47.066" v="483" actId="1076"/>
-        <pc:sldMkLst>
-          <pc:docMk/>
-          <pc:sldMk cId="1270682027" sldId="285"/>
-        </pc:sldMkLst>
-        <pc:spChg chg="mod">
-          <ac:chgData name="" userId="a1a4dc899414fe72" providerId="LiveId" clId="{9727F575-7828-4C77-9245-F9D83895B208}" dt="2021-09-16T15:07:15.056" v="432" actId="15"/>
-          <ac:spMkLst>
-            <pc:docMk/>
-            <pc:sldMk cId="1270682027" sldId="285"/>
-            <ac:spMk id="3" creationId="{00000000-0000-0000-0000-000000000000}"/>
-          </ac:spMkLst>
-        </pc:spChg>
-        <pc:picChg chg="del">
-          <ac:chgData name="" userId="a1a4dc899414fe72" providerId="LiveId" clId="{9727F575-7828-4C77-9245-F9D83895B208}" dt="2021-09-16T15:06:54.953" v="382" actId="478"/>
-          <ac:picMkLst>
-            <pc:docMk/>
-            <pc:sldMk cId="1270682027" sldId="285"/>
-            <ac:picMk id="7" creationId="{00000000-0000-0000-0000-000000000000}"/>
-          </ac:picMkLst>
-        </pc:picChg>
-        <pc:picChg chg="add mod">
-          <ac:chgData name="" userId="a1a4dc899414fe72" providerId="LiveId" clId="{9727F575-7828-4C77-9245-F9D83895B208}" dt="2021-09-16T15:40:41.248" v="480" actId="1076"/>
-          <ac:picMkLst>
-            <pc:docMk/>
-            <pc:sldMk cId="1270682027" sldId="285"/>
-            <ac:picMk id="9" creationId="{4BC0C16E-321F-4A10-A91B-CF167C484071}"/>
-          </ac:picMkLst>
-        </pc:picChg>
-        <pc:picChg chg="add mod">
-          <ac:chgData name="" userId="a1a4dc899414fe72" providerId="LiveId" clId="{9727F575-7828-4C77-9245-F9D83895B208}" dt="2021-09-16T15:40:47.066" v="483" actId="1076"/>
-          <ac:picMkLst>
-            <pc:docMk/>
-            <pc:sldMk cId="1270682027" sldId="285"/>
-            <ac:picMk id="10" creationId="{B466E736-21C6-44F0-8A3A-95A56AD68DE4}"/>
-          </ac:picMkLst>
-        </pc:picChg>
-      </pc:sldChg>
     </pc:docChg>
+  </pc:docChgLst>
+  <pc:docChgLst>
+    <pc:chgData userId="a1a4dc899414fe72" providerId="LiveId" clId="{9727F575-7828-4C77-9245-F9D83895B208}"/>
   </pc:docChgLst>
 </pc:chgInfo>
 </file>
@@ -385,15 +491,15 @@
         </p:nvSpPr>
         <p:spPr>
           <a:xfrm>
-            <a:off x="0" y="0"/>
-            <a:ext cx="3076363" cy="513508"/>
+            <a:off x="1" y="0"/>
+            <a:ext cx="4302230" cy="341064"/>
           </a:xfrm>
           <a:prstGeom prst="rect">
             <a:avLst/>
           </a:prstGeom>
         </p:spPr>
         <p:txBody>
-          <a:bodyPr vert="horz" lIns="99048" tIns="49524" rIns="99048" bIns="49524" rtlCol="0"/>
+          <a:bodyPr vert="horz" lIns="95571" tIns="47786" rIns="95571" bIns="47786" rtlCol="0"/>
           <a:lstStyle>
             <a:lvl1pPr algn="l">
               <a:defRPr sz="1300"/>
@@ -416,15 +522,15 @@
         </p:nvSpPr>
         <p:spPr>
           <a:xfrm>
-            <a:off x="4021294" y="0"/>
-            <a:ext cx="3076363" cy="513508"/>
+            <a:off x="5623698" y="0"/>
+            <a:ext cx="4302230" cy="341064"/>
           </a:xfrm>
           <a:prstGeom prst="rect">
             <a:avLst/>
           </a:prstGeom>
         </p:spPr>
         <p:txBody>
-          <a:bodyPr vert="horz" lIns="99048" tIns="49524" rIns="99048" bIns="49524" rtlCol="0"/>
+          <a:bodyPr vert="horz" lIns="95571" tIns="47786" rIns="95571" bIns="47786" rtlCol="0"/>
           <a:lstStyle>
             <a:lvl1pPr algn="r">
               <a:defRPr sz="1300"/>
@@ -433,7 +539,7 @@
           <a:p>
             <a:fld id="{D8668C14-09F9-4DC1-91DB-F9303502AD59}" type="datetimeFigureOut">
               <a:rPr lang="zh-CN" altLang="en-US" smtClean="0"/>
-              <a:t>2021-9-17</a:t>
+              <a:t>2022-9-15</a:t>
             </a:fld>
             <a:endParaRPr lang="zh-CN" altLang="en-US"/>
           </a:p>
@@ -451,8 +557,8 @@
         </p:nvSpPr>
         <p:spPr>
           <a:xfrm>
-            <a:off x="479425" y="1279525"/>
-            <a:ext cx="6140450" cy="3454400"/>
+            <a:off x="2925763" y="849313"/>
+            <a:ext cx="4076700" cy="2293937"/>
           </a:xfrm>
           <a:prstGeom prst="rect">
             <a:avLst/>
@@ -465,7 +571,7 @@
           </a:ln>
         </p:spPr>
         <p:txBody>
-          <a:bodyPr vert="horz" lIns="99048" tIns="49524" rIns="99048" bIns="49524" rtlCol="0" anchor="ctr"/>
+          <a:bodyPr vert="horz" lIns="95571" tIns="47786" rIns="95571" bIns="47786" rtlCol="0" anchor="ctr"/>
           <a:lstStyle/>
           <a:p>
             <a:endParaRPr lang="zh-CN" altLang="en-US"/>
@@ -484,15 +590,15 @@
         </p:nvSpPr>
         <p:spPr>
           <a:xfrm>
-            <a:off x="709930" y="4925407"/>
-            <a:ext cx="5679440" cy="4029879"/>
+            <a:off x="992823" y="3271382"/>
+            <a:ext cx="7942580" cy="2676584"/>
           </a:xfrm>
           <a:prstGeom prst="rect">
             <a:avLst/>
           </a:prstGeom>
         </p:spPr>
         <p:txBody>
-          <a:bodyPr vert="horz" lIns="99048" tIns="49524" rIns="99048" bIns="49524" rtlCol="0"/>
+          <a:bodyPr vert="horz" lIns="95571" tIns="47786" rIns="95571" bIns="47786" rtlCol="0"/>
           <a:lstStyle/>
           <a:p>
             <a:pPr lvl="0"/>
@@ -543,15 +649,15 @@
         </p:nvSpPr>
         <p:spPr>
           <a:xfrm>
-            <a:off x="0" y="9721107"/>
-            <a:ext cx="3076363" cy="513507"/>
+            <a:off x="1" y="6456613"/>
+            <a:ext cx="4302230" cy="341063"/>
           </a:xfrm>
           <a:prstGeom prst="rect">
             <a:avLst/>
           </a:prstGeom>
         </p:spPr>
         <p:txBody>
-          <a:bodyPr vert="horz" lIns="99048" tIns="49524" rIns="99048" bIns="49524" rtlCol="0" anchor="b"/>
+          <a:bodyPr vert="horz" lIns="95571" tIns="47786" rIns="95571" bIns="47786" rtlCol="0" anchor="b"/>
           <a:lstStyle>
             <a:lvl1pPr algn="l">
               <a:defRPr sz="1300"/>
@@ -574,15 +680,15 @@
         </p:nvSpPr>
         <p:spPr>
           <a:xfrm>
-            <a:off x="4021294" y="9721107"/>
-            <a:ext cx="3076363" cy="513507"/>
+            <a:off x="5623698" y="6456613"/>
+            <a:ext cx="4302230" cy="341063"/>
           </a:xfrm>
           <a:prstGeom prst="rect">
             <a:avLst/>
           </a:prstGeom>
         </p:spPr>
         <p:txBody>
-          <a:bodyPr vert="horz" lIns="99048" tIns="49524" rIns="99048" bIns="49524" rtlCol="0" anchor="b"/>
+          <a:bodyPr vert="horz" lIns="95571" tIns="47786" rIns="95571" bIns="47786" rtlCol="0" anchor="b"/>
           <a:lstStyle>
             <a:lvl1pPr algn="r">
               <a:defRPr sz="1300"/>
@@ -761,7 +867,7 @@
                 <a:cs typeface="Arial" panose="020B0604020202020204" pitchFamily="34" charset="0"/>
               </a:defRPr>
             </a:lvl1pPr>
-            <a:lvl2pPr marL="804763" indent="-309524" eaLnBrk="0" hangingPunct="0">
+            <a:lvl2pPr marL="776516" indent="-298660" eaLnBrk="0" hangingPunct="0">
               <a:defRPr>
                 <a:solidFill>
                   <a:schemeClr val="tx1"/>
@@ -770,7 +876,7 @@
                 <a:cs typeface="Arial" panose="020B0604020202020204" pitchFamily="34" charset="0"/>
               </a:defRPr>
             </a:lvl2pPr>
-            <a:lvl3pPr marL="1238098" indent="-247620" eaLnBrk="0" hangingPunct="0">
+            <a:lvl3pPr marL="1194641" indent="-238929" eaLnBrk="0" hangingPunct="0">
               <a:defRPr>
                 <a:solidFill>
                   <a:schemeClr val="tx1"/>
@@ -779,7 +885,7 @@
                 <a:cs typeface="Arial" panose="020B0604020202020204" pitchFamily="34" charset="0"/>
               </a:defRPr>
             </a:lvl3pPr>
-            <a:lvl4pPr marL="1733337" indent="-247620" eaLnBrk="0" hangingPunct="0">
+            <a:lvl4pPr marL="1672497" indent="-238929" eaLnBrk="0" hangingPunct="0">
               <a:defRPr>
                 <a:solidFill>
                   <a:schemeClr val="tx1"/>
@@ -788,7 +894,7 @@
                 <a:cs typeface="Arial" panose="020B0604020202020204" pitchFamily="34" charset="0"/>
               </a:defRPr>
             </a:lvl4pPr>
-            <a:lvl5pPr marL="2228576" indent="-247620" eaLnBrk="0" hangingPunct="0">
+            <a:lvl5pPr marL="2150353" indent="-238929" eaLnBrk="0" hangingPunct="0">
               <a:defRPr>
                 <a:solidFill>
                   <a:schemeClr val="tx1"/>
@@ -797,7 +903,7 @@
                 <a:cs typeface="Arial" panose="020B0604020202020204" pitchFamily="34" charset="0"/>
               </a:defRPr>
             </a:lvl5pPr>
-            <a:lvl6pPr marL="2723815" indent="-247620" eaLnBrk="0" fontAlgn="base" hangingPunct="0">
+            <a:lvl6pPr marL="2628209" indent="-238929" eaLnBrk="0" fontAlgn="base" hangingPunct="0">
               <a:spcBef>
                 <a:spcPct val="0"/>
               </a:spcBef>
@@ -812,7 +918,7 @@
                 <a:cs typeface="Arial" panose="020B0604020202020204" pitchFamily="34" charset="0"/>
               </a:defRPr>
             </a:lvl6pPr>
-            <a:lvl7pPr marL="3219054" indent="-247620" eaLnBrk="0" fontAlgn="base" hangingPunct="0">
+            <a:lvl7pPr marL="3106065" indent="-238929" eaLnBrk="0" fontAlgn="base" hangingPunct="0">
               <a:spcBef>
                 <a:spcPct val="0"/>
               </a:spcBef>
@@ -827,7 +933,7 @@
                 <a:cs typeface="Arial" panose="020B0604020202020204" pitchFamily="34" charset="0"/>
               </a:defRPr>
             </a:lvl7pPr>
-            <a:lvl8pPr marL="3714293" indent="-247620" eaLnBrk="0" fontAlgn="base" hangingPunct="0">
+            <a:lvl8pPr marL="3583921" indent="-238929" eaLnBrk="0" fontAlgn="base" hangingPunct="0">
               <a:spcBef>
                 <a:spcPct val="0"/>
               </a:spcBef>
@@ -842,7 +948,7 @@
                 <a:cs typeface="Arial" panose="020B0604020202020204" pitchFamily="34" charset="0"/>
               </a:defRPr>
             </a:lvl8pPr>
-            <a:lvl9pPr marL="4209532" indent="-247620" eaLnBrk="0" fontAlgn="base" hangingPunct="0">
+            <a:lvl9pPr marL="4061777" indent="-238929" eaLnBrk="0" fontAlgn="base" hangingPunct="0">
               <a:spcBef>
                 <a:spcPct val="0"/>
               </a:spcBef>
@@ -859,7 +965,7 @@
             </a:lvl9pPr>
           </a:lstStyle>
           <a:p>
-            <a:pPr defTabSz="990478" eaLnBrk="1" fontAlgn="base" hangingPunct="1">
+            <a:pPr defTabSz="955712" eaLnBrk="1" fontAlgn="base" hangingPunct="1">
               <a:spcBef>
                 <a:spcPct val="0"/>
               </a:spcBef>
@@ -876,7 +982,7 @@
                 <a:latin typeface="Calibri" panose="020F0502020204030204" pitchFamily="34" charset="0"/>
                 <a:ea typeface="宋体" panose="02010600030101010101" pitchFamily="2" charset="-122"/>
               </a:rPr>
-              <a:pPr defTabSz="990478" eaLnBrk="1" fontAlgn="base" hangingPunct="1">
+              <a:pPr defTabSz="955712" eaLnBrk="1" fontAlgn="base" hangingPunct="1">
                 <a:spcBef>
                   <a:spcPct val="0"/>
                 </a:spcBef>
@@ -909,8 +1015,8 @@
         </p:nvSpPr>
         <p:spPr bwMode="auto">
           <a:xfrm>
-            <a:off x="479425" y="1279525"/>
-            <a:ext cx="6140450" cy="3454400"/>
+            <a:off x="2925763" y="849313"/>
+            <a:ext cx="4076700" cy="2293937"/>
           </a:xfrm>
           <a:noFill/>
           <a:ln>
@@ -1732,7 +1838,7 @@
                   <a:srgbClr val="000000"/>
                 </a:solidFill>
               </a:rPr>
-              <a:t>2021-9-17</a:t>
+              <a:t>2022-9-15</a:t>
             </a:fld>
             <a:endParaRPr lang="en-US" altLang="zh-CN" dirty="0">
               <a:solidFill>
@@ -1987,7 +2093,7 @@
                   <a:srgbClr val="000000"/>
                 </a:solidFill>
               </a:rPr>
-              <a:t>2021-9-17</a:t>
+              <a:t>2022-9-15</a:t>
             </a:fld>
             <a:endParaRPr lang="en-US" altLang="zh-CN" dirty="0">
               <a:solidFill>
@@ -2298,7 +2404,7 @@
                   <a:srgbClr val="000000"/>
                 </a:solidFill>
               </a:rPr>
-              <a:t>2021-9-17</a:t>
+              <a:t>2022-9-15</a:t>
             </a:fld>
             <a:endParaRPr lang="en-US" altLang="zh-CN" dirty="0">
               <a:solidFill>
@@ -2976,7 +3082,7 @@
             </a:pPr>
             <a:fld id="{1152697E-1B43-415E-9287-C81E231CFF6B}" type="datetime1">
               <a:rPr lang="zh-CN" altLang="en-US" smtClean="0"/>
-              <a:t>2021-9-17</a:t>
+              <a:t>2022-9-15</a:t>
             </a:fld>
             <a:endParaRPr lang="da-DK"/>
           </a:p>
@@ -3316,7 +3422,7 @@
                   <a:srgbClr val="000000"/>
                 </a:solidFill>
               </a:rPr>
-              <a:t>2021-9-17</a:t>
+              <a:t>2022-9-15</a:t>
             </a:fld>
             <a:endParaRPr lang="en-US" altLang="zh-CN" dirty="0">
               <a:solidFill>
@@ -3584,7 +3690,7 @@
                   <a:srgbClr val="000000"/>
                 </a:solidFill>
               </a:rPr>
-              <a:t>2021-9-17</a:t>
+              <a:t>2022-9-15</a:t>
             </a:fld>
             <a:endParaRPr lang="en-US" altLang="zh-CN" dirty="0">
               <a:solidFill>
@@ -3946,7 +4052,7 @@
                   <a:srgbClr val="000000"/>
                 </a:solidFill>
               </a:rPr>
-              <a:t>2021-9-17</a:t>
+              <a:t>2022-9-15</a:t>
             </a:fld>
             <a:endParaRPr lang="en-US" altLang="zh-CN" dirty="0">
               <a:solidFill>
@@ -4447,7 +4553,7 @@
                   <a:srgbClr val="000000"/>
                 </a:solidFill>
               </a:rPr>
-              <a:t>2021-9-17</a:t>
+              <a:t>2022-9-15</a:t>
             </a:fld>
             <a:endParaRPr lang="en-US" altLang="zh-CN" dirty="0">
               <a:solidFill>
@@ -4641,7 +4747,7 @@
                   <a:srgbClr val="000000"/>
                 </a:solidFill>
               </a:rPr>
-              <a:t>2021-9-17</a:t>
+              <a:t>2022-9-15</a:t>
             </a:fld>
             <a:endParaRPr lang="en-US" altLang="zh-CN" dirty="0">
               <a:solidFill>
@@ -4813,7 +4919,7 @@
                   <a:srgbClr val="000000"/>
                 </a:solidFill>
               </a:rPr>
-              <a:t>2021-9-17</a:t>
+              <a:t>2022-9-15</a:t>
             </a:fld>
             <a:endParaRPr lang="en-US" altLang="zh-CN" dirty="0">
               <a:solidFill>
@@ -5165,7 +5271,7 @@
                   <a:srgbClr val="000000"/>
                 </a:solidFill>
               </a:rPr>
-              <a:t>2021-9-17</a:t>
+              <a:t>2022-9-15</a:t>
             </a:fld>
             <a:endParaRPr lang="en-US" altLang="zh-CN" dirty="0">
               <a:solidFill>
@@ -5498,7 +5604,7 @@
                   <a:srgbClr val="000000"/>
                 </a:solidFill>
               </a:rPr>
-              <a:t>2021-9-17</a:t>
+              <a:t>2022-9-15</a:t>
             </a:fld>
             <a:endParaRPr lang="en-US" altLang="zh-CN" dirty="0">
               <a:solidFill>
@@ -5892,7 +5998,7 @@
                   <a:srgbClr val="000000"/>
                 </a:solidFill>
               </a:rPr>
-              <a:t>2021-9-17</a:t>
+              <a:t>2022-9-15</a:t>
             </a:fld>
             <a:endParaRPr lang="en-US" altLang="zh-CN" dirty="0">
               <a:solidFill>
@@ -6484,53 +6590,19 @@
           <a:bodyPr/>
           <a:lstStyle/>
           <a:p>
+            <a:pPr marL="257175" lvl="1" indent="-257175">
+              <a:buSzTx/>
+              <a:buBlip>
+                <a:blip r:embed="rId2"/>
+              </a:buBlip>
+            </a:pPr>
             <a:r>
               <a:rPr lang="zh-CN" altLang="en-US" dirty="0"/>
-              <a:t>其它硬件技术的进步</a:t>
+              <a:t>存储（硬件）技术的进步</a:t>
             </a:r>
             <a:endParaRPr lang="en-US" altLang="zh-CN" dirty="0"/>
           </a:p>
           <a:p>
-            <a:pPr lvl="1"/>
-            <a:r>
-              <a:rPr lang="en-US" altLang="zh-CN" dirty="0"/>
-              <a:t>CPU</a:t>
-            </a:r>
-          </a:p>
-          <a:p>
-            <a:pPr lvl="1"/>
-            <a:r>
-              <a:rPr lang="zh-CN" altLang="en-US" dirty="0"/>
-              <a:t>内存</a:t>
-            </a:r>
-            <a:endParaRPr lang="en-US" altLang="zh-CN" dirty="0"/>
-          </a:p>
-          <a:p>
-            <a:pPr lvl="2"/>
-            <a:r>
-              <a:rPr lang="en-US" altLang="zh-CN" dirty="0"/>
-              <a:t>64KB -&gt; 8GB</a:t>
-            </a:r>
-          </a:p>
-          <a:p>
-            <a:pPr lvl="1"/>
-            <a:r>
-              <a:rPr lang="zh-CN" altLang="en-US" dirty="0"/>
-              <a:t>网速</a:t>
-            </a:r>
-            <a:endParaRPr lang="en-US" altLang="zh-CN" dirty="0"/>
-          </a:p>
-          <a:p>
-            <a:pPr lvl="2"/>
-            <a:r>
-              <a:rPr lang="en-US" altLang="zh-CN" dirty="0"/>
-              <a:t>64KB/s -&gt; 100MB/s</a:t>
-            </a:r>
-          </a:p>
-          <a:p>
-            <a:pPr marL="342900" lvl="1" indent="0">
-              <a:buNone/>
-            </a:pPr>
             <a:endParaRPr lang="zh-CN" altLang="en-US" dirty="0"/>
           </a:p>
         </p:txBody>
@@ -6627,7 +6699,1257 @@
                   <a:srgbClr val="000000"/>
                 </a:solidFill>
               </a:rPr>
-              <a:t>2021-9-17</a:t>
+              <a:t>2022-9-15</a:t>
+            </a:fld>
+            <a:endParaRPr lang="en-US" altLang="zh-CN" dirty="0">
+              <a:solidFill>
+                <a:srgbClr val="000000"/>
+              </a:solidFill>
+            </a:endParaRPr>
+          </a:p>
+        </p:txBody>
+      </p:sp>
+      <p:pic>
+        <p:nvPicPr>
+          <p:cNvPr id="2050" name="Picture 2" descr="See the source image"/>
+          <p:cNvPicPr>
+            <a:picLocks noChangeAspect="1" noChangeArrowheads="1"/>
+          </p:cNvPicPr>
+          <p:nvPr/>
+        </p:nvPicPr>
+        <p:blipFill>
+          <a:blip r:embed="rId3" cstate="print">
+            <a:extLst>
+              <a:ext uri="{28A0092B-C50C-407E-A947-70E740481C1C}">
+                <a14:useLocalDpi xmlns:a14="http://schemas.microsoft.com/office/drawing/2010/main" val="0"/>
+              </a:ext>
+            </a:extLst>
+          </a:blip>
+          <a:srcRect/>
+          <a:stretch>
+            <a:fillRect/>
+          </a:stretch>
+        </p:blipFill>
+        <p:spPr bwMode="auto">
+          <a:xfrm>
+            <a:off x="508995" y="1998725"/>
+            <a:ext cx="2230463" cy="1648602"/>
+          </a:xfrm>
+          <a:prstGeom prst="rect">
+            <a:avLst/>
+          </a:prstGeom>
+          <a:noFill/>
+          <a:extLst>
+            <a:ext uri="{909E8E84-426E-40DD-AFC4-6F175D3DCCD1}">
+              <a14:hiddenFill xmlns:a14="http://schemas.microsoft.com/office/drawing/2010/main">
+                <a:solidFill>
+                  <a:srgbClr val="FFFFFF"/>
+                </a:solidFill>
+              </a14:hiddenFill>
+            </a:ext>
+          </a:extLst>
+        </p:spPr>
+      </p:pic>
+      <p:pic>
+        <p:nvPicPr>
+          <p:cNvPr id="2052" name="Picture 4" descr="See the source image"/>
+          <p:cNvPicPr>
+            <a:picLocks noChangeAspect="1" noChangeArrowheads="1"/>
+          </p:cNvPicPr>
+          <p:nvPr/>
+        </p:nvPicPr>
+        <p:blipFill>
+          <a:blip r:embed="rId4" cstate="print">
+            <a:extLst>
+              <a:ext uri="{28A0092B-C50C-407E-A947-70E740481C1C}">
+                <a14:useLocalDpi xmlns:a14="http://schemas.microsoft.com/office/drawing/2010/main" val="0"/>
+              </a:ext>
+            </a:extLst>
+          </a:blip>
+          <a:srcRect/>
+          <a:stretch>
+            <a:fillRect/>
+          </a:stretch>
+        </p:blipFill>
+        <p:spPr bwMode="auto">
+          <a:xfrm>
+            <a:off x="3581400" y="1998725"/>
+            <a:ext cx="2216909" cy="1662682"/>
+          </a:xfrm>
+          <a:prstGeom prst="rect">
+            <a:avLst/>
+          </a:prstGeom>
+          <a:noFill/>
+          <a:extLst>
+            <a:ext uri="{909E8E84-426E-40DD-AFC4-6F175D3DCCD1}">
+              <a14:hiddenFill xmlns:a14="http://schemas.microsoft.com/office/drawing/2010/main">
+                <a:solidFill>
+                  <a:srgbClr val="FFFFFF"/>
+                </a:solidFill>
+              </a14:hiddenFill>
+            </a:ext>
+          </a:extLst>
+        </p:spPr>
+      </p:pic>
+      <p:pic>
+        <p:nvPicPr>
+          <p:cNvPr id="2054" name="Picture 6" descr="See the source image"/>
+          <p:cNvPicPr>
+            <a:picLocks noChangeAspect="1" noChangeArrowheads="1"/>
+          </p:cNvPicPr>
+          <p:nvPr/>
+        </p:nvPicPr>
+        <p:blipFill>
+          <a:blip r:embed="rId5" cstate="print">
+            <a:extLst>
+              <a:ext uri="{28A0092B-C50C-407E-A947-70E740481C1C}">
+                <a14:useLocalDpi xmlns:a14="http://schemas.microsoft.com/office/drawing/2010/main" val="0"/>
+              </a:ext>
+            </a:extLst>
+          </a:blip>
+          <a:srcRect/>
+          <a:stretch>
+            <a:fillRect/>
+          </a:stretch>
+        </p:blipFill>
+        <p:spPr bwMode="auto">
+          <a:xfrm>
+            <a:off x="6612841" y="1955268"/>
+            <a:ext cx="1886608" cy="1886608"/>
+          </a:xfrm>
+          <a:prstGeom prst="rect">
+            <a:avLst/>
+          </a:prstGeom>
+          <a:noFill/>
+          <a:extLst>
+            <a:ext uri="{909E8E84-426E-40DD-AFC4-6F175D3DCCD1}">
+              <a14:hiddenFill xmlns:a14="http://schemas.microsoft.com/office/drawing/2010/main">
+                <a:solidFill>
+                  <a:srgbClr val="FFFFFF"/>
+                </a:solidFill>
+              </a14:hiddenFill>
+            </a:ext>
+          </a:extLst>
+        </p:spPr>
+      </p:pic>
+      <p:pic>
+        <p:nvPicPr>
+          <p:cNvPr id="7" name="图片 6"/>
+          <p:cNvPicPr>
+            <a:picLocks noChangeAspect="1"/>
+          </p:cNvPicPr>
+          <p:nvPr/>
+        </p:nvPicPr>
+        <p:blipFill>
+          <a:blip r:embed="rId6" cstate="print">
+            <a:extLst>
+              <a:ext uri="{28A0092B-C50C-407E-A947-70E740481C1C}">
+                <a14:useLocalDpi xmlns:a14="http://schemas.microsoft.com/office/drawing/2010/main" val="0"/>
+              </a:ext>
+            </a:extLst>
+          </a:blip>
+          <a:stretch>
+            <a:fillRect/>
+          </a:stretch>
+        </p:blipFill>
+        <p:spPr>
+          <a:xfrm>
+            <a:off x="9501290" y="1955268"/>
+            <a:ext cx="2118411" cy="1771327"/>
+          </a:xfrm>
+          <a:prstGeom prst="rect">
+            <a:avLst/>
+          </a:prstGeom>
+        </p:spPr>
+      </p:pic>
+      <p:sp>
+        <p:nvSpPr>
+          <p:cNvPr id="13" name="右箭头 12"/>
+          <p:cNvSpPr/>
+          <p:nvPr/>
+        </p:nvSpPr>
+        <p:spPr bwMode="auto">
+          <a:xfrm>
+            <a:off x="2959377" y="2394149"/>
+            <a:ext cx="429515" cy="857753"/>
+          </a:xfrm>
+          <a:prstGeom prst="rightArrow">
+            <a:avLst/>
+          </a:prstGeom>
+          <a:solidFill>
+            <a:schemeClr val="accent1"/>
+          </a:solidFill>
+          <a:ln w="9525" cap="flat" cmpd="sng" algn="ctr">
+            <a:solidFill>
+              <a:schemeClr val="tx1"/>
+            </a:solidFill>
+            <a:prstDash val="solid"/>
+            <a:round/>
+            <a:headEnd type="none" w="med" len="med"/>
+            <a:tailEnd type="none" w="med" len="med"/>
+          </a:ln>
+          <a:effectLst/>
+        </p:spPr>
+        <p:txBody>
+          <a:bodyPr vert="horz" wrap="square" lIns="91440" tIns="45720" rIns="91440" bIns="45720" numCol="1" rtlCol="0" anchor="t" anchorCtr="0" compatLnSpc="1">
+            <a:prstTxWarp prst="textNoShape">
+              <a:avLst/>
+            </a:prstTxWarp>
+          </a:bodyPr>
+          <a:lstStyle/>
+          <a:p>
+            <a:pPr marL="0" marR="0" indent="0" algn="l" defTabSz="914400" rtl="0" eaLnBrk="0" fontAlgn="base" latinLnBrk="0" hangingPunct="0">
+              <a:lnSpc>
+                <a:spcPct val="100000"/>
+              </a:lnSpc>
+              <a:spcBef>
+                <a:spcPct val="0"/>
+              </a:spcBef>
+              <a:spcAft>
+                <a:spcPct val="0"/>
+              </a:spcAft>
+              <a:buClrTx/>
+              <a:buSzTx/>
+              <a:buFontTx/>
+              <a:buNone/>
+              <a:tabLst/>
+            </a:pPr>
+            <a:endParaRPr kumimoji="0" lang="zh-CN" altLang="en-US" sz="1400" b="0" i="0" u="none" strike="noStrike" cap="none" normalizeH="0" baseline="0">
+              <a:ln>
+                <a:noFill/>
+              </a:ln>
+              <a:solidFill>
+                <a:schemeClr val="tx1"/>
+              </a:solidFill>
+              <a:effectLst/>
+              <a:latin typeface="Tahoma" pitchFamily="34" charset="0"/>
+            </a:endParaRPr>
+          </a:p>
+        </p:txBody>
+      </p:sp>
+      <p:pic>
+        <p:nvPicPr>
+          <p:cNvPr id="9" name="图片 8"/>
+          <p:cNvPicPr>
+            <a:picLocks noChangeAspect="1"/>
+          </p:cNvPicPr>
+          <p:nvPr/>
+        </p:nvPicPr>
+        <p:blipFill>
+          <a:blip r:embed="rId7">
+            <a:extLst>
+              <a:ext uri="{28A0092B-C50C-407E-A947-70E740481C1C}">
+                <a14:useLocalDpi xmlns:a14="http://schemas.microsoft.com/office/drawing/2010/main" val="0"/>
+              </a:ext>
+            </a:extLst>
+          </a:blip>
+          <a:stretch>
+            <a:fillRect/>
+          </a:stretch>
+        </p:blipFill>
+        <p:spPr>
+          <a:xfrm>
+            <a:off x="3060928" y="3580888"/>
+            <a:ext cx="3443868" cy="2952811"/>
+          </a:xfrm>
+          <a:prstGeom prst="rect">
+            <a:avLst/>
+          </a:prstGeom>
+        </p:spPr>
+      </p:pic>
+      <p:sp>
+        <p:nvSpPr>
+          <p:cNvPr id="14" name="右箭头 13"/>
+          <p:cNvSpPr/>
+          <p:nvPr/>
+        </p:nvSpPr>
+        <p:spPr bwMode="auto">
+          <a:xfrm>
+            <a:off x="6075281" y="2394149"/>
+            <a:ext cx="429515" cy="857753"/>
+          </a:xfrm>
+          <a:prstGeom prst="rightArrow">
+            <a:avLst/>
+          </a:prstGeom>
+          <a:solidFill>
+            <a:schemeClr val="accent1"/>
+          </a:solidFill>
+          <a:ln w="9525" cap="flat" cmpd="sng" algn="ctr">
+            <a:solidFill>
+              <a:schemeClr val="tx1"/>
+            </a:solidFill>
+            <a:prstDash val="solid"/>
+            <a:round/>
+            <a:headEnd type="none" w="med" len="med"/>
+            <a:tailEnd type="none" w="med" len="med"/>
+          </a:ln>
+          <a:effectLst/>
+        </p:spPr>
+        <p:txBody>
+          <a:bodyPr vert="horz" wrap="square" lIns="91440" tIns="45720" rIns="91440" bIns="45720" numCol="1" rtlCol="0" anchor="t" anchorCtr="0" compatLnSpc="1">
+            <a:prstTxWarp prst="textNoShape">
+              <a:avLst/>
+            </a:prstTxWarp>
+          </a:bodyPr>
+          <a:lstStyle/>
+          <a:p>
+            <a:pPr marL="0" marR="0" indent="0" algn="l" defTabSz="914400" rtl="0" eaLnBrk="0" fontAlgn="base" latinLnBrk="0" hangingPunct="0">
+              <a:lnSpc>
+                <a:spcPct val="100000"/>
+              </a:lnSpc>
+              <a:spcBef>
+                <a:spcPct val="0"/>
+              </a:spcBef>
+              <a:spcAft>
+                <a:spcPct val="0"/>
+              </a:spcAft>
+              <a:buClrTx/>
+              <a:buSzTx/>
+              <a:buFontTx/>
+              <a:buNone/>
+              <a:tabLst/>
+            </a:pPr>
+            <a:endParaRPr kumimoji="0" lang="zh-CN" altLang="en-US" sz="1400" b="0" i="0" u="none" strike="noStrike" cap="none" normalizeH="0" baseline="0">
+              <a:ln>
+                <a:noFill/>
+              </a:ln>
+              <a:solidFill>
+                <a:schemeClr val="tx1"/>
+              </a:solidFill>
+              <a:effectLst/>
+              <a:latin typeface="Tahoma" pitchFamily="34" charset="0"/>
+            </a:endParaRPr>
+          </a:p>
+        </p:txBody>
+      </p:sp>
+      <p:sp>
+        <p:nvSpPr>
+          <p:cNvPr id="15" name="右箭头 14"/>
+          <p:cNvSpPr/>
+          <p:nvPr/>
+        </p:nvSpPr>
+        <p:spPr bwMode="auto">
+          <a:xfrm>
+            <a:off x="8627829" y="2394149"/>
+            <a:ext cx="429515" cy="857753"/>
+          </a:xfrm>
+          <a:prstGeom prst="rightArrow">
+            <a:avLst/>
+          </a:prstGeom>
+          <a:solidFill>
+            <a:schemeClr val="accent1"/>
+          </a:solidFill>
+          <a:ln w="9525" cap="flat" cmpd="sng" algn="ctr">
+            <a:solidFill>
+              <a:schemeClr val="tx1"/>
+            </a:solidFill>
+            <a:prstDash val="solid"/>
+            <a:round/>
+            <a:headEnd type="none" w="med" len="med"/>
+            <a:tailEnd type="none" w="med" len="med"/>
+          </a:ln>
+          <a:effectLst/>
+        </p:spPr>
+        <p:txBody>
+          <a:bodyPr vert="horz" wrap="square" lIns="91440" tIns="45720" rIns="91440" bIns="45720" numCol="1" rtlCol="0" anchor="t" anchorCtr="0" compatLnSpc="1">
+            <a:prstTxWarp prst="textNoShape">
+              <a:avLst/>
+            </a:prstTxWarp>
+          </a:bodyPr>
+          <a:lstStyle/>
+          <a:p>
+            <a:pPr marL="0" marR="0" indent="0" algn="l" defTabSz="914400" rtl="0" eaLnBrk="0" fontAlgn="base" latinLnBrk="0" hangingPunct="0">
+              <a:lnSpc>
+                <a:spcPct val="100000"/>
+              </a:lnSpc>
+              <a:spcBef>
+                <a:spcPct val="0"/>
+              </a:spcBef>
+              <a:spcAft>
+                <a:spcPct val="0"/>
+              </a:spcAft>
+              <a:buClrTx/>
+              <a:buSzTx/>
+              <a:buFontTx/>
+              <a:buNone/>
+              <a:tabLst/>
+            </a:pPr>
+            <a:endParaRPr kumimoji="0" lang="zh-CN" altLang="en-US" sz="1400" b="0" i="0" u="none" strike="noStrike" cap="none" normalizeH="0" baseline="0">
+              <a:ln>
+                <a:noFill/>
+              </a:ln>
+              <a:solidFill>
+                <a:schemeClr val="tx1"/>
+              </a:solidFill>
+              <a:effectLst/>
+              <a:latin typeface="Tahoma" pitchFamily="34" charset="0"/>
+            </a:endParaRPr>
+          </a:p>
+        </p:txBody>
+      </p:sp>
+      <p:pic>
+        <p:nvPicPr>
+          <p:cNvPr id="8" name="图片 7"/>
+          <p:cNvPicPr>
+            <a:picLocks noChangeAspect="1"/>
+          </p:cNvPicPr>
+          <p:nvPr/>
+        </p:nvPicPr>
+        <p:blipFill>
+          <a:blip r:embed="rId8">
+            <a:extLst>
+              <a:ext uri="{28A0092B-C50C-407E-A947-70E740481C1C}">
+                <a14:useLocalDpi xmlns:a14="http://schemas.microsoft.com/office/drawing/2010/main" val="0"/>
+              </a:ext>
+            </a:extLst>
+          </a:blip>
+          <a:stretch>
+            <a:fillRect/>
+          </a:stretch>
+        </p:blipFill>
+        <p:spPr>
+          <a:xfrm>
+            <a:off x="9057344" y="4333173"/>
+            <a:ext cx="2733041" cy="1843667"/>
+          </a:xfrm>
+          <a:prstGeom prst="rect">
+            <a:avLst/>
+          </a:prstGeom>
+        </p:spPr>
+      </p:pic>
+      <p:pic>
+        <p:nvPicPr>
+          <p:cNvPr id="10" name="图片 9">
+            <a:extLst>
+              <a:ext uri="{FF2B5EF4-FFF2-40B4-BE49-F238E27FC236}">
+                <a16:creationId xmlns:a16="http://schemas.microsoft.com/office/drawing/2014/main" id="{4BF9AE49-7092-4814-A08F-B69B959D2604}"/>
+              </a:ext>
+            </a:extLst>
+          </p:cNvPr>
+          <p:cNvPicPr>
+            <a:picLocks noChangeAspect="1"/>
+          </p:cNvPicPr>
+          <p:nvPr/>
+        </p:nvPicPr>
+        <p:blipFill>
+          <a:blip r:embed="rId9"/>
+          <a:stretch>
+            <a:fillRect/>
+          </a:stretch>
+        </p:blipFill>
+        <p:spPr>
+          <a:xfrm>
+            <a:off x="2024701" y="3356482"/>
+            <a:ext cx="6122640" cy="3292655"/>
+          </a:xfrm>
+          <a:prstGeom prst="rect">
+            <a:avLst/>
+          </a:prstGeom>
+        </p:spPr>
+      </p:pic>
+    </p:spTree>
+    <p:extLst>
+      <p:ext uri="{BB962C8B-B14F-4D97-AF65-F5344CB8AC3E}">
+        <p14:creationId xmlns:p14="http://schemas.microsoft.com/office/powerpoint/2010/main" val="3613582510"/>
+      </p:ext>
+    </p:extLst>
+  </p:cSld>
+  <p:clrMapOvr>
+    <a:masterClrMapping/>
+  </p:clrMapOvr>
+  <p:timing>
+    <p:tnLst>
+      <p:par>
+        <p:cTn id="1" dur="indefinite" restart="never" nodeType="tmRoot">
+          <p:childTnLst>
+            <p:seq concurrent="1" nextAc="seek">
+              <p:cTn id="2" dur="indefinite" nodeType="mainSeq">
+                <p:childTnLst>
+                  <p:par>
+                    <p:cTn id="3" fill="hold">
+                      <p:stCondLst>
+                        <p:cond delay="indefinite"/>
+                      </p:stCondLst>
+                      <p:childTnLst>
+                        <p:par>
+                          <p:cTn id="4" fill="hold">
+                            <p:stCondLst>
+                              <p:cond delay="0"/>
+                            </p:stCondLst>
+                            <p:childTnLst>
+                              <p:par>
+                                <p:cTn id="5" presetID="10" presetClass="entr" presetSubtype="0" fill="hold" nodeType="clickEffect">
+                                  <p:stCondLst>
+                                    <p:cond delay="0"/>
+                                  </p:stCondLst>
+                                  <p:childTnLst>
+                                    <p:set>
+                                      <p:cBhvr>
+                                        <p:cTn id="6" dur="1" fill="hold">
+                                          <p:stCondLst>
+                                            <p:cond delay="0"/>
+                                          </p:stCondLst>
+                                        </p:cTn>
+                                        <p:tgtEl>
+                                          <p:spTgt spid="2050"/>
+                                        </p:tgtEl>
+                                        <p:attrNameLst>
+                                          <p:attrName>style.visibility</p:attrName>
+                                        </p:attrNameLst>
+                                      </p:cBhvr>
+                                      <p:to>
+                                        <p:strVal val="visible"/>
+                                      </p:to>
+                                    </p:set>
+                                    <p:animEffect transition="in" filter="fade">
+                                      <p:cBhvr>
+                                        <p:cTn id="7" dur="500"/>
+                                        <p:tgtEl>
+                                          <p:spTgt spid="2050"/>
+                                        </p:tgtEl>
+                                      </p:cBhvr>
+                                    </p:animEffect>
+                                  </p:childTnLst>
+                                </p:cTn>
+                              </p:par>
+                            </p:childTnLst>
+                          </p:cTn>
+                        </p:par>
+                      </p:childTnLst>
+                    </p:cTn>
+                  </p:par>
+                  <p:par>
+                    <p:cTn id="8" fill="hold">
+                      <p:stCondLst>
+                        <p:cond delay="indefinite"/>
+                      </p:stCondLst>
+                      <p:childTnLst>
+                        <p:par>
+                          <p:cTn id="9" fill="hold">
+                            <p:stCondLst>
+                              <p:cond delay="0"/>
+                            </p:stCondLst>
+                            <p:childTnLst>
+                              <p:par>
+                                <p:cTn id="10" presetID="10" presetClass="entr" presetSubtype="0" fill="hold" grpId="0" nodeType="clickEffect">
+                                  <p:stCondLst>
+                                    <p:cond delay="0"/>
+                                  </p:stCondLst>
+                                  <p:childTnLst>
+                                    <p:set>
+                                      <p:cBhvr>
+                                        <p:cTn id="11" dur="1" fill="hold">
+                                          <p:stCondLst>
+                                            <p:cond delay="0"/>
+                                          </p:stCondLst>
+                                        </p:cTn>
+                                        <p:tgtEl>
+                                          <p:spTgt spid="13"/>
+                                        </p:tgtEl>
+                                        <p:attrNameLst>
+                                          <p:attrName>style.visibility</p:attrName>
+                                        </p:attrNameLst>
+                                      </p:cBhvr>
+                                      <p:to>
+                                        <p:strVal val="visible"/>
+                                      </p:to>
+                                    </p:set>
+                                    <p:animEffect transition="in" filter="fade">
+                                      <p:cBhvr>
+                                        <p:cTn id="12" dur="500"/>
+                                        <p:tgtEl>
+                                          <p:spTgt spid="13"/>
+                                        </p:tgtEl>
+                                      </p:cBhvr>
+                                    </p:animEffect>
+                                  </p:childTnLst>
+                                </p:cTn>
+                              </p:par>
+                            </p:childTnLst>
+                          </p:cTn>
+                        </p:par>
+                      </p:childTnLst>
+                    </p:cTn>
+                  </p:par>
+                  <p:par>
+                    <p:cTn id="13" fill="hold">
+                      <p:stCondLst>
+                        <p:cond delay="indefinite"/>
+                      </p:stCondLst>
+                      <p:childTnLst>
+                        <p:par>
+                          <p:cTn id="14" fill="hold">
+                            <p:stCondLst>
+                              <p:cond delay="0"/>
+                            </p:stCondLst>
+                            <p:childTnLst>
+                              <p:par>
+                                <p:cTn id="15" presetID="10" presetClass="entr" presetSubtype="0" fill="hold" nodeType="clickEffect">
+                                  <p:stCondLst>
+                                    <p:cond delay="0"/>
+                                  </p:stCondLst>
+                                  <p:childTnLst>
+                                    <p:set>
+                                      <p:cBhvr>
+                                        <p:cTn id="16" dur="1" fill="hold">
+                                          <p:stCondLst>
+                                            <p:cond delay="0"/>
+                                          </p:stCondLst>
+                                        </p:cTn>
+                                        <p:tgtEl>
+                                          <p:spTgt spid="2052"/>
+                                        </p:tgtEl>
+                                        <p:attrNameLst>
+                                          <p:attrName>style.visibility</p:attrName>
+                                        </p:attrNameLst>
+                                      </p:cBhvr>
+                                      <p:to>
+                                        <p:strVal val="visible"/>
+                                      </p:to>
+                                    </p:set>
+                                    <p:animEffect transition="in" filter="fade">
+                                      <p:cBhvr>
+                                        <p:cTn id="17" dur="500"/>
+                                        <p:tgtEl>
+                                          <p:spTgt spid="2052"/>
+                                        </p:tgtEl>
+                                      </p:cBhvr>
+                                    </p:animEffect>
+                                  </p:childTnLst>
+                                </p:cTn>
+                              </p:par>
+                            </p:childTnLst>
+                          </p:cTn>
+                        </p:par>
+                      </p:childTnLst>
+                    </p:cTn>
+                  </p:par>
+                  <p:par>
+                    <p:cTn id="18" fill="hold">
+                      <p:stCondLst>
+                        <p:cond delay="indefinite"/>
+                      </p:stCondLst>
+                      <p:childTnLst>
+                        <p:par>
+                          <p:cTn id="19" fill="hold">
+                            <p:stCondLst>
+                              <p:cond delay="0"/>
+                            </p:stCondLst>
+                            <p:childTnLst>
+                              <p:par>
+                                <p:cTn id="20" presetID="10" presetClass="entr" presetSubtype="0" fill="hold" nodeType="clickEffect">
+                                  <p:stCondLst>
+                                    <p:cond delay="0"/>
+                                  </p:stCondLst>
+                                  <p:childTnLst>
+                                    <p:set>
+                                      <p:cBhvr>
+                                        <p:cTn id="21" dur="1" fill="hold">
+                                          <p:stCondLst>
+                                            <p:cond delay="0"/>
+                                          </p:stCondLst>
+                                        </p:cTn>
+                                        <p:tgtEl>
+                                          <p:spTgt spid="9"/>
+                                        </p:tgtEl>
+                                        <p:attrNameLst>
+                                          <p:attrName>style.visibility</p:attrName>
+                                        </p:attrNameLst>
+                                      </p:cBhvr>
+                                      <p:to>
+                                        <p:strVal val="visible"/>
+                                      </p:to>
+                                    </p:set>
+                                    <p:animEffect transition="in" filter="fade">
+                                      <p:cBhvr>
+                                        <p:cTn id="22" dur="500"/>
+                                        <p:tgtEl>
+                                          <p:spTgt spid="9"/>
+                                        </p:tgtEl>
+                                      </p:cBhvr>
+                                    </p:animEffect>
+                                  </p:childTnLst>
+                                </p:cTn>
+                              </p:par>
+                            </p:childTnLst>
+                          </p:cTn>
+                        </p:par>
+                      </p:childTnLst>
+                    </p:cTn>
+                  </p:par>
+                  <p:par>
+                    <p:cTn id="23" fill="hold">
+                      <p:stCondLst>
+                        <p:cond delay="indefinite"/>
+                      </p:stCondLst>
+                      <p:childTnLst>
+                        <p:par>
+                          <p:cTn id="24" fill="hold">
+                            <p:stCondLst>
+                              <p:cond delay="0"/>
+                            </p:stCondLst>
+                            <p:childTnLst>
+                              <p:par>
+                                <p:cTn id="25" presetID="10" presetClass="entr" presetSubtype="0" fill="hold" grpId="0" nodeType="clickEffect">
+                                  <p:stCondLst>
+                                    <p:cond delay="0"/>
+                                  </p:stCondLst>
+                                  <p:childTnLst>
+                                    <p:set>
+                                      <p:cBhvr>
+                                        <p:cTn id="26" dur="1" fill="hold">
+                                          <p:stCondLst>
+                                            <p:cond delay="0"/>
+                                          </p:stCondLst>
+                                        </p:cTn>
+                                        <p:tgtEl>
+                                          <p:spTgt spid="14"/>
+                                        </p:tgtEl>
+                                        <p:attrNameLst>
+                                          <p:attrName>style.visibility</p:attrName>
+                                        </p:attrNameLst>
+                                      </p:cBhvr>
+                                      <p:to>
+                                        <p:strVal val="visible"/>
+                                      </p:to>
+                                    </p:set>
+                                    <p:animEffect transition="in" filter="fade">
+                                      <p:cBhvr>
+                                        <p:cTn id="27" dur="500"/>
+                                        <p:tgtEl>
+                                          <p:spTgt spid="14"/>
+                                        </p:tgtEl>
+                                      </p:cBhvr>
+                                    </p:animEffect>
+                                  </p:childTnLst>
+                                </p:cTn>
+                              </p:par>
+                              <p:par>
+                                <p:cTn id="28" presetID="1" presetClass="exit" presetSubtype="0" fill="hold" nodeType="withEffect">
+                                  <p:stCondLst>
+                                    <p:cond delay="0"/>
+                                  </p:stCondLst>
+                                  <p:childTnLst>
+                                    <p:set>
+                                      <p:cBhvr>
+                                        <p:cTn id="29" dur="1" fill="hold">
+                                          <p:stCondLst>
+                                            <p:cond delay="0"/>
+                                          </p:stCondLst>
+                                        </p:cTn>
+                                        <p:tgtEl>
+                                          <p:spTgt spid="9"/>
+                                        </p:tgtEl>
+                                        <p:attrNameLst>
+                                          <p:attrName>style.visibility</p:attrName>
+                                        </p:attrNameLst>
+                                      </p:cBhvr>
+                                      <p:to>
+                                        <p:strVal val="hidden"/>
+                                      </p:to>
+                                    </p:set>
+                                  </p:childTnLst>
+                                </p:cTn>
+                              </p:par>
+                            </p:childTnLst>
+                          </p:cTn>
+                        </p:par>
+                      </p:childTnLst>
+                    </p:cTn>
+                  </p:par>
+                  <p:par>
+                    <p:cTn id="30" fill="hold">
+                      <p:stCondLst>
+                        <p:cond delay="indefinite"/>
+                      </p:stCondLst>
+                      <p:childTnLst>
+                        <p:par>
+                          <p:cTn id="31" fill="hold">
+                            <p:stCondLst>
+                              <p:cond delay="0"/>
+                            </p:stCondLst>
+                            <p:childTnLst>
+                              <p:par>
+                                <p:cTn id="32" presetID="10" presetClass="entr" presetSubtype="0" fill="hold" nodeType="clickEffect">
+                                  <p:stCondLst>
+                                    <p:cond delay="0"/>
+                                  </p:stCondLst>
+                                  <p:childTnLst>
+                                    <p:set>
+                                      <p:cBhvr>
+                                        <p:cTn id="33" dur="1" fill="hold">
+                                          <p:stCondLst>
+                                            <p:cond delay="0"/>
+                                          </p:stCondLst>
+                                        </p:cTn>
+                                        <p:tgtEl>
+                                          <p:spTgt spid="2054"/>
+                                        </p:tgtEl>
+                                        <p:attrNameLst>
+                                          <p:attrName>style.visibility</p:attrName>
+                                        </p:attrNameLst>
+                                      </p:cBhvr>
+                                      <p:to>
+                                        <p:strVal val="visible"/>
+                                      </p:to>
+                                    </p:set>
+                                    <p:animEffect transition="in" filter="fade">
+                                      <p:cBhvr>
+                                        <p:cTn id="34" dur="500"/>
+                                        <p:tgtEl>
+                                          <p:spTgt spid="2054"/>
+                                        </p:tgtEl>
+                                      </p:cBhvr>
+                                    </p:animEffect>
+                                  </p:childTnLst>
+                                </p:cTn>
+                              </p:par>
+                            </p:childTnLst>
+                          </p:cTn>
+                        </p:par>
+                      </p:childTnLst>
+                    </p:cTn>
+                  </p:par>
+                  <p:par>
+                    <p:cTn id="35" fill="hold">
+                      <p:stCondLst>
+                        <p:cond delay="indefinite"/>
+                      </p:stCondLst>
+                      <p:childTnLst>
+                        <p:par>
+                          <p:cTn id="36" fill="hold">
+                            <p:stCondLst>
+                              <p:cond delay="0"/>
+                            </p:stCondLst>
+                            <p:childTnLst>
+                              <p:par>
+                                <p:cTn id="37" presetID="10" presetClass="entr" presetSubtype="0" fill="hold" grpId="0" nodeType="clickEffect">
+                                  <p:stCondLst>
+                                    <p:cond delay="0"/>
+                                  </p:stCondLst>
+                                  <p:childTnLst>
+                                    <p:set>
+                                      <p:cBhvr>
+                                        <p:cTn id="38" dur="1" fill="hold">
+                                          <p:stCondLst>
+                                            <p:cond delay="0"/>
+                                          </p:stCondLst>
+                                        </p:cTn>
+                                        <p:tgtEl>
+                                          <p:spTgt spid="15"/>
+                                        </p:tgtEl>
+                                        <p:attrNameLst>
+                                          <p:attrName>style.visibility</p:attrName>
+                                        </p:attrNameLst>
+                                      </p:cBhvr>
+                                      <p:to>
+                                        <p:strVal val="visible"/>
+                                      </p:to>
+                                    </p:set>
+                                    <p:animEffect transition="in" filter="fade">
+                                      <p:cBhvr>
+                                        <p:cTn id="39" dur="500"/>
+                                        <p:tgtEl>
+                                          <p:spTgt spid="15"/>
+                                        </p:tgtEl>
+                                      </p:cBhvr>
+                                    </p:animEffect>
+                                  </p:childTnLst>
+                                </p:cTn>
+                              </p:par>
+                            </p:childTnLst>
+                          </p:cTn>
+                        </p:par>
+                      </p:childTnLst>
+                    </p:cTn>
+                  </p:par>
+                  <p:par>
+                    <p:cTn id="40" fill="hold">
+                      <p:stCondLst>
+                        <p:cond delay="indefinite"/>
+                      </p:stCondLst>
+                      <p:childTnLst>
+                        <p:par>
+                          <p:cTn id="41" fill="hold">
+                            <p:stCondLst>
+                              <p:cond delay="0"/>
+                            </p:stCondLst>
+                            <p:childTnLst>
+                              <p:par>
+                                <p:cTn id="42" presetID="10" presetClass="entr" presetSubtype="0" fill="hold" nodeType="clickEffect">
+                                  <p:stCondLst>
+                                    <p:cond delay="0"/>
+                                  </p:stCondLst>
+                                  <p:childTnLst>
+                                    <p:set>
+                                      <p:cBhvr>
+                                        <p:cTn id="43" dur="1" fill="hold">
+                                          <p:stCondLst>
+                                            <p:cond delay="0"/>
+                                          </p:stCondLst>
+                                        </p:cTn>
+                                        <p:tgtEl>
+                                          <p:spTgt spid="7"/>
+                                        </p:tgtEl>
+                                        <p:attrNameLst>
+                                          <p:attrName>style.visibility</p:attrName>
+                                        </p:attrNameLst>
+                                      </p:cBhvr>
+                                      <p:to>
+                                        <p:strVal val="visible"/>
+                                      </p:to>
+                                    </p:set>
+                                    <p:animEffect transition="in" filter="fade">
+                                      <p:cBhvr>
+                                        <p:cTn id="44" dur="500"/>
+                                        <p:tgtEl>
+                                          <p:spTgt spid="7"/>
+                                        </p:tgtEl>
+                                      </p:cBhvr>
+                                    </p:animEffect>
+                                  </p:childTnLst>
+                                </p:cTn>
+                              </p:par>
+                            </p:childTnLst>
+                          </p:cTn>
+                        </p:par>
+                      </p:childTnLst>
+                    </p:cTn>
+                  </p:par>
+                  <p:par>
+                    <p:cTn id="45" fill="hold">
+                      <p:stCondLst>
+                        <p:cond delay="indefinite"/>
+                      </p:stCondLst>
+                      <p:childTnLst>
+                        <p:par>
+                          <p:cTn id="46" fill="hold">
+                            <p:stCondLst>
+                              <p:cond delay="0"/>
+                            </p:stCondLst>
+                            <p:childTnLst>
+                              <p:par>
+                                <p:cTn id="47" presetID="10" presetClass="entr" presetSubtype="0" fill="hold" nodeType="clickEffect">
+                                  <p:stCondLst>
+                                    <p:cond delay="0"/>
+                                  </p:stCondLst>
+                                  <p:childTnLst>
+                                    <p:set>
+                                      <p:cBhvr>
+                                        <p:cTn id="48" dur="1" fill="hold">
+                                          <p:stCondLst>
+                                            <p:cond delay="0"/>
+                                          </p:stCondLst>
+                                        </p:cTn>
+                                        <p:tgtEl>
+                                          <p:spTgt spid="10"/>
+                                        </p:tgtEl>
+                                        <p:attrNameLst>
+                                          <p:attrName>style.visibility</p:attrName>
+                                        </p:attrNameLst>
+                                      </p:cBhvr>
+                                      <p:to>
+                                        <p:strVal val="visible"/>
+                                      </p:to>
+                                    </p:set>
+                                    <p:animEffect transition="in" filter="fade">
+                                      <p:cBhvr>
+                                        <p:cTn id="49" dur="500"/>
+                                        <p:tgtEl>
+                                          <p:spTgt spid="10"/>
+                                        </p:tgtEl>
+                                      </p:cBhvr>
+                                    </p:animEffect>
+                                  </p:childTnLst>
+                                </p:cTn>
+                              </p:par>
+                            </p:childTnLst>
+                          </p:cTn>
+                        </p:par>
+                      </p:childTnLst>
+                    </p:cTn>
+                  </p:par>
+                  <p:par>
+                    <p:cTn id="50" fill="hold">
+                      <p:stCondLst>
+                        <p:cond delay="indefinite"/>
+                      </p:stCondLst>
+                      <p:childTnLst>
+                        <p:par>
+                          <p:cTn id="51" fill="hold">
+                            <p:stCondLst>
+                              <p:cond delay="0"/>
+                            </p:stCondLst>
+                            <p:childTnLst>
+                              <p:par>
+                                <p:cTn id="52" presetID="10" presetClass="entr" presetSubtype="0" fill="hold" nodeType="clickEffect">
+                                  <p:stCondLst>
+                                    <p:cond delay="0"/>
+                                  </p:stCondLst>
+                                  <p:childTnLst>
+                                    <p:set>
+                                      <p:cBhvr>
+                                        <p:cTn id="53" dur="1" fill="hold">
+                                          <p:stCondLst>
+                                            <p:cond delay="0"/>
+                                          </p:stCondLst>
+                                        </p:cTn>
+                                        <p:tgtEl>
+                                          <p:spTgt spid="8"/>
+                                        </p:tgtEl>
+                                        <p:attrNameLst>
+                                          <p:attrName>style.visibility</p:attrName>
+                                        </p:attrNameLst>
+                                      </p:cBhvr>
+                                      <p:to>
+                                        <p:strVal val="visible"/>
+                                      </p:to>
+                                    </p:set>
+                                    <p:animEffect transition="in" filter="fade">
+                                      <p:cBhvr>
+                                        <p:cTn id="54" dur="500"/>
+                                        <p:tgtEl>
+                                          <p:spTgt spid="8"/>
+                                        </p:tgtEl>
+                                      </p:cBhvr>
+                                    </p:animEffect>
+                                  </p:childTnLst>
+                                </p:cTn>
+                              </p:par>
+                            </p:childTnLst>
+                          </p:cTn>
+                        </p:par>
+                      </p:childTnLst>
+                    </p:cTn>
+                  </p:par>
+                </p:childTnLst>
+              </p:cTn>
+              <p:prevCondLst>
+                <p:cond evt="onPrev" delay="0">
+                  <p:tgtEl>
+                    <p:sldTgt/>
+                  </p:tgtEl>
+                </p:cond>
+              </p:prevCondLst>
+              <p:nextCondLst>
+                <p:cond evt="onNext" delay="0">
+                  <p:tgtEl>
+                    <p:sldTgt/>
+                  </p:tgtEl>
+                </p:cond>
+              </p:nextCondLst>
+            </p:seq>
+          </p:childTnLst>
+        </p:cTn>
+      </p:par>
+    </p:tnLst>
+    <p:bldLst>
+      <p:bldP spid="13" grpId="0" animBg="1"/>
+      <p:bldP spid="14" grpId="0" animBg="1"/>
+      <p:bldP spid="15" grpId="0" animBg="1"/>
+    </p:bldLst>
+  </p:timing>
+</p:sld>
+</file>
+
+<file path=ppt/slides/slide11.xml><?xml version="1.0" encoding="utf-8"?>
+<p:sld xmlns:a="http://schemas.openxmlformats.org/drawingml/2006/main" xmlns:r="http://schemas.openxmlformats.org/officeDocument/2006/relationships" xmlns:p="http://schemas.openxmlformats.org/presentationml/2006/main">
+  <p:cSld>
+    <p:spTree>
+      <p:nvGrpSpPr>
+        <p:cNvPr id="1" name=""/>
+        <p:cNvGrpSpPr/>
+        <p:nvPr/>
+      </p:nvGrpSpPr>
+      <p:grpSpPr>
+        <a:xfrm>
+          <a:off x="0" y="0"/>
+          <a:ext cx="0" cy="0"/>
+          <a:chOff x="0" y="0"/>
+          <a:chExt cx="0" cy="0"/>
+        </a:xfrm>
+      </p:grpSpPr>
+      <p:sp>
+        <p:nvSpPr>
+          <p:cNvPr id="2" name="标题 1"/>
+          <p:cNvSpPr>
+            <a:spLocks noGrp="1"/>
+          </p:cNvSpPr>
+          <p:nvPr>
+            <p:ph type="title"/>
+          </p:nvPr>
+        </p:nvSpPr>
+        <p:spPr/>
+        <p:txBody>
+          <a:bodyPr/>
+          <a:lstStyle/>
+          <a:p>
+            <a:r>
+              <a:rPr lang="zh-CN" altLang="en-US" dirty="0"/>
+              <a:t>大数据的产生</a:t>
+            </a:r>
+          </a:p>
+        </p:txBody>
+      </p:sp>
+      <p:sp>
+        <p:nvSpPr>
+          <p:cNvPr id="3" name="内容占位符 2"/>
+          <p:cNvSpPr>
+            <a:spLocks noGrp="1"/>
+          </p:cNvSpPr>
+          <p:nvPr>
+            <p:ph idx="1"/>
+          </p:nvPr>
+        </p:nvSpPr>
+        <p:spPr/>
+        <p:txBody>
+          <a:bodyPr/>
+          <a:lstStyle/>
+          <a:p>
+            <a:r>
+              <a:rPr lang="zh-CN" altLang="en-US" dirty="0"/>
+              <a:t>其它硬件技术的进步</a:t>
+            </a:r>
+            <a:endParaRPr lang="en-US" altLang="zh-CN" dirty="0"/>
+          </a:p>
+          <a:p>
+            <a:pPr lvl="1"/>
+            <a:r>
+              <a:rPr lang="en-US" altLang="zh-CN" dirty="0"/>
+              <a:t>CPU</a:t>
+            </a:r>
+          </a:p>
+          <a:p>
+            <a:pPr lvl="1"/>
+            <a:r>
+              <a:rPr lang="zh-CN" altLang="en-US" dirty="0"/>
+              <a:t>内存</a:t>
+            </a:r>
+            <a:endParaRPr lang="en-US" altLang="zh-CN" dirty="0"/>
+          </a:p>
+          <a:p>
+            <a:pPr lvl="2"/>
+            <a:r>
+              <a:rPr lang="en-US" altLang="zh-CN" dirty="0"/>
+              <a:t>64KB -&gt; 8GB</a:t>
+            </a:r>
+          </a:p>
+          <a:p>
+            <a:pPr lvl="1"/>
+            <a:r>
+              <a:rPr lang="zh-CN" altLang="en-US" dirty="0"/>
+              <a:t>网速</a:t>
+            </a:r>
+            <a:endParaRPr lang="en-US" altLang="zh-CN" dirty="0"/>
+          </a:p>
+          <a:p>
+            <a:pPr lvl="2"/>
+            <a:r>
+              <a:rPr lang="en-US" altLang="zh-CN" dirty="0"/>
+              <a:t>64KB/s -&gt; 1GB/s</a:t>
+            </a:r>
+          </a:p>
+          <a:p>
+            <a:pPr marL="342900" lvl="1" indent="0">
+              <a:buNone/>
+            </a:pPr>
+            <a:endParaRPr lang="zh-CN" altLang="en-US" dirty="0"/>
+          </a:p>
+        </p:txBody>
+      </p:sp>
+      <p:sp>
+        <p:nvSpPr>
+          <p:cNvPr id="4" name="灯片编号占位符 3"/>
+          <p:cNvSpPr>
+            <a:spLocks noGrp="1"/>
+          </p:cNvSpPr>
+          <p:nvPr>
+            <p:ph type="sldNum" sz="quarter" idx="12"/>
+          </p:nvPr>
+        </p:nvSpPr>
+        <p:spPr/>
+        <p:txBody>
+          <a:bodyPr/>
+          <a:lstStyle/>
+          <a:p>
+            <a:fld id="{9A36BD81-06CB-49E9-86F3-1AB1E07B7A01}" type="slidenum">
+              <a:rPr lang="en-US" altLang="zh-CN" smtClean="0">
+                <a:solidFill>
+                  <a:srgbClr val="000000"/>
+                </a:solidFill>
+              </a:rPr>
+              <a:pPr/>
+              <a:t>11</a:t>
+            </a:fld>
+            <a:endParaRPr lang="en-US" altLang="zh-CN">
+              <a:solidFill>
+                <a:srgbClr val="000000"/>
+              </a:solidFill>
+            </a:endParaRPr>
+          </a:p>
+        </p:txBody>
+      </p:sp>
+      <p:sp>
+        <p:nvSpPr>
+          <p:cNvPr id="5" name="页脚占位符 4"/>
+          <p:cNvSpPr>
+            <a:spLocks noGrp="1"/>
+          </p:cNvSpPr>
+          <p:nvPr>
+            <p:ph type="ftr" sz="quarter" idx="11"/>
+          </p:nvPr>
+        </p:nvSpPr>
+        <p:spPr/>
+        <p:txBody>
+          <a:bodyPr/>
+          <a:lstStyle/>
+          <a:p>
+            <a:r>
+              <a:rPr lang="zh-CN" altLang="en-US">
+                <a:solidFill>
+                  <a:srgbClr val="000000"/>
+                </a:solidFill>
+              </a:rPr>
+              <a:t>大数据分析基础 </a:t>
+            </a:r>
+            <a:r>
+              <a:rPr lang="en-US" altLang="zh-CN">
+                <a:solidFill>
+                  <a:srgbClr val="000000"/>
+                </a:solidFill>
+              </a:rPr>
+              <a:t>(By Dr. Fang)</a:t>
+            </a:r>
+            <a:endParaRPr lang="en-US" altLang="zh-CN" dirty="0">
+              <a:solidFill>
+                <a:srgbClr val="000000"/>
+              </a:solidFill>
+            </a:endParaRPr>
+          </a:p>
+        </p:txBody>
+      </p:sp>
+      <p:sp>
+        <p:nvSpPr>
+          <p:cNvPr id="6" name="日期占位符 5"/>
+          <p:cNvSpPr>
+            <a:spLocks noGrp="1"/>
+          </p:cNvSpPr>
+          <p:nvPr>
+            <p:ph type="dt" sz="half" idx="10"/>
+          </p:nvPr>
+        </p:nvSpPr>
+        <p:spPr/>
+        <p:txBody>
+          <a:bodyPr/>
+          <a:lstStyle/>
+          <a:p>
+            <a:fld id="{3D3DADA3-AAC4-4DED-838A-DCC1C6C6A803}" type="datetime1">
+              <a:rPr lang="zh-CN" altLang="en-US" smtClean="0">
+                <a:solidFill>
+                  <a:srgbClr val="000000"/>
+                </a:solidFill>
+              </a:rPr>
+              <a:t>2022-9-15</a:t>
             </a:fld>
             <a:endParaRPr lang="en-US" altLang="zh-CN" dirty="0">
               <a:solidFill>
@@ -7062,7 +8384,7 @@
 </p:sld>
 </file>
 
-<file path=ppt/slides/slide11.xml><?xml version="1.0" encoding="utf-8"?>
+<file path=ppt/slides/slide12.xml><?xml version="1.0" encoding="utf-8"?>
 <p:sld xmlns:a="http://schemas.openxmlformats.org/drawingml/2006/main" xmlns:r="http://schemas.openxmlformats.org/officeDocument/2006/relationships" xmlns:p="http://schemas.openxmlformats.org/presentationml/2006/main">
   <p:cSld>
     <p:spTree>
@@ -7228,7 +8550,7 @@
                 </a:solidFill>
               </a:rPr>
               <a:pPr/>
-              <a:t>11</a:t>
+              <a:t>12</a:t>
             </a:fld>
             <a:endParaRPr lang="en-US" altLang="zh-CN">
               <a:solidFill>
@@ -7298,7 +8620,7 @@
                   <a:srgbClr val="000000"/>
                 </a:solidFill>
               </a:rPr>
-              <a:t>2021-9-17</a:t>
+              <a:t>2022-9-15</a:t>
             </a:fld>
             <a:endParaRPr lang="en-US" altLang="zh-CN" dirty="0">
               <a:solidFill>
@@ -7534,7 +8856,7 @@
 </p:sld>
 </file>
 
-<file path=ppt/slides/slide12.xml><?xml version="1.0" encoding="utf-8"?>
+<file path=ppt/slides/slide13.xml><?xml version="1.0" encoding="utf-8"?>
 <p:sld xmlns:a="http://schemas.openxmlformats.org/drawingml/2006/main" xmlns:r="http://schemas.openxmlformats.org/officeDocument/2006/relationships" xmlns:p="http://schemas.openxmlformats.org/presentationml/2006/main">
   <p:cSld>
     <p:spTree>
@@ -7614,7 +8936,7 @@
                 </a:solidFill>
               </a:rPr>
               <a:pPr/>
-              <a:t>12</a:t>
+              <a:t>13</a:t>
             </a:fld>
             <a:endParaRPr lang="en-US" altLang="zh-CN">
               <a:solidFill>
@@ -7684,7 +9006,7 @@
                   <a:srgbClr val="000000"/>
                 </a:solidFill>
               </a:rPr>
-              <a:t>2021-9-17</a:t>
+              <a:t>2022-9-15</a:t>
             </a:fld>
             <a:endParaRPr lang="en-US" altLang="zh-CN" dirty="0">
               <a:solidFill>
@@ -9826,7 +11148,7 @@
 </p:sld>
 </file>
 
-<file path=ppt/slides/slide13.xml><?xml version="1.0" encoding="utf-8"?>
+<file path=ppt/slides/slide14.xml><?xml version="1.0" encoding="utf-8"?>
 <p:sld xmlns:a="http://schemas.openxmlformats.org/drawingml/2006/main" xmlns:r="http://schemas.openxmlformats.org/officeDocument/2006/relationships" xmlns:p="http://schemas.openxmlformats.org/presentationml/2006/main">
   <p:cSld>
     <p:spTree>
@@ -9909,7 +11231,7 @@
                 </a:solidFill>
               </a:rPr>
               <a:pPr/>
-              <a:t>13</a:t>
+              <a:t>14</a:t>
             </a:fld>
             <a:endParaRPr lang="en-US" altLang="zh-CN">
               <a:solidFill>
@@ -9979,7 +11301,7 @@
                   <a:srgbClr val="000000"/>
                 </a:solidFill>
               </a:rPr>
-              <a:t>2021-9-17</a:t>
+              <a:t>2022-9-15</a:t>
             </a:fld>
             <a:endParaRPr lang="en-US" altLang="zh-CN" dirty="0">
               <a:solidFill>
@@ -10811,7 +12133,7 @@
 </p:sld>
 </file>
 
-<file path=ppt/slides/slide14.xml><?xml version="1.0" encoding="utf-8"?>
+<file path=ppt/slides/slide15.xml><?xml version="1.0" encoding="utf-8"?>
 <p:sld xmlns:a="http://schemas.openxmlformats.org/drawingml/2006/main" xmlns:r="http://schemas.openxmlformats.org/officeDocument/2006/relationships" xmlns:p="http://schemas.openxmlformats.org/presentationml/2006/main">
   <p:cSld>
     <p:spTree>
@@ -10894,7 +12216,7 @@
                 </a:solidFill>
               </a:rPr>
               <a:pPr/>
-              <a:t>14</a:t>
+              <a:t>15</a:t>
             </a:fld>
             <a:endParaRPr lang="en-US" altLang="zh-CN">
               <a:solidFill>
@@ -10964,7 +12286,7 @@
                   <a:srgbClr val="000000"/>
                 </a:solidFill>
               </a:rPr>
-              <a:t>2021-9-17</a:t>
+              <a:t>2022-9-15</a:t>
             </a:fld>
             <a:endParaRPr lang="en-US" altLang="zh-CN" dirty="0">
               <a:solidFill>
@@ -11980,252 +13302,6 @@
 </p:sld>
 </file>
 
-<file path=ppt/slides/slide15.xml><?xml version="1.0" encoding="utf-8"?>
-<p:sld xmlns:a="http://schemas.openxmlformats.org/drawingml/2006/main" xmlns:r="http://schemas.openxmlformats.org/officeDocument/2006/relationships" xmlns:p="http://schemas.openxmlformats.org/presentationml/2006/main">
-  <p:cSld>
-    <p:spTree>
-      <p:nvGrpSpPr>
-        <p:cNvPr id="1" name=""/>
-        <p:cNvGrpSpPr/>
-        <p:nvPr/>
-      </p:nvGrpSpPr>
-      <p:grpSpPr>
-        <a:xfrm>
-          <a:off x="0" y="0"/>
-          <a:ext cx="0" cy="0"/>
-          <a:chOff x="0" y="0"/>
-          <a:chExt cx="0" cy="0"/>
-        </a:xfrm>
-      </p:grpSpPr>
-      <p:sp>
-        <p:nvSpPr>
-          <p:cNvPr id="2" name="标题 1"/>
-          <p:cNvSpPr>
-            <a:spLocks noGrp="1"/>
-          </p:cNvSpPr>
-          <p:nvPr>
-            <p:ph type="title"/>
-          </p:nvPr>
-        </p:nvSpPr>
-        <p:spPr/>
-        <p:txBody>
-          <a:bodyPr/>
-          <a:lstStyle/>
-          <a:p>
-            <a:r>
-              <a:rPr lang="zh-CN" altLang="en-US" dirty="0"/>
-              <a:t>大数据分析基础</a:t>
-            </a:r>
-          </a:p>
-        </p:txBody>
-      </p:sp>
-      <p:sp>
-        <p:nvSpPr>
-          <p:cNvPr id="3" name="内容占位符 2"/>
-          <p:cNvSpPr>
-            <a:spLocks noGrp="1"/>
-          </p:cNvSpPr>
-          <p:nvPr>
-            <p:ph idx="1"/>
-          </p:nvPr>
-        </p:nvSpPr>
-        <p:spPr/>
-        <p:txBody>
-          <a:bodyPr/>
-          <a:lstStyle/>
-          <a:p>
-            <a:pPr>
-              <a:lnSpc>
-                <a:spcPct val="150000"/>
-              </a:lnSpc>
-            </a:pPr>
-            <a:r>
-              <a:rPr lang="zh-CN" altLang="en-US" dirty="0"/>
-              <a:t>学习目标</a:t>
-            </a:r>
-            <a:endParaRPr lang="en-US" altLang="zh-CN" dirty="0"/>
-          </a:p>
-          <a:p>
-            <a:pPr lvl="1">
-              <a:lnSpc>
-                <a:spcPct val="150000"/>
-              </a:lnSpc>
-            </a:pPr>
-            <a:r>
-              <a:rPr lang="zh-CN" altLang="en-US" dirty="0"/>
-              <a:t>了解并掌握利用</a:t>
-            </a:r>
-            <a:r>
-              <a:rPr lang="en-US" altLang="zh-CN" dirty="0"/>
-              <a:t>Python</a:t>
-            </a:r>
-            <a:r>
-              <a:rPr lang="zh-CN" altLang="en-US" dirty="0"/>
-              <a:t>进行数据处理和分析</a:t>
-            </a:r>
-            <a:endParaRPr lang="en-US" altLang="zh-CN" dirty="0"/>
-          </a:p>
-          <a:p>
-            <a:pPr lvl="2">
-              <a:lnSpc>
-                <a:spcPct val="150000"/>
-              </a:lnSpc>
-            </a:pPr>
-            <a:r>
-              <a:rPr lang="zh-CN" altLang="en-US" sz="1800" dirty="0"/>
-              <a:t>预期在课程期间完成</a:t>
-            </a:r>
-            <a:r>
-              <a:rPr lang="en-US" altLang="zh-CN" sz="1800" dirty="0"/>
-              <a:t>500-1000</a:t>
-            </a:r>
-            <a:r>
-              <a:rPr lang="zh-CN" altLang="en-US" sz="1800" dirty="0"/>
-              <a:t>行的代码量</a:t>
-            </a:r>
-            <a:endParaRPr lang="en-US" altLang="zh-CN" sz="1800" dirty="0"/>
-          </a:p>
-          <a:p>
-            <a:pPr lvl="1">
-              <a:lnSpc>
-                <a:spcPct val="150000"/>
-              </a:lnSpc>
-            </a:pPr>
-            <a:r>
-              <a:rPr lang="zh-CN" altLang="en-US" dirty="0"/>
-              <a:t>了解并掌握使用数据库进行数据存储</a:t>
-            </a:r>
-            <a:endParaRPr lang="en-US" altLang="zh-CN" dirty="0"/>
-          </a:p>
-          <a:p>
-            <a:pPr lvl="1">
-              <a:lnSpc>
-                <a:spcPct val="150000"/>
-              </a:lnSpc>
-            </a:pPr>
-            <a:r>
-              <a:rPr lang="zh-CN" altLang="en-US" dirty="0"/>
-              <a:t>建立大数据分析的思维方式</a:t>
-            </a:r>
-            <a:endParaRPr lang="en-US" altLang="zh-CN" dirty="0"/>
-          </a:p>
-        </p:txBody>
-      </p:sp>
-      <p:sp>
-        <p:nvSpPr>
-          <p:cNvPr id="4" name="灯片编号占位符 3"/>
-          <p:cNvSpPr>
-            <a:spLocks noGrp="1"/>
-          </p:cNvSpPr>
-          <p:nvPr>
-            <p:ph type="sldNum" sz="quarter" idx="12"/>
-          </p:nvPr>
-        </p:nvSpPr>
-        <p:spPr/>
-        <p:txBody>
-          <a:bodyPr/>
-          <a:lstStyle/>
-          <a:p>
-            <a:fld id="{9A36BD81-06CB-49E9-86F3-1AB1E07B7A01}" type="slidenum">
-              <a:rPr lang="en-US" altLang="zh-CN" smtClean="0">
-                <a:solidFill>
-                  <a:srgbClr val="000000"/>
-                </a:solidFill>
-              </a:rPr>
-              <a:pPr/>
-              <a:t>15</a:t>
-            </a:fld>
-            <a:endParaRPr lang="en-US" altLang="zh-CN">
-              <a:solidFill>
-                <a:srgbClr val="000000"/>
-              </a:solidFill>
-            </a:endParaRPr>
-          </a:p>
-        </p:txBody>
-      </p:sp>
-      <p:sp>
-        <p:nvSpPr>
-          <p:cNvPr id="5" name="页脚占位符 4"/>
-          <p:cNvSpPr>
-            <a:spLocks noGrp="1"/>
-          </p:cNvSpPr>
-          <p:nvPr>
-            <p:ph type="ftr" sz="quarter" idx="11"/>
-          </p:nvPr>
-        </p:nvSpPr>
-        <p:spPr/>
-        <p:txBody>
-          <a:bodyPr/>
-          <a:lstStyle/>
-          <a:p>
-            <a:r>
-              <a:rPr lang="zh-CN" altLang="en-US">
-                <a:solidFill>
-                  <a:srgbClr val="000000"/>
-                </a:solidFill>
-              </a:rPr>
-              <a:t>大数据分析基础 </a:t>
-            </a:r>
-            <a:r>
-              <a:rPr lang="en-US" altLang="zh-CN">
-                <a:solidFill>
-                  <a:srgbClr val="000000"/>
-                </a:solidFill>
-              </a:rPr>
-              <a:t>(By Dr. Fang)</a:t>
-            </a:r>
-            <a:endParaRPr lang="en-US" altLang="zh-CN" dirty="0">
-              <a:solidFill>
-                <a:srgbClr val="000000"/>
-              </a:solidFill>
-            </a:endParaRPr>
-          </a:p>
-        </p:txBody>
-      </p:sp>
-      <p:sp>
-        <p:nvSpPr>
-          <p:cNvPr id="6" name="日期占位符 5"/>
-          <p:cNvSpPr>
-            <a:spLocks noGrp="1"/>
-          </p:cNvSpPr>
-          <p:nvPr>
-            <p:ph type="dt" sz="half" idx="10"/>
-          </p:nvPr>
-        </p:nvSpPr>
-        <p:spPr/>
-        <p:txBody>
-          <a:bodyPr/>
-          <a:lstStyle/>
-          <a:p>
-            <a:fld id="{3D3DADA3-AAC4-4DED-838A-DCC1C6C6A803}" type="datetime1">
-              <a:rPr lang="zh-CN" altLang="en-US" smtClean="0">
-                <a:solidFill>
-                  <a:srgbClr val="000000"/>
-                </a:solidFill>
-              </a:rPr>
-              <a:t>2021-9-17</a:t>
-            </a:fld>
-            <a:endParaRPr lang="en-US" altLang="zh-CN" dirty="0">
-              <a:solidFill>
-                <a:srgbClr val="000000"/>
-              </a:solidFill>
-            </a:endParaRPr>
-          </a:p>
-        </p:txBody>
-      </p:sp>
-    </p:spTree>
-    <p:extLst>
-      <p:ext uri="{BB962C8B-B14F-4D97-AF65-F5344CB8AC3E}">
-        <p14:creationId xmlns:p14="http://schemas.microsoft.com/office/powerpoint/2010/main" val="2767046389"/>
-      </p:ext>
-    </p:extLst>
-  </p:cSld>
-  <p:clrMapOvr>
-    <a:masterClrMapping/>
-  </p:clrMapOvr>
-</p:sld>
-</file>
-
 <file path=ppt/slides/slide16.xml><?xml version="1.0" encoding="utf-8"?>
 <p:sld xmlns:a="http://schemas.openxmlformats.org/drawingml/2006/main" xmlns:r="http://schemas.openxmlformats.org/officeDocument/2006/relationships" xmlns:p="http://schemas.openxmlformats.org/presentationml/2006/main">
   <p:cSld>
@@ -12260,7 +13336,7 @@
           <a:p>
             <a:r>
               <a:rPr lang="zh-CN" altLang="en-US" dirty="0"/>
-              <a:t>大数据（分析）的定义</a:t>
+              <a:t>大数据分析基础</a:t>
             </a:r>
           </a:p>
         </p:txBody>
@@ -12280,159 +13356,80 @@
           <a:bodyPr/>
           <a:lstStyle/>
           <a:p>
+            <a:pPr>
+              <a:lnSpc>
+                <a:spcPct val="150000"/>
+              </a:lnSpc>
+            </a:pPr>
             <a:r>
               <a:rPr lang="zh-CN" altLang="en-US" dirty="0"/>
-              <a:t>大数据的</a:t>
+              <a:t>学习目标</a:t>
+            </a:r>
+            <a:endParaRPr lang="en-US" altLang="zh-CN" dirty="0"/>
+          </a:p>
+          <a:p>
+            <a:pPr lvl="1">
+              <a:lnSpc>
+                <a:spcPct val="150000"/>
+              </a:lnSpc>
+            </a:pPr>
+            <a:r>
+              <a:rPr lang="zh-CN" altLang="en-US" dirty="0"/>
+              <a:t>了解并掌握利用</a:t>
             </a:r>
             <a:r>
               <a:rPr lang="en-US" altLang="zh-CN" dirty="0"/>
-              <a:t>3V</a:t>
+              <a:t>Python</a:t>
             </a:r>
             <a:r>
               <a:rPr lang="zh-CN" altLang="en-US" dirty="0"/>
-              <a:t>（</a:t>
-            </a:r>
-            <a:r>
-              <a:rPr lang="en-US" altLang="zh-CN" dirty="0"/>
-              <a:t>META</a:t>
-            </a:r>
+              <a:t>进行数据处理和分析</a:t>
+            </a:r>
+            <a:endParaRPr lang="en-US" altLang="zh-CN" dirty="0"/>
+          </a:p>
+          <a:p>
+            <a:pPr lvl="2">
+              <a:lnSpc>
+                <a:spcPct val="150000"/>
+              </a:lnSpc>
+            </a:pPr>
+            <a:r>
+              <a:rPr lang="zh-CN" altLang="en-US" sz="1800" dirty="0"/>
+              <a:t>预期在课程期间完成</a:t>
+            </a:r>
+            <a:r>
+              <a:rPr lang="en-US" altLang="zh-CN" sz="1800" dirty="0"/>
+              <a:t>500-1000</a:t>
+            </a:r>
+            <a:r>
+              <a:rPr lang="zh-CN" altLang="en-US" sz="1800" dirty="0"/>
+              <a:t>行的代码量</a:t>
+            </a:r>
+            <a:endParaRPr lang="en-US" altLang="zh-CN" sz="1800" dirty="0"/>
+          </a:p>
+          <a:p>
+            <a:pPr lvl="1">
+              <a:lnSpc>
+                <a:spcPct val="150000"/>
+              </a:lnSpc>
+            </a:pPr>
             <a:r>
               <a:rPr lang="zh-CN" altLang="en-US" dirty="0"/>
-              <a:t>集团的分析师</a:t>
-            </a:r>
-            <a:r>
-              <a:rPr lang="en-US" altLang="zh-CN" dirty="0"/>
-              <a:t>Doug Laney</a:t>
-            </a:r>
+              <a:t>了解并掌握使用数据库进行数据存储</a:t>
+            </a:r>
+            <a:endParaRPr lang="en-US" altLang="zh-CN" dirty="0"/>
+          </a:p>
+          <a:p>
+            <a:pPr lvl="1">
+              <a:lnSpc>
+                <a:spcPct val="150000"/>
+              </a:lnSpc>
+            </a:pPr>
             <a:r>
               <a:rPr lang="zh-CN" altLang="en-US" dirty="0"/>
-              <a:t>，</a:t>
-            </a:r>
-            <a:r>
-              <a:rPr lang="en-US" altLang="zh-CN" dirty="0"/>
-              <a:t>2001</a:t>
-            </a:r>
-            <a:r>
-              <a:rPr lang="zh-CN" altLang="en-US" dirty="0"/>
-              <a:t>）</a:t>
+              <a:t>建立大数据分析的思维方式</a:t>
             </a:r>
             <a:endParaRPr lang="en-US" altLang="zh-CN" dirty="0"/>
-          </a:p>
-          <a:p>
-            <a:pPr lvl="1"/>
-            <a:r>
-              <a:rPr lang="zh-CN" altLang="en-US" dirty="0"/>
-              <a:t>容量（</a:t>
-            </a:r>
-            <a:r>
-              <a:rPr lang="en-US" altLang="zh-CN" dirty="0"/>
-              <a:t>volume</a:t>
-            </a:r>
-            <a:r>
-              <a:rPr lang="zh-CN" altLang="en-US" dirty="0"/>
-              <a:t>）：数据的容量越来越大</a:t>
-            </a:r>
-            <a:endParaRPr lang="en-US" altLang="zh-CN" dirty="0"/>
-          </a:p>
-          <a:p>
-            <a:pPr lvl="1"/>
-            <a:r>
-              <a:rPr lang="zh-CN" altLang="en-US" dirty="0"/>
-              <a:t>速度（</a:t>
-            </a:r>
-            <a:r>
-              <a:rPr lang="en-US" altLang="zh-CN" dirty="0"/>
-              <a:t>velocity</a:t>
-            </a:r>
-            <a:r>
-              <a:rPr lang="zh-CN" altLang="en-US" dirty="0"/>
-              <a:t>）：数据的增长速度和所需的数据处理速度越来越快</a:t>
-            </a:r>
-            <a:endParaRPr lang="en-US" altLang="zh-CN" dirty="0"/>
-          </a:p>
-          <a:p>
-            <a:pPr lvl="1"/>
-            <a:r>
-              <a:rPr lang="zh-CN" altLang="en-US" dirty="0"/>
-              <a:t>多样（</a:t>
-            </a:r>
-            <a:r>
-              <a:rPr lang="en-US" altLang="zh-CN" dirty="0"/>
-              <a:t>variety</a:t>
-            </a:r>
-            <a:r>
-              <a:rPr lang="zh-CN" altLang="en-US" dirty="0"/>
-              <a:t>）：数据的格式越来越多样化</a:t>
-            </a:r>
-            <a:endParaRPr lang="en-US" altLang="zh-CN" dirty="0"/>
-          </a:p>
-          <a:p>
-            <a:r>
-              <a:rPr lang="en-US" altLang="zh-CN" dirty="0"/>
-              <a:t>2012</a:t>
-            </a:r>
-            <a:r>
-              <a:rPr lang="zh-CN" altLang="en-US" dirty="0"/>
-              <a:t>年时包括</a:t>
-            </a:r>
-            <a:r>
-              <a:rPr lang="en-US" altLang="zh-CN" dirty="0"/>
-              <a:t>IBM</a:t>
-            </a:r>
-            <a:r>
-              <a:rPr lang="zh-CN" altLang="en-US" dirty="0"/>
-              <a:t>、高德纳（</a:t>
-            </a:r>
-            <a:r>
-              <a:rPr lang="en-US" altLang="zh-CN" dirty="0"/>
-              <a:t>Gartner</a:t>
-            </a:r>
-            <a:r>
-              <a:rPr lang="zh-CN" altLang="en-US" dirty="0"/>
-              <a:t>）等在内的组织将</a:t>
-            </a:r>
-            <a:r>
-              <a:rPr lang="en-US" altLang="zh-CN" dirty="0"/>
-              <a:t>3V</a:t>
-            </a:r>
-            <a:r>
-              <a:rPr lang="zh-CN" altLang="en-US" dirty="0"/>
-              <a:t>扩展到了</a:t>
-            </a:r>
-            <a:r>
-              <a:rPr lang="en-US" altLang="zh-CN" dirty="0"/>
-              <a:t>4V</a:t>
-            </a:r>
-          </a:p>
-          <a:p>
-            <a:pPr lvl="1"/>
-            <a:r>
-              <a:rPr lang="zh-CN" altLang="en-US" dirty="0"/>
-              <a:t>新加入的属性是真实性（</a:t>
-            </a:r>
-            <a:r>
-              <a:rPr lang="en-US" altLang="zh-CN" dirty="0"/>
-              <a:t>veracity</a:t>
-            </a:r>
-            <a:r>
-              <a:rPr lang="zh-CN" altLang="en-US" dirty="0"/>
-              <a:t>）</a:t>
-            </a:r>
-            <a:endParaRPr lang="en-US" altLang="zh-CN" dirty="0"/>
-          </a:p>
-          <a:p>
-            <a:pPr lvl="1"/>
-            <a:r>
-              <a:rPr lang="zh-CN" altLang="en-US" dirty="0"/>
-              <a:t>真实性强调的是数据的准确性</a:t>
-            </a:r>
-            <a:endParaRPr lang="en-US" altLang="zh-CN" dirty="0"/>
-          </a:p>
-          <a:p>
-            <a:r>
-              <a:rPr lang="zh-CN" altLang="en-US" dirty="0"/>
-              <a:t>大数据的定义也被认为是“无法用现有的软件工具提取、存储、搜索、共享、分析和处理的海量的、复杂的数据集合。”</a:t>
-            </a:r>
           </a:p>
         </p:txBody>
       </p:sp>
@@ -12528,7 +13525,332 @@
                   <a:srgbClr val="000000"/>
                 </a:solidFill>
               </a:rPr>
-              <a:t>2021-9-17</a:t>
+              <a:t>2022-9-15</a:t>
+            </a:fld>
+            <a:endParaRPr lang="en-US" altLang="zh-CN" dirty="0">
+              <a:solidFill>
+                <a:srgbClr val="000000"/>
+              </a:solidFill>
+            </a:endParaRPr>
+          </a:p>
+        </p:txBody>
+      </p:sp>
+    </p:spTree>
+    <p:extLst>
+      <p:ext uri="{BB962C8B-B14F-4D97-AF65-F5344CB8AC3E}">
+        <p14:creationId xmlns:p14="http://schemas.microsoft.com/office/powerpoint/2010/main" val="2767046389"/>
+      </p:ext>
+    </p:extLst>
+  </p:cSld>
+  <p:clrMapOvr>
+    <a:masterClrMapping/>
+  </p:clrMapOvr>
+</p:sld>
+</file>
+
+<file path=ppt/slides/slide17.xml><?xml version="1.0" encoding="utf-8"?>
+<p:sld xmlns:a="http://schemas.openxmlformats.org/drawingml/2006/main" xmlns:r="http://schemas.openxmlformats.org/officeDocument/2006/relationships" xmlns:p="http://schemas.openxmlformats.org/presentationml/2006/main">
+  <p:cSld>
+    <p:spTree>
+      <p:nvGrpSpPr>
+        <p:cNvPr id="1" name=""/>
+        <p:cNvGrpSpPr/>
+        <p:nvPr/>
+      </p:nvGrpSpPr>
+      <p:grpSpPr>
+        <a:xfrm>
+          <a:off x="0" y="0"/>
+          <a:ext cx="0" cy="0"/>
+          <a:chOff x="0" y="0"/>
+          <a:chExt cx="0" cy="0"/>
+        </a:xfrm>
+      </p:grpSpPr>
+      <p:sp>
+        <p:nvSpPr>
+          <p:cNvPr id="2" name="标题 1"/>
+          <p:cNvSpPr>
+            <a:spLocks noGrp="1"/>
+          </p:cNvSpPr>
+          <p:nvPr>
+            <p:ph type="title"/>
+          </p:nvPr>
+        </p:nvSpPr>
+        <p:spPr/>
+        <p:txBody>
+          <a:bodyPr/>
+          <a:lstStyle/>
+          <a:p>
+            <a:r>
+              <a:rPr lang="zh-CN" altLang="en-US" dirty="0"/>
+              <a:t>大数据（分析）的定义</a:t>
+            </a:r>
+          </a:p>
+        </p:txBody>
+      </p:sp>
+      <p:sp>
+        <p:nvSpPr>
+          <p:cNvPr id="3" name="内容占位符 2"/>
+          <p:cNvSpPr>
+            <a:spLocks noGrp="1"/>
+          </p:cNvSpPr>
+          <p:nvPr>
+            <p:ph idx="1"/>
+          </p:nvPr>
+        </p:nvSpPr>
+        <p:spPr/>
+        <p:txBody>
+          <a:bodyPr/>
+          <a:lstStyle/>
+          <a:p>
+            <a:r>
+              <a:rPr lang="zh-CN" altLang="en-US" dirty="0"/>
+              <a:t>大数据的</a:t>
+            </a:r>
+            <a:r>
+              <a:rPr lang="en-US" altLang="zh-CN" dirty="0"/>
+              <a:t>3V</a:t>
+            </a:r>
+            <a:r>
+              <a:rPr lang="zh-CN" altLang="en-US" dirty="0"/>
+              <a:t>（</a:t>
+            </a:r>
+            <a:r>
+              <a:rPr lang="en-US" altLang="zh-CN" dirty="0"/>
+              <a:t>META</a:t>
+            </a:r>
+            <a:r>
+              <a:rPr lang="zh-CN" altLang="en-US" dirty="0"/>
+              <a:t>集团的分析师</a:t>
+            </a:r>
+            <a:r>
+              <a:rPr lang="en-US" altLang="zh-CN" dirty="0"/>
+              <a:t>Doug Laney</a:t>
+            </a:r>
+            <a:r>
+              <a:rPr lang="zh-CN" altLang="en-US" dirty="0"/>
+              <a:t>，</a:t>
+            </a:r>
+            <a:r>
+              <a:rPr lang="en-US" altLang="zh-CN" dirty="0"/>
+              <a:t>2001</a:t>
+            </a:r>
+            <a:r>
+              <a:rPr lang="zh-CN" altLang="en-US" dirty="0"/>
+              <a:t>）</a:t>
+            </a:r>
+            <a:endParaRPr lang="en-US" altLang="zh-CN" dirty="0"/>
+          </a:p>
+          <a:p>
+            <a:pPr lvl="1"/>
+            <a:r>
+              <a:rPr lang="zh-CN" altLang="en-US" dirty="0"/>
+              <a:t>容量（</a:t>
+            </a:r>
+            <a:r>
+              <a:rPr lang="en-US" altLang="zh-CN" dirty="0"/>
+              <a:t>volume</a:t>
+            </a:r>
+            <a:r>
+              <a:rPr lang="zh-CN" altLang="en-US" dirty="0"/>
+              <a:t>）：数据的容量越来越大</a:t>
+            </a:r>
+            <a:endParaRPr lang="en-US" altLang="zh-CN" dirty="0"/>
+          </a:p>
+          <a:p>
+            <a:pPr lvl="1"/>
+            <a:r>
+              <a:rPr lang="zh-CN" altLang="en-US" dirty="0"/>
+              <a:t>速度（</a:t>
+            </a:r>
+            <a:r>
+              <a:rPr lang="en-US" altLang="zh-CN" dirty="0"/>
+              <a:t>velocity</a:t>
+            </a:r>
+            <a:r>
+              <a:rPr lang="zh-CN" altLang="en-US" dirty="0"/>
+              <a:t>）：数据的增长速度和所需的数据处理速度越来越快</a:t>
+            </a:r>
+            <a:endParaRPr lang="en-US" altLang="zh-CN" dirty="0"/>
+          </a:p>
+          <a:p>
+            <a:pPr lvl="1"/>
+            <a:r>
+              <a:rPr lang="zh-CN" altLang="en-US" dirty="0"/>
+              <a:t>多样（</a:t>
+            </a:r>
+            <a:r>
+              <a:rPr lang="en-US" altLang="zh-CN" dirty="0"/>
+              <a:t>variety</a:t>
+            </a:r>
+            <a:r>
+              <a:rPr lang="zh-CN" altLang="en-US" dirty="0"/>
+              <a:t>）：数据的格式越来越多样化</a:t>
+            </a:r>
+            <a:endParaRPr lang="en-US" altLang="zh-CN" dirty="0"/>
+          </a:p>
+          <a:p>
+            <a:r>
+              <a:rPr lang="en-US" altLang="zh-CN" dirty="0"/>
+              <a:t>2012</a:t>
+            </a:r>
+            <a:r>
+              <a:rPr lang="zh-CN" altLang="en-US" dirty="0"/>
+              <a:t>年时包括</a:t>
+            </a:r>
+            <a:r>
+              <a:rPr lang="en-US" altLang="zh-CN" dirty="0"/>
+              <a:t>IBM</a:t>
+            </a:r>
+            <a:r>
+              <a:rPr lang="zh-CN" altLang="en-US" dirty="0"/>
+              <a:t>、高德纳（</a:t>
+            </a:r>
+            <a:r>
+              <a:rPr lang="en-US" altLang="zh-CN" dirty="0"/>
+              <a:t>Gartner</a:t>
+            </a:r>
+            <a:r>
+              <a:rPr lang="zh-CN" altLang="en-US" dirty="0"/>
+              <a:t>）等在内的组织将</a:t>
+            </a:r>
+            <a:r>
+              <a:rPr lang="en-US" altLang="zh-CN" dirty="0"/>
+              <a:t>3V</a:t>
+            </a:r>
+            <a:r>
+              <a:rPr lang="zh-CN" altLang="en-US" dirty="0"/>
+              <a:t>扩展到了</a:t>
+            </a:r>
+            <a:r>
+              <a:rPr lang="en-US" altLang="zh-CN" dirty="0"/>
+              <a:t>4V</a:t>
+            </a:r>
+          </a:p>
+          <a:p>
+            <a:pPr lvl="1"/>
+            <a:r>
+              <a:rPr lang="zh-CN" altLang="en-US" dirty="0"/>
+              <a:t>新加入的属性是真实性（</a:t>
+            </a:r>
+            <a:r>
+              <a:rPr lang="en-US" altLang="zh-CN" dirty="0"/>
+              <a:t>veracity</a:t>
+            </a:r>
+            <a:r>
+              <a:rPr lang="zh-CN" altLang="en-US" dirty="0"/>
+              <a:t>）</a:t>
+            </a:r>
+            <a:endParaRPr lang="en-US" altLang="zh-CN" dirty="0"/>
+          </a:p>
+          <a:p>
+            <a:pPr lvl="1"/>
+            <a:r>
+              <a:rPr lang="zh-CN" altLang="en-US" dirty="0"/>
+              <a:t>真实性强调的是数据的准确性</a:t>
+            </a:r>
+            <a:endParaRPr lang="en-US" altLang="zh-CN" dirty="0"/>
+          </a:p>
+          <a:p>
+            <a:r>
+              <a:rPr lang="zh-CN" altLang="en-US" dirty="0"/>
+              <a:t>大数据的定义也被认为是“无法用现有的软件工具提取、存储、搜索、共享、分析和处理的海量的、复杂的数据集合。”</a:t>
+            </a:r>
+          </a:p>
+        </p:txBody>
+      </p:sp>
+      <p:sp>
+        <p:nvSpPr>
+          <p:cNvPr id="4" name="灯片编号占位符 3"/>
+          <p:cNvSpPr>
+            <a:spLocks noGrp="1"/>
+          </p:cNvSpPr>
+          <p:nvPr>
+            <p:ph type="sldNum" sz="quarter" idx="12"/>
+          </p:nvPr>
+        </p:nvSpPr>
+        <p:spPr/>
+        <p:txBody>
+          <a:bodyPr/>
+          <a:lstStyle/>
+          <a:p>
+            <a:fld id="{9A36BD81-06CB-49E9-86F3-1AB1E07B7A01}" type="slidenum">
+              <a:rPr lang="en-US" altLang="zh-CN" smtClean="0">
+                <a:solidFill>
+                  <a:srgbClr val="000000"/>
+                </a:solidFill>
+              </a:rPr>
+              <a:pPr/>
+              <a:t>17</a:t>
+            </a:fld>
+            <a:endParaRPr lang="en-US" altLang="zh-CN">
+              <a:solidFill>
+                <a:srgbClr val="000000"/>
+              </a:solidFill>
+            </a:endParaRPr>
+          </a:p>
+        </p:txBody>
+      </p:sp>
+      <p:sp>
+        <p:nvSpPr>
+          <p:cNvPr id="5" name="页脚占位符 4"/>
+          <p:cNvSpPr>
+            <a:spLocks noGrp="1"/>
+          </p:cNvSpPr>
+          <p:nvPr>
+            <p:ph type="ftr" sz="quarter" idx="11"/>
+          </p:nvPr>
+        </p:nvSpPr>
+        <p:spPr/>
+        <p:txBody>
+          <a:bodyPr/>
+          <a:lstStyle/>
+          <a:p>
+            <a:r>
+              <a:rPr lang="zh-CN" altLang="en-US">
+                <a:solidFill>
+                  <a:srgbClr val="000000"/>
+                </a:solidFill>
+              </a:rPr>
+              <a:t>大数据分析基础 </a:t>
+            </a:r>
+            <a:r>
+              <a:rPr lang="en-US" altLang="zh-CN">
+                <a:solidFill>
+                  <a:srgbClr val="000000"/>
+                </a:solidFill>
+              </a:rPr>
+              <a:t>(By Dr. Fang)</a:t>
+            </a:r>
+            <a:endParaRPr lang="en-US" altLang="zh-CN" dirty="0">
+              <a:solidFill>
+                <a:srgbClr val="000000"/>
+              </a:solidFill>
+            </a:endParaRPr>
+          </a:p>
+        </p:txBody>
+      </p:sp>
+      <p:sp>
+        <p:nvSpPr>
+          <p:cNvPr id="6" name="日期占位符 5"/>
+          <p:cNvSpPr>
+            <a:spLocks noGrp="1"/>
+          </p:cNvSpPr>
+          <p:nvPr>
+            <p:ph type="dt" sz="half" idx="10"/>
+          </p:nvPr>
+        </p:nvSpPr>
+        <p:spPr/>
+        <p:txBody>
+          <a:bodyPr/>
+          <a:lstStyle/>
+          <a:p>
+            <a:fld id="{3D3DADA3-AAC4-4DED-838A-DCC1C6C6A803}" type="datetime1">
+              <a:rPr lang="zh-CN" altLang="en-US" smtClean="0">
+                <a:solidFill>
+                  <a:srgbClr val="000000"/>
+                </a:solidFill>
+              </a:rPr>
+              <a:t>2022-9-15</a:t>
             </a:fld>
             <a:endParaRPr lang="en-US" altLang="zh-CN" dirty="0">
               <a:solidFill>
@@ -12807,7 +14129,7 @@
 </p:sld>
 </file>
 
-<file path=ppt/slides/slide17.xml><?xml version="1.0" encoding="utf-8"?>
+<file path=ppt/slides/slide18.xml><?xml version="1.0" encoding="utf-8"?>
 <p:sld xmlns:a="http://schemas.openxmlformats.org/drawingml/2006/main" xmlns:r="http://schemas.openxmlformats.org/officeDocument/2006/relationships" xmlns:p="http://schemas.openxmlformats.org/presentationml/2006/main">
   <p:cSld>
     <p:spTree>
@@ -12979,7 +14301,7 @@
                 </a:solidFill>
               </a:rPr>
               <a:pPr/>
-              <a:t>17</a:t>
+              <a:t>18</a:t>
             </a:fld>
             <a:endParaRPr lang="en-US" altLang="zh-CN">
               <a:solidFill>
@@ -13049,7 +14371,7 @@
                   <a:srgbClr val="000000"/>
                 </a:solidFill>
               </a:rPr>
-              <a:t>2021-9-17</a:t>
+              <a:t>2022-9-15</a:t>
             </a:fld>
             <a:endParaRPr lang="en-US" altLang="zh-CN" dirty="0">
               <a:solidFill>
@@ -13716,7 +15038,7 @@
 </p:sld>
 </file>
 
-<file path=ppt/slides/slide18.xml><?xml version="1.0" encoding="utf-8"?>
+<file path=ppt/slides/slide19.xml><?xml version="1.0" encoding="utf-8"?>
 <p:sld xmlns:a="http://schemas.openxmlformats.org/drawingml/2006/main" xmlns:r="http://schemas.openxmlformats.org/officeDocument/2006/relationships" xmlns:p="http://schemas.openxmlformats.org/presentationml/2006/main">
   <p:cSld>
     <p:spTree>
@@ -13780,14 +15102,6 @@
             <a:pPr lvl="1"/>
             <a:r>
               <a:rPr lang="zh-CN" altLang="en-US" dirty="0"/>
-              <a:t>义乌指数的胜利</a:t>
-            </a:r>
-            <a:endParaRPr lang="en-US" altLang="zh-CN" dirty="0"/>
-          </a:p>
-          <a:p>
-            <a:pPr lvl="1"/>
-            <a:r>
-              <a:rPr lang="zh-CN" altLang="en-US" dirty="0"/>
               <a:t>大数据除了容量大以外还有数据变化速度快、数据类型丰富这两个特点</a:t>
             </a:r>
             <a:endParaRPr lang="en-US" altLang="zh-CN" dirty="0"/>
@@ -13797,6 +15111,14 @@
             <a:r>
               <a:rPr lang="zh-CN" altLang="en-US" dirty="0"/>
               <a:t>容量大不等于覆盖全面</a:t>
+            </a:r>
+            <a:r>
+              <a:rPr lang="en-US" altLang="zh-CN" dirty="0"/>
+              <a:t>——</a:t>
+            </a:r>
+            <a:r>
+              <a:rPr lang="zh-CN" altLang="en-US" dirty="0"/>
+              <a:t>义乌指数的胜利</a:t>
             </a:r>
             <a:endParaRPr lang="en-US" altLang="zh-CN" dirty="0"/>
           </a:p>
@@ -13948,7 +15270,7 @@
                 </a:solidFill>
               </a:rPr>
               <a:pPr/>
-              <a:t>18</a:t>
+              <a:t>19</a:t>
             </a:fld>
             <a:endParaRPr lang="en-US" altLang="zh-CN">
               <a:solidFill>
@@ -14018,7 +15340,7 @@
                   <a:srgbClr val="000000"/>
                 </a:solidFill>
               </a:rPr>
-              <a:t>2021-9-17</a:t>
+              <a:t>2022-9-15</a:t>
             </a:fld>
             <a:endParaRPr lang="en-US" altLang="zh-CN" dirty="0">
               <a:solidFill>
@@ -14057,7 +15379,7 @@
         </p:blipFill>
         <p:spPr bwMode="auto">
           <a:xfrm>
-            <a:off x="4552422" y="727606"/>
+            <a:off x="4979857" y="307187"/>
             <a:ext cx="2232285" cy="1490662"/>
           </a:xfrm>
           <a:prstGeom prst="rect">
@@ -14209,41 +15531,6 @@
                                   </p:childTnLst>
                                 </p:cTn>
                               </p:par>
-                              <p:par>
-                                <p:cTn id="13" presetID="10" presetClass="entr" presetSubtype="0" fill="hold" nodeType="withEffect">
-                                  <p:stCondLst>
-                                    <p:cond delay="0"/>
-                                  </p:stCondLst>
-                                  <p:childTnLst>
-                                    <p:set>
-                                      <p:cBhvr>
-                                        <p:cTn id="14" dur="1" fill="hold">
-                                          <p:stCondLst>
-                                            <p:cond delay="0"/>
-                                          </p:stCondLst>
-                                        </p:cTn>
-                                        <p:tgtEl>
-                                          <p:spTgt spid="1026"/>
-                                        </p:tgtEl>
-                                        <p:attrNameLst>
-                                          <p:attrName>style.visibility</p:attrName>
-                                        </p:attrNameLst>
-                                      </p:cBhvr>
-                                      <p:to>
-                                        <p:strVal val="visible"/>
-                                      </p:to>
-                                    </p:set>
-                                    <p:animEffect transition="in" filter="fade">
-                                      <p:cBhvr>
-                                        <p:cTn id="15" dur="500"/>
-                                        <p:tgtEl>
-                                          <p:spTgt spid="1026"/>
-                                        </p:tgtEl>
-                                      </p:cBhvr>
-                                    </p:animEffect>
-                                  </p:childTnLst>
-                                </p:cTn>
-                              </p:par>
                             </p:childTnLst>
                           </p:cTn>
                         </p:par>
@@ -14251,26 +15538,26 @@
                     </p:cTn>
                   </p:par>
                   <p:par>
-                    <p:cTn id="16" fill="hold">
+                    <p:cTn id="13" fill="hold">
                       <p:stCondLst>
                         <p:cond delay="indefinite"/>
                       </p:stCondLst>
                       <p:childTnLst>
                         <p:par>
-                          <p:cTn id="17" fill="hold">
+                          <p:cTn id="14" fill="hold">
                             <p:stCondLst>
                               <p:cond delay="0"/>
                             </p:stCondLst>
                             <p:childTnLst>
                               <p:par>
-                                <p:cTn id="18" presetID="10" presetClass="entr" presetSubtype="0" fill="hold" nodeType="clickEffect">
+                                <p:cTn id="15" presetID="10" presetClass="entr" presetSubtype="0" fill="hold" nodeType="clickEffect">
                                   <p:stCondLst>
                                     <p:cond delay="0"/>
                                   </p:stCondLst>
                                   <p:childTnLst>
                                     <p:set>
                                       <p:cBhvr>
-                                        <p:cTn id="19" dur="1" fill="hold">
+                                        <p:cTn id="16" dur="1" fill="hold">
                                           <p:stCondLst>
                                             <p:cond delay="0"/>
                                           </p:stCondLst>
@@ -14292,13 +15579,48 @@
                                     </p:set>
                                     <p:animEffect transition="in" filter="fade">
                                       <p:cBhvr>
-                                        <p:cTn id="20" dur="500"/>
+                                        <p:cTn id="17" dur="500"/>
                                         <p:tgtEl>
                                           <p:spTgt spid="3">
                                             <p:txEl>
                                               <p:pRg st="2" end="2"/>
                                             </p:txEl>
                                           </p:spTgt>
+                                        </p:tgtEl>
+                                      </p:cBhvr>
+                                    </p:animEffect>
+                                  </p:childTnLst>
+                                </p:cTn>
+                              </p:par>
+                              <p:par>
+                                <p:cTn id="18" presetID="10" presetClass="entr" presetSubtype="0" fill="hold" nodeType="withEffect">
+                                  <p:stCondLst>
+                                    <p:cond delay="0"/>
+                                  </p:stCondLst>
+                                  <p:childTnLst>
+                                    <p:set>
+                                      <p:cBhvr>
+                                        <p:cTn id="19" dur="1" fill="hold">
+                                          <p:stCondLst>
+                                            <p:cond delay="0"/>
+                                          </p:stCondLst>
+                                        </p:cTn>
+                                        <p:tgtEl>
+                                          <p:spTgt spid="1026"/>
+                                        </p:tgtEl>
+                                        <p:attrNameLst>
+                                          <p:attrName>style.visibility</p:attrName>
+                                        </p:attrNameLst>
+                                      </p:cBhvr>
+                                      <p:to>
+                                        <p:strVal val="visible"/>
+                                      </p:to>
+                                    </p:set>
+                                    <p:animEffect transition="in" filter="fade">
+                                      <p:cBhvr>
+                                        <p:cTn id="20" dur="500"/>
+                                        <p:tgtEl>
+                                          <p:spTgt spid="1026"/>
                                         </p:tgtEl>
                                       </p:cBhvr>
                                     </p:animEffect>
@@ -14616,67 +15938,6 @@
                       </p:childTnLst>
                     </p:cTn>
                   </p:par>
-                  <p:par>
-                    <p:cTn id="46" fill="hold">
-                      <p:stCondLst>
-                        <p:cond delay="indefinite"/>
-                      </p:stCondLst>
-                      <p:childTnLst>
-                        <p:par>
-                          <p:cTn id="47" fill="hold">
-                            <p:stCondLst>
-                              <p:cond delay="0"/>
-                            </p:stCondLst>
-                            <p:childTnLst>
-                              <p:par>
-                                <p:cTn id="48" presetID="10" presetClass="entr" presetSubtype="0" fill="hold" nodeType="clickEffect">
-                                  <p:stCondLst>
-                                    <p:cond delay="0"/>
-                                  </p:stCondLst>
-                                  <p:childTnLst>
-                                    <p:set>
-                                      <p:cBhvr>
-                                        <p:cTn id="49" dur="1" fill="hold">
-                                          <p:stCondLst>
-                                            <p:cond delay="0"/>
-                                          </p:stCondLst>
-                                        </p:cTn>
-                                        <p:tgtEl>
-                                          <p:spTgt spid="3">
-                                            <p:txEl>
-                                              <p:pRg st="8" end="8"/>
-                                            </p:txEl>
-                                          </p:spTgt>
-                                        </p:tgtEl>
-                                        <p:attrNameLst>
-                                          <p:attrName>style.visibility</p:attrName>
-                                        </p:attrNameLst>
-                                      </p:cBhvr>
-                                      <p:to>
-                                        <p:strVal val="visible"/>
-                                      </p:to>
-                                    </p:set>
-                                    <p:animEffect transition="in" filter="fade">
-                                      <p:cBhvr>
-                                        <p:cTn id="50" dur="500"/>
-                                        <p:tgtEl>
-                                          <p:spTgt spid="3">
-                                            <p:txEl>
-                                              <p:pRg st="8" end="8"/>
-                                            </p:txEl>
-                                          </p:spTgt>
-                                        </p:tgtEl>
-                                      </p:cBhvr>
-                                    </p:animEffect>
-                                  </p:childTnLst>
-                                </p:cTn>
-                              </p:par>
-                            </p:childTnLst>
-                          </p:cTn>
-                        </p:par>
-                      </p:childTnLst>
-                    </p:cTn>
-                  </p:par>
                 </p:childTnLst>
               </p:cTn>
               <p:prevCondLst>
@@ -14702,7 +15963,7 @@
 </p:sld>
 </file>
 
-<file path=ppt/slides/slide19.xml><?xml version="1.0" encoding="utf-8"?>
+<file path=ppt/slides/slide2.xml><?xml version="1.0" encoding="utf-8"?>
 <p:sld xmlns:a="http://schemas.openxmlformats.org/drawingml/2006/main" xmlns:r="http://schemas.openxmlformats.org/officeDocument/2006/relationships" xmlns:p="http://schemas.openxmlformats.org/presentationml/2006/main">
   <p:cSld>
     <p:spTree>
@@ -14735,9 +15996,10 @@
           <a:lstStyle/>
           <a:p>
             <a:r>
-              <a:rPr lang="zh-CN" altLang="en-US" dirty="0"/>
-              <a:t>大数据分析的五个误区</a:t>
-            </a:r>
+              <a:rPr lang="en-US" altLang="zh-CN" dirty="0"/>
+              <a:t>About me</a:t>
+            </a:r>
+            <a:endParaRPr lang="zh-CN" altLang="en-US" dirty="0"/>
           </a:p>
         </p:txBody>
       </p:sp>
@@ -14758,7 +16020,30 @@
           <a:p>
             <a:r>
               <a:rPr lang="zh-CN" altLang="en-US" dirty="0"/>
-              <a:t>大数据只关注相关性不需要找出因果关系</a:t>
+              <a:t>方斌 </a:t>
+            </a:r>
+            <a:r>
+              <a:rPr lang="en-US" altLang="zh-CN" dirty="0"/>
+              <a:t>(e-mail: fangbin@xmu.edu.cn)</a:t>
+            </a:r>
+            <a:r>
+              <a:rPr lang="zh-CN" altLang="en-US" dirty="0"/>
+              <a:t>，</a:t>
+            </a:r>
+            <a:r>
+              <a:rPr lang="en-US" altLang="zh-CN" dirty="0"/>
+              <a:t>Ph. D.</a:t>
+            </a:r>
+          </a:p>
+          <a:p>
+            <a:pPr lvl="1"/>
+            <a:r>
+              <a:rPr lang="zh-CN" altLang="en-US" dirty="0"/>
+              <a:t>嘉庚二</a:t>
+            </a:r>
+            <a:r>
+              <a:rPr lang="en-US" altLang="zh-CN"/>
+              <a:t>635</a:t>
             </a:r>
             <a:endParaRPr lang="en-US" altLang="zh-CN" dirty="0"/>
           </a:p>
@@ -14766,99 +16051,32 @@
             <a:pPr lvl="1"/>
             <a:r>
               <a:rPr lang="zh-CN" altLang="en-US" dirty="0"/>
-              <a:t>“大数据分析只需要相关，不需要因果”（</a:t>
-            </a:r>
-            <a:r>
-              <a:rPr lang="en-US" altLang="zh-CN" sz="1800" dirty="0"/>
-              <a:t>Viktor Mayer-</a:t>
-            </a:r>
-            <a:r>
-              <a:rPr lang="en-US" altLang="zh-CN" sz="1800" dirty="0" err="1"/>
-              <a:t>Schönberger</a:t>
-            </a:r>
-            <a:r>
-              <a:rPr lang="zh-CN" altLang="en-US" sz="1800" dirty="0"/>
-              <a:t>，</a:t>
-            </a:r>
-            <a:r>
-              <a:rPr lang="en-US" altLang="zh-CN" sz="1800" dirty="0"/>
-              <a:t>《Big </a:t>
-            </a:r>
-            <a:r>
-              <a:rPr lang="en-US" altLang="zh-CN" sz="1800" dirty="0" err="1"/>
-              <a:t>Data:A</a:t>
-            </a:r>
-            <a:r>
-              <a:rPr lang="en-US" altLang="zh-CN" sz="1800" dirty="0"/>
-              <a:t> Revolution That Will Transform How We Live, Work, and Think》</a:t>
-            </a:r>
+              <a:t>研究方向</a:t>
+            </a:r>
+            <a:endParaRPr lang="en-US" altLang="zh-CN" dirty="0"/>
+          </a:p>
+          <a:p>
+            <a:pPr lvl="2"/>
             <a:r>
               <a:rPr lang="zh-CN" altLang="en-US" dirty="0"/>
-              <a:t>）</a:t>
+              <a:t>在线消费者决策</a:t>
             </a:r>
             <a:endParaRPr lang="en-US" altLang="zh-CN" dirty="0"/>
           </a:p>
           <a:p>
-            <a:pPr lvl="1"/>
+            <a:pPr lvl="2"/>
             <a:r>
               <a:rPr lang="zh-CN" altLang="en-US" dirty="0"/>
-              <a:t>橙色车出现质量问题的概率仅为其它颜色车的一半。汽车的质量和颜色相关？</a:t>
+              <a:t>在线交易市场</a:t>
             </a:r>
             <a:endParaRPr lang="en-US" altLang="zh-CN" dirty="0"/>
           </a:p>
           <a:p>
-            <a:pPr lvl="1"/>
-            <a:r>
-              <a:rPr lang="en-US" altLang="zh-CN" dirty="0"/>
-              <a:t>Google</a:t>
-            </a:r>
+            <a:pPr lvl="2"/>
             <a:r>
               <a:rPr lang="zh-CN" altLang="en-US" dirty="0"/>
-              <a:t>搜索指数真的能预测流感</a:t>
-            </a:r>
-            <a:r>
-              <a:rPr lang="en-US" altLang="zh-CN" dirty="0"/>
-              <a:t>?</a:t>
-            </a:r>
-          </a:p>
-          <a:p>
-            <a:pPr lvl="1"/>
-            <a:r>
-              <a:rPr lang="en-US" altLang="zh-CN" dirty="0"/>
-              <a:t>FICO</a:t>
-            </a:r>
-            <a:r>
-              <a:rPr lang="zh-CN" altLang="en-US" dirty="0"/>
-              <a:t>在</a:t>
-            </a:r>
-            <a:r>
-              <a:rPr lang="en-US" altLang="zh-CN" dirty="0"/>
-              <a:t>2011</a:t>
-            </a:r>
-            <a:r>
-              <a:rPr lang="zh-CN" altLang="en-US" dirty="0"/>
-              <a:t>年提出了“遵从医嘱评分”</a:t>
-            </a:r>
-            <a:r>
-              <a:rPr lang="en-US" altLang="zh-CN" dirty="0"/>
-              <a:t>——</a:t>
-            </a:r>
-            <a:r>
-              <a:rPr lang="zh-CN" altLang="en-US" dirty="0"/>
-              <a:t>他们通过数据分析发现是否有私家车与是否按时吃药和是否使用抗生素存在着相关性。背后的原因是什么</a:t>
-            </a:r>
-            <a:r>
-              <a:rPr lang="en-US" altLang="zh-CN" dirty="0"/>
-              <a:t>?</a:t>
-            </a:r>
-          </a:p>
-          <a:p>
-            <a:pPr lvl="2"/>
-            <a:r>
-              <a:rPr lang="zh-CN" altLang="en-US" dirty="0"/>
-              <a:t>一个可能的原因就是一个人如果连私家车都无法负担，那么他的生活水平和收入状况很可能非常糟糕，也就无法负担起医药的费用，因此就会出现不遵照医嘱吃药和使用抗生素的情况。</a:t>
-            </a:r>
-            <a:endParaRPr lang="en-US" altLang="zh-CN" dirty="0"/>
+              <a:t>社交媒体</a:t>
+            </a:r>
           </a:p>
         </p:txBody>
       </p:sp>
@@ -14884,7 +16102,7 @@
                 </a:solidFill>
               </a:rPr>
               <a:pPr/>
-              <a:t>19</a:t>
+              <a:t>2</a:t>
             </a:fld>
             <a:endParaRPr lang="en-US" altLang="zh-CN">
               <a:solidFill>
@@ -14910,7 +16128,7 @@
           <a:lstStyle/>
           <a:p>
             <a:r>
-              <a:rPr lang="zh-CN" altLang="en-US">
+              <a:rPr lang="zh-CN" altLang="en-US" dirty="0">
                 <a:solidFill>
                   <a:srgbClr val="000000"/>
                 </a:solidFill>
@@ -14918,18 +16136,13 @@
               <a:t>大数据分析基础 </a:t>
             </a:r>
             <a:r>
-              <a:rPr lang="en-US" altLang="zh-CN">
+              <a:rPr lang="en-US" altLang="zh-CN" dirty="0">
                 <a:solidFill>
                   <a:srgbClr val="000000"/>
                 </a:solidFill>
               </a:rPr>
               <a:t>(By Dr. Fang)</a:t>
             </a:r>
-            <a:endParaRPr lang="en-US" altLang="zh-CN" dirty="0">
-              <a:solidFill>
-                <a:srgbClr val="000000"/>
-              </a:solidFill>
-            </a:endParaRPr>
           </a:p>
         </p:txBody>
       </p:sp>
@@ -14954,7 +16167,347 @@
                   <a:srgbClr val="000000"/>
                 </a:solidFill>
               </a:rPr>
-              <a:t>2021-9-17</a:t>
+              <a:t>2022-9-15</a:t>
+            </a:fld>
+            <a:endParaRPr lang="en-US" altLang="zh-CN" dirty="0">
+              <a:solidFill>
+                <a:srgbClr val="000000"/>
+              </a:solidFill>
+            </a:endParaRPr>
+          </a:p>
+        </p:txBody>
+      </p:sp>
+    </p:spTree>
+    <p:extLst>
+      <p:ext uri="{BB962C8B-B14F-4D97-AF65-F5344CB8AC3E}">
+        <p14:creationId xmlns:p14="http://schemas.microsoft.com/office/powerpoint/2010/main" val="1069421192"/>
+      </p:ext>
+    </p:extLst>
+  </p:cSld>
+  <p:clrMapOvr>
+    <a:masterClrMapping/>
+  </p:clrMapOvr>
+</p:sld>
+</file>
+
+<file path=ppt/slides/slide20.xml><?xml version="1.0" encoding="utf-8"?>
+<p:sld xmlns:a="http://schemas.openxmlformats.org/drawingml/2006/main" xmlns:r="http://schemas.openxmlformats.org/officeDocument/2006/relationships" xmlns:p="http://schemas.openxmlformats.org/presentationml/2006/main">
+  <p:cSld>
+    <p:spTree>
+      <p:nvGrpSpPr>
+        <p:cNvPr id="1" name=""/>
+        <p:cNvGrpSpPr/>
+        <p:nvPr/>
+      </p:nvGrpSpPr>
+      <p:grpSpPr>
+        <a:xfrm>
+          <a:off x="0" y="0"/>
+          <a:ext cx="0" cy="0"/>
+          <a:chOff x="0" y="0"/>
+          <a:chExt cx="0" cy="0"/>
+        </a:xfrm>
+      </p:grpSpPr>
+      <p:sp>
+        <p:nvSpPr>
+          <p:cNvPr id="2" name="标题 1"/>
+          <p:cNvSpPr>
+            <a:spLocks noGrp="1"/>
+          </p:cNvSpPr>
+          <p:nvPr>
+            <p:ph type="title"/>
+          </p:nvPr>
+        </p:nvSpPr>
+        <p:spPr/>
+        <p:txBody>
+          <a:bodyPr/>
+          <a:lstStyle/>
+          <a:p>
+            <a:r>
+              <a:rPr lang="zh-CN" altLang="en-US" dirty="0"/>
+              <a:t>大数据分析的五个误区</a:t>
+            </a:r>
+          </a:p>
+        </p:txBody>
+      </p:sp>
+      <p:sp>
+        <p:nvSpPr>
+          <p:cNvPr id="3" name="内容占位符 2"/>
+          <p:cNvSpPr>
+            <a:spLocks noGrp="1"/>
+          </p:cNvSpPr>
+          <p:nvPr>
+            <p:ph idx="1"/>
+          </p:nvPr>
+        </p:nvSpPr>
+        <p:spPr/>
+        <p:txBody>
+          <a:bodyPr/>
+          <a:lstStyle/>
+          <a:p>
+            <a:r>
+              <a:rPr lang="zh-CN" altLang="en-US" dirty="0"/>
+              <a:t>大数据只关注相关性不需要找出因果关系</a:t>
+            </a:r>
+            <a:endParaRPr lang="en-US" altLang="zh-CN" dirty="0"/>
+          </a:p>
+          <a:p>
+            <a:pPr lvl="1"/>
+            <a:r>
+              <a:rPr lang="zh-CN" altLang="en-US" dirty="0"/>
+              <a:t>“大数据分析只需要相关，不需要因果”（</a:t>
+            </a:r>
+            <a:r>
+              <a:rPr lang="en-US" altLang="zh-CN" sz="1800" dirty="0"/>
+              <a:t>Viktor Mayer-</a:t>
+            </a:r>
+            <a:r>
+              <a:rPr lang="en-US" altLang="zh-CN" sz="1800" dirty="0" err="1"/>
+              <a:t>Schönberger</a:t>
+            </a:r>
+            <a:r>
+              <a:rPr lang="zh-CN" altLang="en-US" sz="1800" dirty="0"/>
+              <a:t>，</a:t>
+            </a:r>
+            <a:r>
+              <a:rPr lang="en-US" altLang="zh-CN" sz="1800" dirty="0"/>
+              <a:t>《Big </a:t>
+            </a:r>
+            <a:r>
+              <a:rPr lang="en-US" altLang="zh-CN" sz="1800" dirty="0" err="1"/>
+              <a:t>Data:A</a:t>
+            </a:r>
+            <a:r>
+              <a:rPr lang="en-US" altLang="zh-CN" sz="1800" dirty="0"/>
+              <a:t> Revolution That Will Transform How We Live, Work, and Think》</a:t>
+            </a:r>
+            <a:r>
+              <a:rPr lang="zh-CN" altLang="en-US" dirty="0"/>
+              <a:t>）</a:t>
+            </a:r>
+            <a:endParaRPr lang="en-US" altLang="zh-CN" dirty="0"/>
+          </a:p>
+          <a:p>
+            <a:pPr lvl="1"/>
+            <a:r>
+              <a:rPr lang="zh-CN" altLang="en-US" dirty="0"/>
+              <a:t>橙色车出现质量问题的概率仅为其它颜色车的一半。汽车的质量和颜色相关？</a:t>
+            </a:r>
+            <a:endParaRPr lang="en-US" altLang="zh-CN" dirty="0"/>
+          </a:p>
+          <a:p>
+            <a:pPr lvl="1"/>
+            <a:r>
+              <a:rPr lang="en-US" altLang="zh-CN" dirty="0"/>
+              <a:t>Google</a:t>
+            </a:r>
+            <a:r>
+              <a:rPr lang="zh-CN" altLang="en-US" dirty="0"/>
+              <a:t>搜索指数真的能预测流感</a:t>
+            </a:r>
+            <a:r>
+              <a:rPr lang="en-US" altLang="zh-CN" dirty="0"/>
+              <a:t>?</a:t>
+            </a:r>
+          </a:p>
+          <a:p>
+            <a:pPr lvl="2"/>
+            <a:r>
+              <a:rPr lang="en-US" altLang="zh-CN" dirty="0"/>
+              <a:t>2009</a:t>
+            </a:r>
+            <a:r>
+              <a:rPr lang="zh-CN" altLang="en-US" dirty="0"/>
+              <a:t>年，</a:t>
+            </a:r>
+            <a:r>
+              <a:rPr lang="en-US" altLang="zh-CN" dirty="0"/>
+              <a:t>Google</a:t>
+            </a:r>
+            <a:r>
+              <a:rPr lang="zh-CN" altLang="en-US" dirty="0"/>
+              <a:t>在甲流爆发前几周成功预测了特定州和地区的甲流传播情况，而</a:t>
+            </a:r>
+            <a:r>
+              <a:rPr lang="en-US" altLang="zh-CN" dirty="0"/>
+              <a:t>CDC</a:t>
+            </a:r>
+            <a:r>
+              <a:rPr lang="zh-CN" altLang="en-US" dirty="0"/>
+              <a:t>往往需要在爆发后一两周才可以做到。</a:t>
+            </a:r>
+            <a:endParaRPr lang="en-US" altLang="zh-CN" dirty="0"/>
+          </a:p>
+          <a:p>
+            <a:pPr lvl="2"/>
+            <a:r>
+              <a:rPr lang="en-US" altLang="zh-CN" dirty="0"/>
+              <a:t>2013</a:t>
+            </a:r>
+            <a:r>
+              <a:rPr lang="zh-CN" altLang="en-US" dirty="0"/>
+              <a:t>年</a:t>
+            </a:r>
+            <a:r>
+              <a:rPr lang="en-US" altLang="zh-CN" dirty="0"/>
+              <a:t>Nature</a:t>
+            </a:r>
+            <a:r>
+              <a:rPr lang="zh-CN" altLang="en-US" dirty="0"/>
+              <a:t>报道</a:t>
+            </a:r>
+            <a:r>
+              <a:rPr lang="en-US" altLang="zh-CN" dirty="0"/>
+              <a:t>Google</a:t>
+            </a:r>
+            <a:r>
+              <a:rPr lang="zh-CN" altLang="en-US" dirty="0"/>
+              <a:t>预测的结果与</a:t>
+            </a:r>
+            <a:r>
+              <a:rPr lang="en-US" altLang="zh-CN" dirty="0"/>
+              <a:t>CDC</a:t>
+            </a:r>
+            <a:r>
+              <a:rPr lang="zh-CN" altLang="en-US" dirty="0"/>
+              <a:t>统计的实际结果相差甚远。</a:t>
+            </a:r>
+            <a:endParaRPr lang="en-US" altLang="zh-CN" dirty="0"/>
+          </a:p>
+          <a:p>
+            <a:pPr lvl="1"/>
+            <a:r>
+              <a:rPr lang="en-US" altLang="zh-CN" dirty="0"/>
+              <a:t>FICO</a:t>
+            </a:r>
+            <a:r>
+              <a:rPr lang="zh-CN" altLang="en-US" dirty="0"/>
+              <a:t>在</a:t>
+            </a:r>
+            <a:r>
+              <a:rPr lang="en-US" altLang="zh-CN" dirty="0"/>
+              <a:t>2011</a:t>
+            </a:r>
+            <a:r>
+              <a:rPr lang="zh-CN" altLang="en-US" dirty="0"/>
+              <a:t>年提出了“遵从医嘱评分”</a:t>
+            </a:r>
+            <a:r>
+              <a:rPr lang="en-US" altLang="zh-CN" dirty="0"/>
+              <a:t>——</a:t>
+            </a:r>
+            <a:r>
+              <a:rPr lang="zh-CN" altLang="en-US" dirty="0"/>
+              <a:t>他们通过数据分析发现是否有私家车与是否按时吃药和是否使用抗生素存在着</a:t>
+            </a:r>
+            <a:r>
+              <a:rPr lang="zh-CN" altLang="en-US"/>
+              <a:t>相关性。</a:t>
+            </a:r>
+            <a:endParaRPr lang="en-US" altLang="zh-CN" dirty="0"/>
+          </a:p>
+          <a:p>
+            <a:pPr lvl="2"/>
+            <a:r>
+              <a:rPr lang="zh-CN" altLang="en-US" dirty="0"/>
+              <a:t>一个可能的原因就是一个人如果连私家车都无法负担，那么他的生活水平和收入状况很可能非常糟糕，也就无法负担起医药的费用，因此就会出现不遵照医嘱吃药和使用抗生素的情况。</a:t>
+            </a:r>
+            <a:endParaRPr lang="en-US" altLang="zh-CN" dirty="0"/>
+          </a:p>
+        </p:txBody>
+      </p:sp>
+      <p:sp>
+        <p:nvSpPr>
+          <p:cNvPr id="4" name="灯片编号占位符 3"/>
+          <p:cNvSpPr>
+            <a:spLocks noGrp="1"/>
+          </p:cNvSpPr>
+          <p:nvPr>
+            <p:ph type="sldNum" sz="quarter" idx="12"/>
+          </p:nvPr>
+        </p:nvSpPr>
+        <p:spPr/>
+        <p:txBody>
+          <a:bodyPr/>
+          <a:lstStyle/>
+          <a:p>
+            <a:fld id="{9A36BD81-06CB-49E9-86F3-1AB1E07B7A01}" type="slidenum">
+              <a:rPr lang="en-US" altLang="zh-CN" smtClean="0">
+                <a:solidFill>
+                  <a:srgbClr val="000000"/>
+                </a:solidFill>
+              </a:rPr>
+              <a:pPr/>
+              <a:t>20</a:t>
+            </a:fld>
+            <a:endParaRPr lang="en-US" altLang="zh-CN">
+              <a:solidFill>
+                <a:srgbClr val="000000"/>
+              </a:solidFill>
+            </a:endParaRPr>
+          </a:p>
+        </p:txBody>
+      </p:sp>
+      <p:sp>
+        <p:nvSpPr>
+          <p:cNvPr id="5" name="页脚占位符 4"/>
+          <p:cNvSpPr>
+            <a:spLocks noGrp="1"/>
+          </p:cNvSpPr>
+          <p:nvPr>
+            <p:ph type="ftr" sz="quarter" idx="11"/>
+          </p:nvPr>
+        </p:nvSpPr>
+        <p:spPr/>
+        <p:txBody>
+          <a:bodyPr/>
+          <a:lstStyle/>
+          <a:p>
+            <a:r>
+              <a:rPr lang="zh-CN" altLang="en-US">
+                <a:solidFill>
+                  <a:srgbClr val="000000"/>
+                </a:solidFill>
+              </a:rPr>
+              <a:t>大数据分析基础 </a:t>
+            </a:r>
+            <a:r>
+              <a:rPr lang="en-US" altLang="zh-CN">
+                <a:solidFill>
+                  <a:srgbClr val="000000"/>
+                </a:solidFill>
+              </a:rPr>
+              <a:t>(By Dr. Fang)</a:t>
+            </a:r>
+            <a:endParaRPr lang="en-US" altLang="zh-CN" dirty="0">
+              <a:solidFill>
+                <a:srgbClr val="000000"/>
+              </a:solidFill>
+            </a:endParaRPr>
+          </a:p>
+        </p:txBody>
+      </p:sp>
+      <p:sp>
+        <p:nvSpPr>
+          <p:cNvPr id="6" name="日期占位符 5"/>
+          <p:cNvSpPr>
+            <a:spLocks noGrp="1"/>
+          </p:cNvSpPr>
+          <p:nvPr>
+            <p:ph type="dt" sz="half" idx="10"/>
+          </p:nvPr>
+        </p:nvSpPr>
+        <p:spPr/>
+        <p:txBody>
+          <a:bodyPr/>
+          <a:lstStyle/>
+          <a:p>
+            <a:fld id="{3D3DADA3-AAC4-4DED-838A-DCC1C6C6A803}" type="datetime1">
+              <a:rPr lang="zh-CN" altLang="en-US" smtClean="0">
+                <a:solidFill>
+                  <a:srgbClr val="000000"/>
+                </a:solidFill>
+              </a:rPr>
+              <a:t>2022-9-15</a:t>
             </a:fld>
             <a:endParaRPr lang="en-US" altLang="zh-CN" dirty="0">
               <a:solidFill>
@@ -15348,6 +16901,128 @@
                       </p:childTnLst>
                     </p:cTn>
                   </p:par>
+                  <p:par>
+                    <p:cTn id="33" fill="hold">
+                      <p:stCondLst>
+                        <p:cond delay="indefinite"/>
+                      </p:stCondLst>
+                      <p:childTnLst>
+                        <p:par>
+                          <p:cTn id="34" fill="hold">
+                            <p:stCondLst>
+                              <p:cond delay="0"/>
+                            </p:stCondLst>
+                            <p:childTnLst>
+                              <p:par>
+                                <p:cTn id="35" presetID="10" presetClass="entr" presetSubtype="0" fill="hold" nodeType="clickEffect">
+                                  <p:stCondLst>
+                                    <p:cond delay="0"/>
+                                  </p:stCondLst>
+                                  <p:childTnLst>
+                                    <p:set>
+                                      <p:cBhvr>
+                                        <p:cTn id="36" dur="1" fill="hold">
+                                          <p:stCondLst>
+                                            <p:cond delay="0"/>
+                                          </p:stCondLst>
+                                        </p:cTn>
+                                        <p:tgtEl>
+                                          <p:spTgt spid="3">
+                                            <p:txEl>
+                                              <p:pRg st="6" end="6"/>
+                                            </p:txEl>
+                                          </p:spTgt>
+                                        </p:tgtEl>
+                                        <p:attrNameLst>
+                                          <p:attrName>style.visibility</p:attrName>
+                                        </p:attrNameLst>
+                                      </p:cBhvr>
+                                      <p:to>
+                                        <p:strVal val="visible"/>
+                                      </p:to>
+                                    </p:set>
+                                    <p:animEffect transition="in" filter="fade">
+                                      <p:cBhvr>
+                                        <p:cTn id="37" dur="500"/>
+                                        <p:tgtEl>
+                                          <p:spTgt spid="3">
+                                            <p:txEl>
+                                              <p:pRg st="6" end="6"/>
+                                            </p:txEl>
+                                          </p:spTgt>
+                                        </p:tgtEl>
+                                      </p:cBhvr>
+                                    </p:animEffect>
+                                  </p:childTnLst>
+                                </p:cTn>
+                              </p:par>
+                            </p:childTnLst>
+                          </p:cTn>
+                        </p:par>
+                      </p:childTnLst>
+                    </p:cTn>
+                  </p:par>
+                  <p:par>
+                    <p:cTn id="38" fill="hold">
+                      <p:stCondLst>
+                        <p:cond delay="indefinite"/>
+                      </p:stCondLst>
+                      <p:childTnLst>
+                        <p:par>
+                          <p:cTn id="39" fill="hold">
+                            <p:stCondLst>
+                              <p:cond delay="0"/>
+                            </p:stCondLst>
+                            <p:childTnLst>
+                              <p:par>
+                                <p:cTn id="40" presetID="10" presetClass="entr" presetSubtype="0" fill="hold" nodeType="clickEffect">
+                                  <p:stCondLst>
+                                    <p:cond delay="0"/>
+                                  </p:stCondLst>
+                                  <p:childTnLst>
+                                    <p:set>
+                                      <p:cBhvr>
+                                        <p:cTn id="41" dur="1" fill="hold">
+                                          <p:stCondLst>
+                                            <p:cond delay="0"/>
+                                          </p:stCondLst>
+                                        </p:cTn>
+                                        <p:tgtEl>
+                                          <p:spTgt spid="3">
+                                            <p:txEl>
+                                              <p:pRg st="7" end="7"/>
+                                            </p:txEl>
+                                          </p:spTgt>
+                                        </p:tgtEl>
+                                        <p:attrNameLst>
+                                          <p:attrName>style.visibility</p:attrName>
+                                        </p:attrNameLst>
+                                      </p:cBhvr>
+                                      <p:to>
+                                        <p:strVal val="visible"/>
+                                      </p:to>
+                                    </p:set>
+                                    <p:animEffect transition="in" filter="fade">
+                                      <p:cBhvr>
+                                        <p:cTn id="42" dur="500"/>
+                                        <p:tgtEl>
+                                          <p:spTgt spid="3">
+                                            <p:txEl>
+                                              <p:pRg st="7" end="7"/>
+                                            </p:txEl>
+                                          </p:spTgt>
+                                        </p:tgtEl>
+                                      </p:cBhvr>
+                                    </p:animEffect>
+                                  </p:childTnLst>
+                                </p:cTn>
+                              </p:par>
+                            </p:childTnLst>
+                          </p:cTn>
+                        </p:par>
+                      </p:childTnLst>
+                    </p:cTn>
+                  </p:par>
                 </p:childTnLst>
               </p:cTn>
               <p:prevCondLst>
@@ -15373,7 +17048,7 @@
 </p:sld>
 </file>
 
-<file path=ppt/slides/slide2.xml><?xml version="1.0" encoding="utf-8"?>
+<file path=ppt/slides/slide21.xml><?xml version="1.0" encoding="utf-8"?>
 <p:sld xmlns:a="http://schemas.openxmlformats.org/drawingml/2006/main" xmlns:r="http://schemas.openxmlformats.org/officeDocument/2006/relationships" xmlns:p="http://schemas.openxmlformats.org/presentationml/2006/main">
   <p:cSld>
     <p:spTree>
@@ -15406,10 +17081,9 @@
           <a:lstStyle/>
           <a:p>
             <a:r>
-              <a:rPr lang="en-US" altLang="zh-CN" dirty="0"/>
-              <a:t>About me</a:t>
-            </a:r>
-            <a:endParaRPr lang="zh-CN" altLang="en-US" dirty="0"/>
+              <a:rPr lang="zh-CN" altLang="en-US" dirty="0"/>
+              <a:t>大数据分析的五个误区</a:t>
+            </a:r>
           </a:p>
         </p:txBody>
       </p:sp>
@@ -15430,30 +17104,64 @@
           <a:p>
             <a:r>
               <a:rPr lang="zh-CN" altLang="en-US" dirty="0"/>
-              <a:t>方斌 </a:t>
+              <a:t>为了大数据而大数据</a:t>
+            </a:r>
+            <a:endParaRPr lang="en-US" altLang="zh-CN" dirty="0"/>
+          </a:p>
+          <a:p>
+            <a:pPr lvl="1"/>
+            <a:r>
+              <a:rPr lang="zh-CN" altLang="en-US" dirty="0"/>
+              <a:t>不是所有的企业都适合使用或者需要使用大数据技术</a:t>
+            </a:r>
+            <a:endParaRPr lang="en-US" altLang="zh-CN" dirty="0"/>
+          </a:p>
+          <a:p>
+            <a:r>
+              <a:rPr lang="zh-CN" altLang="en-US" dirty="0"/>
+              <a:t>只有大数据才能拯救世界</a:t>
+            </a:r>
+            <a:endParaRPr lang="en-US" altLang="zh-CN" dirty="0"/>
+          </a:p>
+          <a:p>
+            <a:pPr lvl="1"/>
+            <a:r>
+              <a:rPr lang="zh-CN" altLang="en-US" dirty="0"/>
+              <a:t>大数据目前的技术和应用都是在数据分析、数据仓库等方面，主要针对</a:t>
             </a:r>
             <a:r>
               <a:rPr lang="en-US" altLang="zh-CN" dirty="0"/>
-              <a:t>(e-mail: fangbin@xmu.edu.cn)</a:t>
-            </a:r>
+              <a:t>OLAP</a:t>
+            </a:r>
+          </a:p>
+          <a:p>
+            <a:pPr lvl="1"/>
             <a:r>
               <a:rPr lang="zh-CN" altLang="en-US" dirty="0"/>
-              <a:t>，</a:t>
+              <a:t>没有在</a:t>
             </a:r>
             <a:r>
               <a:rPr lang="en-US" altLang="zh-CN" dirty="0"/>
-              <a:t>Ph. D.</a:t>
-            </a:r>
+              <a:t>OLTP</a:t>
+            </a:r>
+            <a:r>
+              <a:rPr lang="zh-CN" altLang="en-US" dirty="0"/>
+              <a:t>方面做出革命性的改变</a:t>
+            </a:r>
+            <a:endParaRPr lang="en-US" altLang="zh-CN" dirty="0"/>
+          </a:p>
+          <a:p>
+            <a:r>
+              <a:rPr lang="zh-CN" altLang="en-US" dirty="0"/>
+              <a:t>所有的数据分析都称为大数据分析</a:t>
+            </a:r>
+            <a:endParaRPr lang="en-US" altLang="zh-CN" dirty="0"/>
           </a:p>
           <a:p>
             <a:pPr lvl="1"/>
             <a:r>
               <a:rPr lang="zh-CN" altLang="en-US" dirty="0"/>
-              <a:t>嘉庚二</a:t>
-            </a:r>
-            <a:r>
-              <a:rPr lang="en-US" altLang="zh-CN"/>
-              <a:t>635</a:t>
+              <a:t>比如对用户进行了人口统计学特征分析、简单的描述性行为分析等</a:t>
             </a:r>
             <a:endParaRPr lang="en-US" altLang="zh-CN" dirty="0"/>
           </a:p>
@@ -15461,7 +17169,15 @@
             <a:pPr lvl="1"/>
             <a:r>
               <a:rPr lang="zh-CN" altLang="en-US" dirty="0"/>
-              <a:t>研究方向</a:t>
+              <a:t>数据分析通过</a:t>
+            </a:r>
+            <a:r>
+              <a:rPr lang="zh-CN" altLang="en-US" b="1" u="sng" dirty="0"/>
+              <a:t>新的处理模式</a:t>
+            </a:r>
+            <a:r>
+              <a:rPr lang="zh-CN" altLang="en-US" dirty="0"/>
+              <a:t>对大数据进行处理的一个过程</a:t>
             </a:r>
             <a:endParaRPr lang="en-US" altLang="zh-CN" dirty="0"/>
           </a:p>
@@ -15469,23 +17185,7 @@
             <a:pPr lvl="2"/>
             <a:r>
               <a:rPr lang="zh-CN" altLang="en-US" dirty="0"/>
-              <a:t>在线消费者决策</a:t>
-            </a:r>
-            <a:endParaRPr lang="en-US" altLang="zh-CN" dirty="0"/>
-          </a:p>
-          <a:p>
-            <a:pPr lvl="2"/>
-            <a:r>
-              <a:rPr lang="zh-CN" altLang="en-US" dirty="0"/>
-              <a:t>在线交易市场</a:t>
-            </a:r>
-            <a:endParaRPr lang="en-US" altLang="zh-CN" dirty="0"/>
-          </a:p>
-          <a:p>
-            <a:pPr lvl="2"/>
-            <a:r>
-              <a:rPr lang="zh-CN" altLang="en-US" dirty="0"/>
-              <a:t>社交媒体</a:t>
+              <a:t>新的模式是指新的数据存储、处理、分析的方法</a:t>
             </a:r>
           </a:p>
         </p:txBody>
@@ -15512,7 +17212,7 @@
                 </a:solidFill>
               </a:rPr>
               <a:pPr/>
-              <a:t>2</a:t>
+              <a:t>21</a:t>
             </a:fld>
             <a:endParaRPr lang="en-US" altLang="zh-CN">
               <a:solidFill>
@@ -15538,7 +17238,7 @@
           <a:lstStyle/>
           <a:p>
             <a:r>
-              <a:rPr lang="zh-CN" altLang="en-US" dirty="0">
+              <a:rPr lang="zh-CN" altLang="en-US">
                 <a:solidFill>
                   <a:srgbClr val="000000"/>
                 </a:solidFill>
@@ -15546,13 +17246,18 @@
               <a:t>大数据分析基础 </a:t>
             </a:r>
             <a:r>
-              <a:rPr lang="en-US" altLang="zh-CN" dirty="0">
+              <a:rPr lang="en-US" altLang="zh-CN">
                 <a:solidFill>
                   <a:srgbClr val="000000"/>
                 </a:solidFill>
               </a:rPr>
               <a:t>(By Dr. Fang)</a:t>
             </a:r>
+            <a:endParaRPr lang="en-US" altLang="zh-CN" dirty="0">
+              <a:solidFill>
+                <a:srgbClr val="000000"/>
+              </a:solidFill>
+            </a:endParaRPr>
           </a:p>
         </p:txBody>
       </p:sp>
@@ -15577,264 +17282,7 @@
                   <a:srgbClr val="000000"/>
                 </a:solidFill>
               </a:rPr>
-              <a:t>2021-9-17</a:t>
-            </a:fld>
-            <a:endParaRPr lang="en-US" altLang="zh-CN" dirty="0">
-              <a:solidFill>
-                <a:srgbClr val="000000"/>
-              </a:solidFill>
-            </a:endParaRPr>
-          </a:p>
-        </p:txBody>
-      </p:sp>
-    </p:spTree>
-    <p:extLst>
-      <p:ext uri="{BB962C8B-B14F-4D97-AF65-F5344CB8AC3E}">
-        <p14:creationId xmlns:p14="http://schemas.microsoft.com/office/powerpoint/2010/main" val="1069421192"/>
-      </p:ext>
-    </p:extLst>
-  </p:cSld>
-  <p:clrMapOvr>
-    <a:masterClrMapping/>
-  </p:clrMapOvr>
-</p:sld>
-</file>
-
-<file path=ppt/slides/slide20.xml><?xml version="1.0" encoding="utf-8"?>
-<p:sld xmlns:a="http://schemas.openxmlformats.org/drawingml/2006/main" xmlns:r="http://schemas.openxmlformats.org/officeDocument/2006/relationships" xmlns:p="http://schemas.openxmlformats.org/presentationml/2006/main">
-  <p:cSld>
-    <p:spTree>
-      <p:nvGrpSpPr>
-        <p:cNvPr id="1" name=""/>
-        <p:cNvGrpSpPr/>
-        <p:nvPr/>
-      </p:nvGrpSpPr>
-      <p:grpSpPr>
-        <a:xfrm>
-          <a:off x="0" y="0"/>
-          <a:ext cx="0" cy="0"/>
-          <a:chOff x="0" y="0"/>
-          <a:chExt cx="0" cy="0"/>
-        </a:xfrm>
-      </p:grpSpPr>
-      <p:sp>
-        <p:nvSpPr>
-          <p:cNvPr id="2" name="标题 1"/>
-          <p:cNvSpPr>
-            <a:spLocks noGrp="1"/>
-          </p:cNvSpPr>
-          <p:nvPr>
-            <p:ph type="title"/>
-          </p:nvPr>
-        </p:nvSpPr>
-        <p:spPr/>
-        <p:txBody>
-          <a:bodyPr/>
-          <a:lstStyle/>
-          <a:p>
-            <a:r>
-              <a:rPr lang="zh-CN" altLang="en-US" dirty="0"/>
-              <a:t>大数据分析的五个误区</a:t>
-            </a:r>
-          </a:p>
-        </p:txBody>
-      </p:sp>
-      <p:sp>
-        <p:nvSpPr>
-          <p:cNvPr id="3" name="内容占位符 2"/>
-          <p:cNvSpPr>
-            <a:spLocks noGrp="1"/>
-          </p:cNvSpPr>
-          <p:nvPr>
-            <p:ph idx="1"/>
-          </p:nvPr>
-        </p:nvSpPr>
-        <p:spPr/>
-        <p:txBody>
-          <a:bodyPr/>
-          <a:lstStyle/>
-          <a:p>
-            <a:r>
-              <a:rPr lang="zh-CN" altLang="en-US" dirty="0"/>
-              <a:t>为了大数据而大数据</a:t>
-            </a:r>
-            <a:endParaRPr lang="en-US" altLang="zh-CN" dirty="0"/>
-          </a:p>
-          <a:p>
-            <a:pPr lvl="1"/>
-            <a:r>
-              <a:rPr lang="zh-CN" altLang="en-US" dirty="0"/>
-              <a:t>不是所有的企业都适合使用或者需要使用大数据技术</a:t>
-            </a:r>
-            <a:endParaRPr lang="en-US" altLang="zh-CN" dirty="0"/>
-          </a:p>
-          <a:p>
-            <a:r>
-              <a:rPr lang="zh-CN" altLang="en-US" dirty="0"/>
-              <a:t>只有大数据才能拯救世界</a:t>
-            </a:r>
-            <a:endParaRPr lang="en-US" altLang="zh-CN" dirty="0"/>
-          </a:p>
-          <a:p>
-            <a:pPr lvl="1"/>
-            <a:r>
-              <a:rPr lang="zh-CN" altLang="en-US" dirty="0"/>
-              <a:t>大数据目前的技术和应用都是在数据分析、数据仓库等方面，主要针对</a:t>
-            </a:r>
-            <a:r>
-              <a:rPr lang="en-US" altLang="zh-CN" dirty="0"/>
-              <a:t>OLAP</a:t>
-            </a:r>
-          </a:p>
-          <a:p>
-            <a:pPr lvl="1"/>
-            <a:r>
-              <a:rPr lang="zh-CN" altLang="en-US" dirty="0"/>
-              <a:t>没有在</a:t>
-            </a:r>
-            <a:r>
-              <a:rPr lang="en-US" altLang="zh-CN" dirty="0"/>
-              <a:t>OLTP</a:t>
-            </a:r>
-            <a:r>
-              <a:rPr lang="zh-CN" altLang="en-US" dirty="0"/>
-              <a:t>方面做出革命性的改变</a:t>
-            </a:r>
-            <a:endParaRPr lang="en-US" altLang="zh-CN" dirty="0"/>
-          </a:p>
-          <a:p>
-            <a:r>
-              <a:rPr lang="zh-CN" altLang="en-US" dirty="0"/>
-              <a:t>所有的数据分析都称为大数据分析</a:t>
-            </a:r>
-            <a:endParaRPr lang="en-US" altLang="zh-CN" dirty="0"/>
-          </a:p>
-          <a:p>
-            <a:pPr lvl="1"/>
-            <a:r>
-              <a:rPr lang="zh-CN" altLang="en-US" dirty="0"/>
-              <a:t>比如对用户进行了人口统计学特征分析、简单的描述性行为分析等</a:t>
-            </a:r>
-            <a:endParaRPr lang="en-US" altLang="zh-CN" dirty="0"/>
-          </a:p>
-          <a:p>
-            <a:pPr lvl="1"/>
-            <a:r>
-              <a:rPr lang="zh-CN" altLang="en-US" dirty="0"/>
-              <a:t>数据分析通过</a:t>
-            </a:r>
-            <a:r>
-              <a:rPr lang="zh-CN" altLang="en-US" b="1" u="sng" dirty="0"/>
-              <a:t>新的处理模式</a:t>
-            </a:r>
-            <a:r>
-              <a:rPr lang="zh-CN" altLang="en-US" dirty="0"/>
-              <a:t>对大数据进行处理的一个过程</a:t>
-            </a:r>
-            <a:endParaRPr lang="en-US" altLang="zh-CN" dirty="0"/>
-          </a:p>
-          <a:p>
-            <a:pPr lvl="2"/>
-            <a:r>
-              <a:rPr lang="zh-CN" altLang="en-US" dirty="0"/>
-              <a:t>新的模式是指新的数据存储、处理、分析的方法</a:t>
-            </a:r>
-          </a:p>
-        </p:txBody>
-      </p:sp>
-      <p:sp>
-        <p:nvSpPr>
-          <p:cNvPr id="4" name="灯片编号占位符 3"/>
-          <p:cNvSpPr>
-            <a:spLocks noGrp="1"/>
-          </p:cNvSpPr>
-          <p:nvPr>
-            <p:ph type="sldNum" sz="quarter" idx="12"/>
-          </p:nvPr>
-        </p:nvSpPr>
-        <p:spPr/>
-        <p:txBody>
-          <a:bodyPr/>
-          <a:lstStyle/>
-          <a:p>
-            <a:fld id="{9A36BD81-06CB-49E9-86F3-1AB1E07B7A01}" type="slidenum">
-              <a:rPr lang="en-US" altLang="zh-CN" smtClean="0">
-                <a:solidFill>
-                  <a:srgbClr val="000000"/>
-                </a:solidFill>
-              </a:rPr>
-              <a:pPr/>
-              <a:t>20</a:t>
-            </a:fld>
-            <a:endParaRPr lang="en-US" altLang="zh-CN">
-              <a:solidFill>
-                <a:srgbClr val="000000"/>
-              </a:solidFill>
-            </a:endParaRPr>
-          </a:p>
-        </p:txBody>
-      </p:sp>
-      <p:sp>
-        <p:nvSpPr>
-          <p:cNvPr id="5" name="页脚占位符 4"/>
-          <p:cNvSpPr>
-            <a:spLocks noGrp="1"/>
-          </p:cNvSpPr>
-          <p:nvPr>
-            <p:ph type="ftr" sz="quarter" idx="11"/>
-          </p:nvPr>
-        </p:nvSpPr>
-        <p:spPr/>
-        <p:txBody>
-          <a:bodyPr/>
-          <a:lstStyle/>
-          <a:p>
-            <a:r>
-              <a:rPr lang="zh-CN" altLang="en-US">
-                <a:solidFill>
-                  <a:srgbClr val="000000"/>
-                </a:solidFill>
-              </a:rPr>
-              <a:t>大数据分析基础 </a:t>
-            </a:r>
-            <a:r>
-              <a:rPr lang="en-US" altLang="zh-CN">
-                <a:solidFill>
-                  <a:srgbClr val="000000"/>
-                </a:solidFill>
-              </a:rPr>
-              <a:t>(By Dr. Fang)</a:t>
-            </a:r>
-            <a:endParaRPr lang="en-US" altLang="zh-CN" dirty="0">
-              <a:solidFill>
-                <a:srgbClr val="000000"/>
-              </a:solidFill>
-            </a:endParaRPr>
-          </a:p>
-        </p:txBody>
-      </p:sp>
-      <p:sp>
-        <p:nvSpPr>
-          <p:cNvPr id="6" name="日期占位符 5"/>
-          <p:cNvSpPr>
-            <a:spLocks noGrp="1"/>
-          </p:cNvSpPr>
-          <p:nvPr>
-            <p:ph type="dt" sz="half" idx="10"/>
-          </p:nvPr>
-        </p:nvSpPr>
-        <p:spPr/>
-        <p:txBody>
-          <a:bodyPr/>
-          <a:lstStyle/>
-          <a:p>
-            <a:fld id="{3D3DADA3-AAC4-4DED-838A-DCC1C6C6A803}" type="datetime1">
-              <a:rPr lang="zh-CN" altLang="en-US" smtClean="0">
-                <a:solidFill>
-                  <a:srgbClr val="000000"/>
-                </a:solidFill>
-              </a:rPr>
-              <a:t>2021-9-17</a:t>
+              <a:t>2022-9-15</a:t>
             </a:fld>
             <a:endParaRPr lang="en-US" altLang="zh-CN" dirty="0">
               <a:solidFill>
@@ -16375,7 +17823,7 @@
 </p:sld>
 </file>
 
-<file path=ppt/slides/slide21.xml><?xml version="1.0" encoding="utf-8"?>
+<file path=ppt/slides/slide22.xml><?xml version="1.0" encoding="utf-8"?>
 <p:sld xmlns:a="http://schemas.openxmlformats.org/drawingml/2006/main" xmlns:r="http://schemas.openxmlformats.org/officeDocument/2006/relationships" xmlns:p="http://schemas.openxmlformats.org/presentationml/2006/main">
   <p:cSld>
     <p:spTree>
@@ -16594,7 +18042,7 @@
                 </a:solidFill>
               </a:rPr>
               <a:pPr/>
-              <a:t>21</a:t>
+              <a:t>22</a:t>
             </a:fld>
             <a:endParaRPr lang="en-US" altLang="zh-CN">
               <a:solidFill>
@@ -16664,7 +18112,7 @@
                   <a:srgbClr val="000000"/>
                 </a:solidFill>
               </a:rPr>
-              <a:t>2021-9-17</a:t>
+              <a:t>2022-9-15</a:t>
             </a:fld>
             <a:endParaRPr lang="en-US" altLang="zh-CN" dirty="0">
               <a:solidFill>
@@ -17144,7 +18592,7 @@
 </p:sld>
 </file>
 
-<file path=ppt/slides/slide22.xml><?xml version="1.0" encoding="utf-8"?>
+<file path=ppt/slides/slide23.xml><?xml version="1.0" encoding="utf-8"?>
 <p:sld xmlns:a="http://schemas.openxmlformats.org/drawingml/2006/main" xmlns:r="http://schemas.openxmlformats.org/officeDocument/2006/relationships" xmlns:p="http://schemas.openxmlformats.org/presentationml/2006/main">
   <p:cSld>
     <p:spTree>
@@ -17227,7 +18675,7 @@
                 </a:solidFill>
               </a:rPr>
               <a:pPr/>
-              <a:t>22</a:t>
+              <a:t>23</a:t>
             </a:fld>
             <a:endParaRPr lang="en-US" altLang="zh-CN">
               <a:solidFill>
@@ -17297,7 +18745,7 @@
                   <a:srgbClr val="000000"/>
                 </a:solidFill>
               </a:rPr>
-              <a:t>2021-9-17</a:t>
+              <a:t>2022-9-15</a:t>
             </a:fld>
             <a:endParaRPr lang="en-US" altLang="zh-CN" dirty="0">
               <a:solidFill>
@@ -18594,7 +20042,7 @@
 </p:sld>
 </file>
 
-<file path=ppt/slides/slide23.xml><?xml version="1.0" encoding="utf-8"?>
+<file path=ppt/slides/slide24.xml><?xml version="1.0" encoding="utf-8"?>
 <p:sld xmlns:a="http://schemas.openxmlformats.org/drawingml/2006/main" xmlns:r="http://schemas.openxmlformats.org/officeDocument/2006/relationships" xmlns:p="http://schemas.openxmlformats.org/presentationml/2006/main">
   <p:cSld>
     <p:spTree>
@@ -18650,126 +20098,7 @@
           <a:p>
             <a:r>
               <a:rPr lang="zh-CN" altLang="en-US" dirty="0"/>
-              <a:t>课程内容安排</a:t>
-            </a:r>
-            <a:endParaRPr lang="en-US" altLang="zh-CN" dirty="0"/>
-          </a:p>
-          <a:p>
-            <a:pPr lvl="1"/>
-            <a:r>
-              <a:rPr lang="zh-CN" altLang="en-US" sz="2000" dirty="0"/>
-              <a:t>大数据（商务）分析简介</a:t>
-            </a:r>
-            <a:endParaRPr lang="en-US" altLang="zh-CN" sz="2000" dirty="0"/>
-          </a:p>
-          <a:p>
-            <a:pPr lvl="1"/>
-            <a:r>
-              <a:rPr lang="en-US" altLang="zh-CN" sz="2000" dirty="0"/>
-              <a:t>Python</a:t>
-            </a:r>
-            <a:r>
-              <a:rPr lang="zh-CN" altLang="en-US" sz="2000" dirty="0"/>
-              <a:t>入门</a:t>
-            </a:r>
-            <a:endParaRPr lang="en-US" altLang="zh-CN" sz="2000" dirty="0"/>
-          </a:p>
-          <a:p>
-            <a:pPr lvl="2"/>
-            <a:r>
-              <a:rPr lang="en-US" altLang="zh-CN" sz="1800" dirty="0"/>
-              <a:t>Python</a:t>
-            </a:r>
-            <a:r>
-              <a:rPr lang="zh-CN" altLang="en-US" sz="1800" dirty="0"/>
-              <a:t>基础知识</a:t>
-            </a:r>
-            <a:endParaRPr lang="en-US" altLang="zh-CN" sz="1800" dirty="0"/>
-          </a:p>
-          <a:p>
-            <a:pPr lvl="2"/>
-            <a:r>
-              <a:rPr lang="en-US" altLang="zh-CN" sz="1800" dirty="0"/>
-              <a:t>Python</a:t>
-            </a:r>
-            <a:r>
-              <a:rPr lang="zh-CN" altLang="en-US" sz="1800" dirty="0"/>
-              <a:t>数据获取</a:t>
-            </a:r>
-            <a:endParaRPr lang="en-US" altLang="zh-CN" sz="1800" dirty="0"/>
-          </a:p>
-          <a:p>
-            <a:pPr lvl="1"/>
-            <a:r>
-              <a:rPr lang="zh-CN" altLang="en-US" sz="2000" dirty="0"/>
-              <a:t>数据库入门</a:t>
-            </a:r>
-            <a:endParaRPr lang="en-US" altLang="zh-CN" sz="2000" dirty="0"/>
-          </a:p>
-          <a:p>
-            <a:pPr lvl="2"/>
-            <a:r>
-              <a:rPr lang="zh-CN" altLang="en-US" sz="1800" dirty="0"/>
-              <a:t>数据库基础</a:t>
-            </a:r>
-            <a:endParaRPr lang="en-US" altLang="zh-CN" sz="1800" dirty="0"/>
-          </a:p>
-          <a:p>
-            <a:pPr lvl="2"/>
-            <a:r>
-              <a:rPr lang="en-US" altLang="zh-CN" sz="1800" dirty="0"/>
-              <a:t>Python + MySQL</a:t>
-            </a:r>
-          </a:p>
-          <a:p>
-            <a:pPr lvl="2"/>
-            <a:r>
-              <a:rPr lang="zh-CN" altLang="en-US" sz="1800" dirty="0"/>
-              <a:t>大数据时代的数据库发展</a:t>
-            </a:r>
-            <a:endParaRPr lang="en-US" altLang="zh-CN" sz="1800" dirty="0"/>
-          </a:p>
-          <a:p>
-            <a:pPr lvl="1"/>
-            <a:r>
-              <a:rPr lang="zh-CN" altLang="en-US" sz="2000" dirty="0"/>
-              <a:t>统计分析入门</a:t>
-            </a:r>
-            <a:endParaRPr lang="en-US" altLang="zh-CN" sz="2000" dirty="0"/>
-          </a:p>
-          <a:p>
-            <a:pPr lvl="2"/>
-            <a:r>
-              <a:rPr lang="zh-CN" altLang="en-US" sz="1800" dirty="0"/>
-              <a:t>利用</a:t>
-            </a:r>
-            <a:r>
-              <a:rPr lang="en-US" altLang="zh-CN" sz="1800" dirty="0"/>
-              <a:t>Python</a:t>
-            </a:r>
-            <a:r>
-              <a:rPr lang="zh-CN" altLang="en-US" sz="1800" dirty="0"/>
-              <a:t>进行可视化</a:t>
-            </a:r>
-            <a:endParaRPr lang="en-US" altLang="zh-CN" sz="1800" dirty="0"/>
-          </a:p>
-          <a:p>
-            <a:pPr lvl="2"/>
-            <a:r>
-              <a:rPr lang="en-US" altLang="zh-CN" sz="1800" dirty="0"/>
-              <a:t>Python</a:t>
-            </a:r>
-            <a:r>
-              <a:rPr lang="zh-CN" altLang="en-US" sz="1800" dirty="0"/>
-              <a:t>统计分析</a:t>
-            </a:r>
-            <a:endParaRPr lang="en-US" altLang="zh-CN" sz="1800" dirty="0"/>
-          </a:p>
-          <a:p>
-            <a:pPr lvl="1"/>
-            <a:r>
-              <a:rPr lang="zh-CN" altLang="en-US" sz="2000" dirty="0"/>
-              <a:t>小组作业</a:t>
+              <a:t>大数据分析基本流程</a:t>
             </a:r>
           </a:p>
         </p:txBody>
@@ -18796,7 +20125,7 @@
                 </a:solidFill>
               </a:rPr>
               <a:pPr/>
-              <a:t>23</a:t>
+              <a:t>24</a:t>
             </a:fld>
             <a:endParaRPr lang="en-US" altLang="zh-CN">
               <a:solidFill>
@@ -18866,7 +20195,334 @@
                   <a:srgbClr val="000000"/>
                 </a:solidFill>
               </a:rPr>
-              <a:t>2021-9-17</a:t>
+              <a:t>2022-9-15</a:t>
+            </a:fld>
+            <a:endParaRPr lang="en-US" altLang="zh-CN" dirty="0">
+              <a:solidFill>
+                <a:srgbClr val="000000"/>
+              </a:solidFill>
+            </a:endParaRPr>
+          </a:p>
+        </p:txBody>
+      </p:sp>
+      <p:pic>
+        <p:nvPicPr>
+          <p:cNvPr id="9" name="图片 8">
+            <a:extLst>
+              <a:ext uri="{FF2B5EF4-FFF2-40B4-BE49-F238E27FC236}">
+                <a16:creationId xmlns:a16="http://schemas.microsoft.com/office/drawing/2014/main" id="{E3ACA263-42AA-4790-8F80-F8689455C5DE}"/>
+              </a:ext>
+            </a:extLst>
+          </p:cNvPr>
+          <p:cNvPicPr>
+            <a:picLocks noChangeAspect="1"/>
+          </p:cNvPicPr>
+          <p:nvPr/>
+        </p:nvPicPr>
+        <p:blipFill>
+          <a:blip r:embed="rId2">
+            <a:extLst>
+              <a:ext uri="{28A0092B-C50C-407E-A947-70E740481C1C}">
+                <a14:useLocalDpi xmlns:a14="http://schemas.microsoft.com/office/drawing/2010/main" val="0"/>
+              </a:ext>
+            </a:extLst>
+          </a:blip>
+          <a:stretch>
+            <a:fillRect/>
+          </a:stretch>
+        </p:blipFill>
+        <p:spPr>
+          <a:xfrm>
+            <a:off x="1935948" y="1723161"/>
+            <a:ext cx="7832892" cy="4585564"/>
+          </a:xfrm>
+          <a:prstGeom prst="rect">
+            <a:avLst/>
+          </a:prstGeom>
+        </p:spPr>
+      </p:pic>
+    </p:spTree>
+    <p:extLst>
+      <p:ext uri="{BB962C8B-B14F-4D97-AF65-F5344CB8AC3E}">
+        <p14:creationId xmlns:p14="http://schemas.microsoft.com/office/powerpoint/2010/main" val="3460045189"/>
+      </p:ext>
+    </p:extLst>
+  </p:cSld>
+  <p:clrMapOvr>
+    <a:masterClrMapping/>
+  </p:clrMapOvr>
+</p:sld>
+</file>
+
+<file path=ppt/slides/slide25.xml><?xml version="1.0" encoding="utf-8"?>
+<p:sld xmlns:a="http://schemas.openxmlformats.org/drawingml/2006/main" xmlns:r="http://schemas.openxmlformats.org/officeDocument/2006/relationships" xmlns:p="http://schemas.openxmlformats.org/presentationml/2006/main">
+  <p:cSld>
+    <p:spTree>
+      <p:nvGrpSpPr>
+        <p:cNvPr id="1" name=""/>
+        <p:cNvGrpSpPr/>
+        <p:nvPr/>
+      </p:nvGrpSpPr>
+      <p:grpSpPr>
+        <a:xfrm>
+          <a:off x="0" y="0"/>
+          <a:ext cx="0" cy="0"/>
+          <a:chOff x="0" y="0"/>
+          <a:chExt cx="0" cy="0"/>
+        </a:xfrm>
+      </p:grpSpPr>
+      <p:sp>
+        <p:nvSpPr>
+          <p:cNvPr id="2" name="标题 1"/>
+          <p:cNvSpPr>
+            <a:spLocks noGrp="1"/>
+          </p:cNvSpPr>
+          <p:nvPr>
+            <p:ph type="title"/>
+          </p:nvPr>
+        </p:nvSpPr>
+        <p:spPr/>
+        <p:txBody>
+          <a:bodyPr/>
+          <a:lstStyle/>
+          <a:p>
+            <a:r>
+              <a:rPr lang="zh-CN" altLang="en-US" dirty="0"/>
+              <a:t>大数据分析基础</a:t>
+            </a:r>
+          </a:p>
+        </p:txBody>
+      </p:sp>
+      <p:sp>
+        <p:nvSpPr>
+          <p:cNvPr id="3" name="内容占位符 2"/>
+          <p:cNvSpPr>
+            <a:spLocks noGrp="1"/>
+          </p:cNvSpPr>
+          <p:nvPr>
+            <p:ph idx="1"/>
+          </p:nvPr>
+        </p:nvSpPr>
+        <p:spPr/>
+        <p:txBody>
+          <a:bodyPr/>
+          <a:lstStyle/>
+          <a:p>
+            <a:r>
+              <a:rPr lang="zh-CN" altLang="en-US" dirty="0"/>
+              <a:t>课程内容安排</a:t>
+            </a:r>
+            <a:endParaRPr lang="en-US" altLang="zh-CN" dirty="0"/>
+          </a:p>
+          <a:p>
+            <a:pPr lvl="1"/>
+            <a:r>
+              <a:rPr lang="zh-CN" altLang="en-US" sz="2000" dirty="0"/>
+              <a:t>大数据（商务）分析简介</a:t>
+            </a:r>
+            <a:endParaRPr lang="en-US" altLang="zh-CN" sz="2000" dirty="0"/>
+          </a:p>
+          <a:p>
+            <a:pPr lvl="1"/>
+            <a:r>
+              <a:rPr lang="en-US" altLang="zh-CN" sz="2000" dirty="0"/>
+              <a:t>Python</a:t>
+            </a:r>
+            <a:r>
+              <a:rPr lang="zh-CN" altLang="en-US" sz="2000" dirty="0"/>
+              <a:t>入门</a:t>
+            </a:r>
+            <a:endParaRPr lang="en-US" altLang="zh-CN" sz="2000" dirty="0"/>
+          </a:p>
+          <a:p>
+            <a:pPr lvl="2"/>
+            <a:r>
+              <a:rPr lang="en-US" altLang="zh-CN" sz="1800" dirty="0"/>
+              <a:t>Python</a:t>
+            </a:r>
+            <a:r>
+              <a:rPr lang="zh-CN" altLang="en-US" sz="1800" dirty="0"/>
+              <a:t>基础知识</a:t>
+            </a:r>
+            <a:endParaRPr lang="en-US" altLang="zh-CN" sz="1800" dirty="0"/>
+          </a:p>
+          <a:p>
+            <a:pPr lvl="2"/>
+            <a:r>
+              <a:rPr lang="en-US" altLang="zh-CN" sz="1800" dirty="0"/>
+              <a:t>Python</a:t>
+            </a:r>
+            <a:r>
+              <a:rPr lang="zh-CN" altLang="en-US" sz="1800" dirty="0"/>
+              <a:t>数据获取</a:t>
+            </a:r>
+            <a:endParaRPr lang="en-US" altLang="zh-CN" sz="1800" dirty="0"/>
+          </a:p>
+          <a:p>
+            <a:pPr lvl="1"/>
+            <a:r>
+              <a:rPr lang="zh-CN" altLang="en-US" sz="2000" dirty="0"/>
+              <a:t>数据库入门</a:t>
+            </a:r>
+            <a:endParaRPr lang="en-US" altLang="zh-CN" sz="2000" dirty="0"/>
+          </a:p>
+          <a:p>
+            <a:pPr lvl="2"/>
+            <a:r>
+              <a:rPr lang="zh-CN" altLang="en-US" sz="1800" dirty="0"/>
+              <a:t>数据库基础</a:t>
+            </a:r>
+            <a:endParaRPr lang="en-US" altLang="zh-CN" sz="1800" dirty="0"/>
+          </a:p>
+          <a:p>
+            <a:pPr lvl="2"/>
+            <a:r>
+              <a:rPr lang="en-US" altLang="zh-CN" sz="1800" dirty="0"/>
+              <a:t>Python + MySQL</a:t>
+            </a:r>
+          </a:p>
+          <a:p>
+            <a:pPr lvl="2"/>
+            <a:r>
+              <a:rPr lang="zh-CN" altLang="en-US" sz="1800" dirty="0"/>
+              <a:t>大数据时代的数据库发展</a:t>
+            </a:r>
+            <a:endParaRPr lang="en-US" altLang="zh-CN" sz="1800" dirty="0"/>
+          </a:p>
+          <a:p>
+            <a:pPr lvl="1"/>
+            <a:r>
+              <a:rPr lang="zh-CN" altLang="en-US" sz="2000" dirty="0"/>
+              <a:t>统计分析入门</a:t>
+            </a:r>
+            <a:endParaRPr lang="en-US" altLang="zh-CN" sz="2000" dirty="0"/>
+          </a:p>
+          <a:p>
+            <a:pPr lvl="2"/>
+            <a:r>
+              <a:rPr lang="zh-CN" altLang="en-US" sz="1800" dirty="0"/>
+              <a:t>利用</a:t>
+            </a:r>
+            <a:r>
+              <a:rPr lang="en-US" altLang="zh-CN" sz="1800" dirty="0"/>
+              <a:t>Python</a:t>
+            </a:r>
+            <a:r>
+              <a:rPr lang="zh-CN" altLang="en-US" sz="1800" dirty="0"/>
+              <a:t>进行可视化</a:t>
+            </a:r>
+            <a:endParaRPr lang="en-US" altLang="zh-CN" sz="1800" dirty="0"/>
+          </a:p>
+          <a:p>
+            <a:pPr lvl="2"/>
+            <a:r>
+              <a:rPr lang="zh-CN" altLang="en-US" sz="1800" dirty="0"/>
+              <a:t>统计分析简介</a:t>
+            </a:r>
+            <a:endParaRPr lang="en-US" altLang="zh-CN" sz="1800" dirty="0"/>
+          </a:p>
+          <a:p>
+            <a:pPr lvl="1"/>
+            <a:r>
+              <a:rPr lang="zh-CN" altLang="en-US" sz="2000" dirty="0"/>
+              <a:t>小组作业</a:t>
+            </a:r>
+          </a:p>
+        </p:txBody>
+      </p:sp>
+      <p:sp>
+        <p:nvSpPr>
+          <p:cNvPr id="4" name="灯片编号占位符 3"/>
+          <p:cNvSpPr>
+            <a:spLocks noGrp="1"/>
+          </p:cNvSpPr>
+          <p:nvPr>
+            <p:ph type="sldNum" sz="quarter" idx="12"/>
+          </p:nvPr>
+        </p:nvSpPr>
+        <p:spPr/>
+        <p:txBody>
+          <a:bodyPr/>
+          <a:lstStyle/>
+          <a:p>
+            <a:fld id="{9A36BD81-06CB-49E9-86F3-1AB1E07B7A01}" type="slidenum">
+              <a:rPr lang="en-US" altLang="zh-CN" smtClean="0">
+                <a:solidFill>
+                  <a:srgbClr val="000000"/>
+                </a:solidFill>
+              </a:rPr>
+              <a:pPr/>
+              <a:t>25</a:t>
+            </a:fld>
+            <a:endParaRPr lang="en-US" altLang="zh-CN">
+              <a:solidFill>
+                <a:srgbClr val="000000"/>
+              </a:solidFill>
+            </a:endParaRPr>
+          </a:p>
+        </p:txBody>
+      </p:sp>
+      <p:sp>
+        <p:nvSpPr>
+          <p:cNvPr id="5" name="页脚占位符 4"/>
+          <p:cNvSpPr>
+            <a:spLocks noGrp="1"/>
+          </p:cNvSpPr>
+          <p:nvPr>
+            <p:ph type="ftr" sz="quarter" idx="11"/>
+          </p:nvPr>
+        </p:nvSpPr>
+        <p:spPr/>
+        <p:txBody>
+          <a:bodyPr/>
+          <a:lstStyle/>
+          <a:p>
+            <a:r>
+              <a:rPr lang="zh-CN" altLang="en-US">
+                <a:solidFill>
+                  <a:srgbClr val="000000"/>
+                </a:solidFill>
+              </a:rPr>
+              <a:t>大数据分析基础 </a:t>
+            </a:r>
+            <a:r>
+              <a:rPr lang="en-US" altLang="zh-CN">
+                <a:solidFill>
+                  <a:srgbClr val="000000"/>
+                </a:solidFill>
+              </a:rPr>
+              <a:t>(By Dr. Fang)</a:t>
+            </a:r>
+            <a:endParaRPr lang="en-US" altLang="zh-CN" dirty="0">
+              <a:solidFill>
+                <a:srgbClr val="000000"/>
+              </a:solidFill>
+            </a:endParaRPr>
+          </a:p>
+        </p:txBody>
+      </p:sp>
+      <p:sp>
+        <p:nvSpPr>
+          <p:cNvPr id="6" name="日期占位符 5"/>
+          <p:cNvSpPr>
+            <a:spLocks noGrp="1"/>
+          </p:cNvSpPr>
+          <p:nvPr>
+            <p:ph type="dt" sz="half" idx="10"/>
+          </p:nvPr>
+        </p:nvSpPr>
+        <p:spPr/>
+        <p:txBody>
+          <a:bodyPr/>
+          <a:lstStyle/>
+          <a:p>
+            <a:fld id="{3D3DADA3-AAC4-4DED-838A-DCC1C6C6A803}" type="datetime1">
+              <a:rPr lang="zh-CN" altLang="en-US" smtClean="0">
+                <a:solidFill>
+                  <a:srgbClr val="000000"/>
+                </a:solidFill>
+              </a:rPr>
+              <a:t>2022-9-15</a:t>
             </a:fld>
             <a:endParaRPr lang="en-US" altLang="zh-CN" dirty="0">
               <a:solidFill>
@@ -18885,7 +20541,7 @@
           <p:nvPr>
             <p:extLst>
               <p:ext uri="{D42A27DB-BD31-4B8C-83A1-F6EECF244321}">
-                <p14:modId xmlns:p14="http://schemas.microsoft.com/office/powerpoint/2010/main" val="4047079712"/>
+                <p14:modId xmlns:p14="http://schemas.microsoft.com/office/powerpoint/2010/main" val="120790828"/>
               </p:ext>
             </p:extLst>
           </p:nvPr>
@@ -19115,10 +20771,22 @@
                     <a:p>
                       <a:pPr fontAlgn="base"/>
                       <a:r>
+                        <a:rPr lang="en-US" sz="1600" dirty="0">
+                          <a:effectLst/>
+                        </a:rPr>
+                        <a:t>Python</a:t>
+                      </a:r>
+                      <a:r>
+                        <a:rPr lang="zh-CN" altLang="en-US" sz="1600" dirty="0">
+                          <a:effectLst/>
+                        </a:rPr>
+                        <a:t>基础</a:t>
+                      </a:r>
+                      <a:r>
                         <a:rPr lang="en-US" altLang="zh-CN" sz="1600" dirty="0">
                           <a:effectLst/>
                         </a:rPr>
-                        <a:t>/</a:t>
+                        <a:t>1</a:t>
                       </a:r>
                       <a:endParaRPr lang="zh-CN" altLang="en-US" sz="1600" dirty="0">
                         <a:effectLst/>
@@ -19186,28 +20854,19 @@
                     <a:bodyPr/>
                     <a:lstStyle/>
                     <a:p>
-                      <a:pPr fontAlgn="base"/>
                       <a:r>
-                        <a:rPr lang="en-US" sz="1600" dirty="0">
-                          <a:effectLst/>
-                        </a:rPr>
+                        <a:rPr lang="en-US" altLang="zh-CN" sz="1600" dirty="0"/>
                         <a:t>Python</a:t>
                       </a:r>
                       <a:r>
-                        <a:rPr lang="zh-CN" altLang="en-US" sz="1600" dirty="0">
-                          <a:effectLst/>
-                        </a:rPr>
+                        <a:rPr lang="zh-CN" altLang="en-US" sz="1600" dirty="0"/>
                         <a:t>基础</a:t>
                       </a:r>
                       <a:r>
-                        <a:rPr lang="en-US" altLang="zh-CN" sz="1600" dirty="0">
-                          <a:effectLst/>
-                        </a:rPr>
-                        <a:t>1</a:t>
+                        <a:rPr lang="en-US" altLang="zh-CN" sz="1600" dirty="0"/>
+                        <a:t>2</a:t>
                       </a:r>
-                      <a:endParaRPr lang="zh-CN" altLang="en-US" sz="1600" dirty="0">
-                        <a:effectLst/>
-                      </a:endParaRPr>
+                      <a:endParaRPr lang="zh-CN" altLang="en-US" sz="1600" dirty="0"/>
                     </a:p>
                   </a:txBody>
                   <a:tcPr anchor="ctr"/>
@@ -19275,7 +20934,7 @@
                       </a:r>
                       <a:r>
                         <a:rPr lang="en-US" altLang="zh-CN" sz="1600" dirty="0"/>
-                        <a:t>2</a:t>
+                        <a:t>3</a:t>
                       </a:r>
                       <a:endParaRPr lang="zh-CN" altLang="en-US" sz="1600" dirty="0"/>
                     </a:p>
@@ -19437,7 +21096,7 @@
                         <a:rPr lang="zh-CN" altLang="en-US" sz="1600" u="none" strike="noStrike" dirty="0">
                           <a:effectLst/>
                         </a:rPr>
-                        <a:t>统计分析基础及应用</a:t>
+                        <a:t>统计分析简介</a:t>
                       </a:r>
                       <a:endParaRPr lang="zh-CN" altLang="en-US" sz="1600" u="none" dirty="0">
                         <a:effectLst/>
@@ -19547,8 +21206,8 @@
         </p:nvSpPr>
         <p:spPr>
           <a:xfrm>
-            <a:off x="6096000" y="5444367"/>
-            <a:ext cx="3640822" cy="646331"/>
+            <a:off x="6096000" y="5385395"/>
+            <a:ext cx="4464496" cy="923330"/>
           </a:xfrm>
           <a:prstGeom prst="rect">
             <a:avLst/>
@@ -19568,6 +21227,29 @@
             <a:endParaRPr lang="en-US" altLang="zh-CN" dirty="0"/>
           </a:p>
           <a:p>
+            <a:pPr marL="285750" indent="-285750">
+              <a:buFont typeface="Arial" panose="020B0604020202020204" pitchFamily="34" charset="0"/>
+              <a:buChar char="•"/>
+            </a:pPr>
+            <a:r>
+              <a:rPr lang="en-US" altLang="zh-CN" dirty="0"/>
+              <a:t>SPOC</a:t>
+            </a:r>
+            <a:r>
+              <a:rPr lang="zh-CN" altLang="en-US" dirty="0"/>
+              <a:t>学习平台</a:t>
+            </a:r>
+            <a:endParaRPr lang="en-US" altLang="zh-CN" dirty="0"/>
+          </a:p>
+          <a:p>
+            <a:pPr marL="285750" indent="-285750">
+              <a:buFont typeface="Arial" panose="020B0604020202020204" pitchFamily="34" charset="0"/>
+              <a:buChar char="•"/>
+            </a:pPr>
+            <a:r>
+              <a:rPr lang="zh-CN" altLang="en-US" dirty="0"/>
+              <a:t>个人网页： </a:t>
+            </a:r>
             <a:r>
               <a:rPr lang="en-US" altLang="zh-CN" dirty="0"/>
               <a:t>https://binfang.info/BDA/</a:t>
@@ -19589,7 +21271,7 @@
 </p:sld>
 </file>
 
-<file path=ppt/slides/slide24.xml><?xml version="1.0" encoding="utf-8"?>
+<file path=ppt/slides/slide26.xml><?xml version="1.0" encoding="utf-8"?>
 <p:sld xmlns:a="http://schemas.openxmlformats.org/drawingml/2006/main" xmlns:r="http://schemas.openxmlformats.org/officeDocument/2006/relationships" xmlns:p="http://schemas.openxmlformats.org/presentationml/2006/main">
   <p:cSld>
     <p:spTree>
@@ -19668,7 +21350,7 @@
             </a:r>
             <a:r>
               <a:rPr lang="en-US" altLang="zh-CN" dirty="0"/>
-              <a:t>×5</a:t>
+              <a:t>×6</a:t>
             </a:r>
             <a:r>
               <a:rPr lang="zh-CN" altLang="en-US" dirty="0"/>
@@ -19714,7 +21396,15 @@
             </a:r>
             <a:r>
               <a:rPr lang="en-US" altLang="zh-CN" dirty="0"/>
-              <a:t>				40%</a:t>
+              <a:t>	</a:t>
+            </a:r>
+            <a:r>
+              <a:rPr lang="zh-CN" altLang="en-US" dirty="0"/>
+              <a:t>（开卷）</a:t>
+            </a:r>
+            <a:r>
+              <a:rPr lang="en-US" altLang="zh-CN" dirty="0"/>
+              <a:t>		40%</a:t>
             </a:r>
             <a:endParaRPr lang="zh-CN" altLang="en-US" dirty="0"/>
           </a:p>
@@ -19742,7 +21432,7 @@
                 </a:solidFill>
               </a:rPr>
               <a:pPr/>
-              <a:t>24</a:t>
+              <a:t>26</a:t>
             </a:fld>
             <a:endParaRPr lang="en-US" altLang="zh-CN">
               <a:solidFill>
@@ -19812,7 +21502,7 @@
                   <a:srgbClr val="000000"/>
                 </a:solidFill>
               </a:rPr>
-              <a:t>2021-9-17</a:t>
+              <a:t>2022-9-15</a:t>
             </a:fld>
             <a:endParaRPr lang="en-US" altLang="zh-CN" dirty="0">
               <a:solidFill>
@@ -19988,7 +21678,7 @@
                   <a:srgbClr val="000000"/>
                 </a:solidFill>
               </a:rPr>
-              <a:t>2021-9-17</a:t>
+              <a:t>2022-9-15</a:t>
             </a:fld>
             <a:endParaRPr lang="en-US" altLang="zh-CN" dirty="0">
               <a:solidFill>
@@ -20540,33 +22230,15 @@
                                   </p:childTnLst>
                                 </p:cTn>
                               </p:par>
-                            </p:childTnLst>
-                          </p:cTn>
-                        </p:par>
-                      </p:childTnLst>
-                    </p:cTn>
-                  </p:par>
-                  <p:par>
-                    <p:cTn id="13" fill="hold">
-                      <p:stCondLst>
-                        <p:cond delay="indefinite"/>
-                      </p:stCondLst>
-                      <p:childTnLst>
-                        <p:par>
-                          <p:cTn id="14" fill="hold">
-                            <p:stCondLst>
-                              <p:cond delay="0"/>
-                            </p:stCondLst>
-                            <p:childTnLst>
                               <p:par>
-                                <p:cTn id="15" presetID="10" presetClass="entr" presetSubtype="0" fill="hold" nodeType="clickEffect">
+                                <p:cTn id="13" presetID="10" presetClass="entr" presetSubtype="0" fill="hold" nodeType="withEffect">
                                   <p:stCondLst>
                                     <p:cond delay="0"/>
                                   </p:stCondLst>
                                   <p:childTnLst>
                                     <p:set>
                                       <p:cBhvr>
-                                        <p:cTn id="16" dur="1" fill="hold">
+                                        <p:cTn id="14" dur="1" fill="hold">
                                           <p:stCondLst>
                                             <p:cond delay="0"/>
                                           </p:stCondLst>
@@ -20588,7 +22260,7 @@
                                     </p:set>
                                     <p:animEffect transition="in" filter="fade">
                                       <p:cBhvr>
-                                        <p:cTn id="17" dur="500"/>
+                                        <p:cTn id="15" dur="500"/>
                                         <p:tgtEl>
                                           <p:spTgt spid="32">
                                             <p:txEl>
@@ -20608,26 +22280,26 @@
                     </p:cTn>
                   </p:par>
                   <p:par>
-                    <p:cTn id="18" fill="hold">
+                    <p:cTn id="16" fill="hold">
                       <p:stCondLst>
                         <p:cond delay="indefinite"/>
                       </p:stCondLst>
                       <p:childTnLst>
                         <p:par>
-                          <p:cTn id="19" fill="hold">
+                          <p:cTn id="17" fill="hold">
                             <p:stCondLst>
                               <p:cond delay="0"/>
                             </p:stCondLst>
                             <p:childTnLst>
                               <p:par>
-                                <p:cTn id="20" presetID="10" presetClass="entr" presetSubtype="0" fill="hold" nodeType="clickEffect">
+                                <p:cTn id="18" presetID="10" presetClass="entr" presetSubtype="0" fill="hold" nodeType="clickEffect">
                                   <p:stCondLst>
                                     <p:cond delay="0"/>
                                   </p:stCondLst>
                                   <p:childTnLst>
                                     <p:set>
                                       <p:cBhvr>
-                                        <p:cTn id="21" dur="1" fill="hold">
+                                        <p:cTn id="19" dur="1" fill="hold">
                                           <p:stCondLst>
                                             <p:cond delay="0"/>
                                           </p:stCondLst>
@@ -20649,7 +22321,7 @@
                                     </p:set>
                                     <p:animEffect transition="in" filter="fade">
                                       <p:cBhvr>
-                                        <p:cTn id="22" dur="500"/>
+                                        <p:cTn id="20" dur="500"/>
                                         <p:tgtEl>
                                           <p:spTgt spid="32">
                                             <p:txEl>
@@ -20669,26 +22341,26 @@
                     </p:cTn>
                   </p:par>
                   <p:par>
-                    <p:cTn id="23" fill="hold">
+                    <p:cTn id="21" fill="hold">
                       <p:stCondLst>
                         <p:cond delay="indefinite"/>
                       </p:stCondLst>
                       <p:childTnLst>
                         <p:par>
-                          <p:cTn id="24" fill="hold">
+                          <p:cTn id="22" fill="hold">
                             <p:stCondLst>
                               <p:cond delay="0"/>
                             </p:stCondLst>
                             <p:childTnLst>
                               <p:par>
-                                <p:cTn id="25" presetID="10" presetClass="entr" presetSubtype="0" fill="hold" nodeType="clickEffect">
+                                <p:cTn id="23" presetID="10" presetClass="entr" presetSubtype="0" fill="hold" nodeType="clickEffect">
                                   <p:stCondLst>
                                     <p:cond delay="0"/>
                                   </p:stCondLst>
                                   <p:childTnLst>
                                     <p:set>
                                       <p:cBhvr>
-                                        <p:cTn id="26" dur="1" fill="hold">
+                                        <p:cTn id="24" dur="1" fill="hold">
                                           <p:stCondLst>
                                             <p:cond delay="0"/>
                                           </p:stCondLst>
@@ -20710,7 +22382,7 @@
                                     </p:set>
                                     <p:animEffect transition="in" filter="fade">
                                       <p:cBhvr>
-                                        <p:cTn id="27" dur="500"/>
+                                        <p:cTn id="25" dur="500"/>
                                         <p:tgtEl>
                                           <p:spTgt spid="32">
                                             <p:txEl>
@@ -20813,7 +22485,7 @@
           <a:p>
             <a:r>
               <a:rPr lang="zh-CN" altLang="en-US" dirty="0"/>
-              <a:t>利用大数据实现用更低的成本更加效率地获取更优质的客户</a:t>
+              <a:t>利用大数据实现用更低的成本更加高效率地获取更优质的客户</a:t>
             </a:r>
             <a:endParaRPr lang="en-US" altLang="zh-CN" dirty="0"/>
           </a:p>
@@ -20911,7 +22583,7 @@
                   <a:srgbClr val="000000"/>
                 </a:solidFill>
               </a:rPr>
-              <a:t>2021-9-17</a:t>
+              <a:t>2022-9-15</a:t>
             </a:fld>
             <a:endParaRPr lang="en-US" altLang="zh-CN" dirty="0">
               <a:solidFill>
@@ -22349,7 +24021,7 @@
           <a:p>
             <a:r>
               <a:rPr lang="zh-CN" altLang="en-US" sz="2400" dirty="0"/>
-              <a:t>广告投放</a:t>
+              <a:t>社交媒体信息流</a:t>
             </a:r>
             <a:r>
               <a:rPr lang="en-US" altLang="zh-CN" sz="2400" dirty="0"/>
@@ -22357,7 +24029,7 @@
             </a:r>
             <a:r>
               <a:rPr lang="zh-CN" altLang="en-US" sz="2400" dirty="0"/>
-              <a:t>抖音广告视频的位置、内容</a:t>
+              <a:t>抖音视频内容、广告位置、广告内容</a:t>
             </a:r>
             <a:endParaRPr lang="en-US" altLang="zh-CN" sz="2400" dirty="0"/>
           </a:p>
@@ -22405,6 +24077,21 @@
               <a:rPr lang="zh-CN" altLang="en-US" sz="2000" dirty="0"/>
               <a:t>）</a:t>
             </a:r>
+          </a:p>
+          <a:p>
+            <a:r>
+              <a:rPr lang="zh-CN" altLang="en-US" sz="2400" dirty="0"/>
+              <a:t>上市公司监管</a:t>
+            </a:r>
+            <a:r>
+              <a:rPr lang="en-US" altLang="zh-CN" sz="2400" dirty="0"/>
+              <a:t>——</a:t>
+            </a:r>
+            <a:r>
+              <a:rPr lang="zh-CN" altLang="en-US" sz="2400" dirty="0"/>
+              <a:t>獐子岛公司扇贝跑路事件</a:t>
+            </a:r>
+            <a:endParaRPr lang="en-US" altLang="zh-CN" sz="2400" dirty="0"/>
           </a:p>
           <a:p>
             <a:r>
@@ -22515,7 +24202,7 @@
                   <a:srgbClr val="000000"/>
                 </a:solidFill>
               </a:rPr>
-              <a:t>2021-9-17</a:t>
+              <a:t>2022-9-15</a:t>
             </a:fld>
             <a:endParaRPr lang="en-US" altLang="zh-CN" dirty="0">
               <a:solidFill>
@@ -22547,7 +24234,7 @@
         </p:blipFill>
         <p:spPr>
           <a:xfrm>
-            <a:off x="8199976" y="2848673"/>
+            <a:off x="8610602" y="2848673"/>
             <a:ext cx="2169648" cy="3604509"/>
           </a:xfrm>
           <a:prstGeom prst="rect">
@@ -23306,6 +24993,67 @@
                       </p:childTnLst>
                     </p:cTn>
                   </p:par>
+                  <p:par>
+                    <p:cTn id="63" fill="hold">
+                      <p:stCondLst>
+                        <p:cond delay="indefinite"/>
+                      </p:stCondLst>
+                      <p:childTnLst>
+                        <p:par>
+                          <p:cTn id="64" fill="hold">
+                            <p:stCondLst>
+                              <p:cond delay="0"/>
+                            </p:stCondLst>
+                            <p:childTnLst>
+                              <p:par>
+                                <p:cTn id="65" presetID="10" presetClass="entr" presetSubtype="0" fill="hold" nodeType="clickEffect">
+                                  <p:stCondLst>
+                                    <p:cond delay="0"/>
+                                  </p:stCondLst>
+                                  <p:childTnLst>
+                                    <p:set>
+                                      <p:cBhvr>
+                                        <p:cTn id="66" dur="1" fill="hold">
+                                          <p:stCondLst>
+                                            <p:cond delay="0"/>
+                                          </p:stCondLst>
+                                        </p:cTn>
+                                        <p:tgtEl>
+                                          <p:spTgt spid="3">
+                                            <p:txEl>
+                                              <p:pRg st="11" end="11"/>
+                                            </p:txEl>
+                                          </p:spTgt>
+                                        </p:tgtEl>
+                                        <p:attrNameLst>
+                                          <p:attrName>style.visibility</p:attrName>
+                                        </p:attrNameLst>
+                                      </p:cBhvr>
+                                      <p:to>
+                                        <p:strVal val="visible"/>
+                                      </p:to>
+                                    </p:set>
+                                    <p:animEffect transition="in" filter="fade">
+                                      <p:cBhvr>
+                                        <p:cTn id="67" dur="500"/>
+                                        <p:tgtEl>
+                                          <p:spTgt spid="3">
+                                            <p:txEl>
+                                              <p:pRg st="11" end="11"/>
+                                            </p:txEl>
+                                          </p:spTgt>
+                                        </p:tgtEl>
+                                      </p:cBhvr>
+                                    </p:animEffect>
+                                  </p:childTnLst>
+                                </p:cTn>
+                              </p:par>
+                            </p:childTnLst>
+                          </p:cTn>
+                        </p:par>
+                      </p:childTnLst>
+                    </p:cTn>
+                  </p:par>
                 </p:childTnLst>
               </p:cTn>
               <p:prevCondLst>
@@ -23516,7 +25264,7 @@
                   <a:srgbClr val="000000"/>
                 </a:solidFill>
               </a:rPr>
-              <a:t>2021-9-17</a:t>
+              <a:t>2022-9-15</a:t>
             </a:fld>
             <a:endParaRPr lang="en-US" altLang="zh-CN" dirty="0">
               <a:solidFill>
@@ -24170,7 +25918,7 @@
                   <a:srgbClr val="000000"/>
                 </a:solidFill>
               </a:rPr>
-              <a:t>2021-9-17</a:t>
+              <a:t>2022-9-15</a:t>
             </a:fld>
             <a:endParaRPr lang="en-US" altLang="zh-CN" dirty="0">
               <a:solidFill>
@@ -25259,7 +27007,7 @@
                   <a:srgbClr val="000000"/>
                 </a:solidFill>
               </a:rPr>
-              <a:t>2021-9-17</a:t>
+              <a:t>2022-9-15</a:t>
             </a:fld>
             <a:endParaRPr lang="en-US" altLang="zh-CN" dirty="0">
               <a:solidFill>
@@ -25366,15 +27114,17 @@
           <a:bodyPr/>
           <a:lstStyle/>
           <a:p>
-            <a:pPr marL="257175" lvl="1" indent="-257175">
-              <a:buSzTx/>
-              <a:buBlip>
-                <a:blip r:embed="rId2"/>
-              </a:buBlip>
-            </a:pPr>
             <a:r>
               <a:rPr lang="zh-CN" altLang="en-US" dirty="0"/>
-              <a:t>存储（硬件）技术的进步</a:t>
+              <a:t>数据采集技术的进步</a:t>
+            </a:r>
+            <a:endParaRPr lang="en-US" altLang="zh-CN" dirty="0"/>
+          </a:p>
+          <a:p>
+            <a:pPr lvl="1"/>
+            <a:r>
+              <a:rPr lang="zh-CN" altLang="en-US" dirty="0"/>
+              <a:t>在商业环境下亦是如此</a:t>
             </a:r>
             <a:endParaRPr lang="en-US" altLang="zh-CN" dirty="0"/>
           </a:p>
@@ -25475,7 +27225,7 @@
                   <a:srgbClr val="000000"/>
                 </a:solidFill>
               </a:rPr>
-              <a:t>2021-9-17</a:t>
+              <a:t>2022-9-15</a:t>
             </a:fld>
             <a:endParaRPr lang="en-US" altLang="zh-CN" dirty="0">
               <a:solidFill>
@@ -25487,137 +27237,20 @@
       </p:sp>
       <p:pic>
         <p:nvPicPr>
-          <p:cNvPr id="2050" name="Picture 2" descr="See the source image"/>
-          <p:cNvPicPr>
-            <a:picLocks noChangeAspect="1" noChangeArrowheads="1"/>
-          </p:cNvPicPr>
-          <p:nvPr/>
-        </p:nvPicPr>
-        <p:blipFill>
-          <a:blip r:embed="rId3" cstate="print">
+          <p:cNvPr id="9" name="图片 8">
             <a:extLst>
-              <a:ext uri="{28A0092B-C50C-407E-A947-70E740481C1C}">
-                <a14:useLocalDpi xmlns:a14="http://schemas.microsoft.com/office/drawing/2010/main" val="0"/>
+              <a:ext uri="{FF2B5EF4-FFF2-40B4-BE49-F238E27FC236}">
+                <a16:creationId xmlns:a16="http://schemas.microsoft.com/office/drawing/2014/main" id="{4BC0C16E-321F-4A10-A91B-CF167C484071}"/>
               </a:ext>
             </a:extLst>
-          </a:blip>
-          <a:srcRect/>
-          <a:stretch>
-            <a:fillRect/>
-          </a:stretch>
-        </p:blipFill>
-        <p:spPr bwMode="auto">
-          <a:xfrm>
-            <a:off x="508995" y="1998725"/>
-            <a:ext cx="2230463" cy="1648602"/>
-          </a:xfrm>
-          <a:prstGeom prst="rect">
-            <a:avLst/>
-          </a:prstGeom>
-          <a:noFill/>
-          <a:extLst>
-            <a:ext uri="{909E8E84-426E-40DD-AFC4-6F175D3DCCD1}">
-              <a14:hiddenFill xmlns:a14="http://schemas.microsoft.com/office/drawing/2010/main">
-                <a:solidFill>
-                  <a:srgbClr val="FFFFFF"/>
-                </a:solidFill>
-              </a14:hiddenFill>
-            </a:ext>
-          </a:extLst>
-        </p:spPr>
-      </p:pic>
-      <p:pic>
-        <p:nvPicPr>
-          <p:cNvPr id="2052" name="Picture 4" descr="See the source image"/>
-          <p:cNvPicPr>
-            <a:picLocks noChangeAspect="1" noChangeArrowheads="1"/>
-          </p:cNvPicPr>
-          <p:nvPr/>
-        </p:nvPicPr>
-        <p:blipFill>
-          <a:blip r:embed="rId4" cstate="print">
-            <a:extLst>
-              <a:ext uri="{28A0092B-C50C-407E-A947-70E740481C1C}">
-                <a14:useLocalDpi xmlns:a14="http://schemas.microsoft.com/office/drawing/2010/main" val="0"/>
-              </a:ext>
-            </a:extLst>
-          </a:blip>
-          <a:srcRect/>
-          <a:stretch>
-            <a:fillRect/>
-          </a:stretch>
-        </p:blipFill>
-        <p:spPr bwMode="auto">
-          <a:xfrm>
-            <a:off x="3581400" y="1998725"/>
-            <a:ext cx="2216909" cy="1662682"/>
-          </a:xfrm>
-          <a:prstGeom prst="rect">
-            <a:avLst/>
-          </a:prstGeom>
-          <a:noFill/>
-          <a:extLst>
-            <a:ext uri="{909E8E84-426E-40DD-AFC4-6F175D3DCCD1}">
-              <a14:hiddenFill xmlns:a14="http://schemas.microsoft.com/office/drawing/2010/main">
-                <a:solidFill>
-                  <a:srgbClr val="FFFFFF"/>
-                </a:solidFill>
-              </a14:hiddenFill>
-            </a:ext>
-          </a:extLst>
-        </p:spPr>
-      </p:pic>
-      <p:pic>
-        <p:nvPicPr>
-          <p:cNvPr id="2054" name="Picture 6" descr="See the source image"/>
-          <p:cNvPicPr>
-            <a:picLocks noChangeAspect="1" noChangeArrowheads="1"/>
-          </p:cNvPicPr>
-          <p:nvPr/>
-        </p:nvPicPr>
-        <p:blipFill>
-          <a:blip r:embed="rId5" cstate="print">
-            <a:extLst>
-              <a:ext uri="{28A0092B-C50C-407E-A947-70E740481C1C}">
-                <a14:useLocalDpi xmlns:a14="http://schemas.microsoft.com/office/drawing/2010/main" val="0"/>
-              </a:ext>
-            </a:extLst>
-          </a:blip>
-          <a:srcRect/>
-          <a:stretch>
-            <a:fillRect/>
-          </a:stretch>
-        </p:blipFill>
-        <p:spPr bwMode="auto">
-          <a:xfrm>
-            <a:off x="6612841" y="1955268"/>
-            <a:ext cx="1886608" cy="1886608"/>
-          </a:xfrm>
-          <a:prstGeom prst="rect">
-            <a:avLst/>
-          </a:prstGeom>
-          <a:noFill/>
-          <a:extLst>
-            <a:ext uri="{909E8E84-426E-40DD-AFC4-6F175D3DCCD1}">
-              <a14:hiddenFill xmlns:a14="http://schemas.microsoft.com/office/drawing/2010/main">
-                <a:solidFill>
-                  <a:srgbClr val="FFFFFF"/>
-                </a:solidFill>
-              </a14:hiddenFill>
-            </a:ext>
-          </a:extLst>
-        </p:spPr>
-      </p:pic>
-      <p:pic>
-        <p:nvPicPr>
-          <p:cNvPr id="7" name="图片 6"/>
+          </p:cNvPr>
           <p:cNvPicPr>
             <a:picLocks noChangeAspect="1"/>
           </p:cNvPicPr>
           <p:nvPr/>
         </p:nvPicPr>
         <p:blipFill>
-          <a:blip r:embed="rId6" cstate="print">
+          <a:blip r:embed="rId2" cstate="print">
             <a:extLst>
               <a:ext uri="{28A0092B-C50C-407E-A947-70E740481C1C}">
                 <a14:useLocalDpi xmlns:a14="http://schemas.microsoft.com/office/drawing/2010/main" val="0"/>
@@ -25630,293 +27263,8 @@
         </p:blipFill>
         <p:spPr>
           <a:xfrm>
-            <a:off x="9501290" y="1955268"/>
-            <a:ext cx="2118411" cy="1771327"/>
-          </a:xfrm>
-          <a:prstGeom prst="rect">
-            <a:avLst/>
-          </a:prstGeom>
-        </p:spPr>
-      </p:pic>
-      <p:sp>
-        <p:nvSpPr>
-          <p:cNvPr id="13" name="右箭头 12"/>
-          <p:cNvSpPr/>
-          <p:nvPr/>
-        </p:nvSpPr>
-        <p:spPr bwMode="auto">
-          <a:xfrm>
-            <a:off x="2959377" y="2394149"/>
-            <a:ext cx="429515" cy="857753"/>
-          </a:xfrm>
-          <a:prstGeom prst="rightArrow">
-            <a:avLst/>
-          </a:prstGeom>
-          <a:solidFill>
-            <a:schemeClr val="accent1"/>
-          </a:solidFill>
-          <a:ln w="9525" cap="flat" cmpd="sng" algn="ctr">
-            <a:solidFill>
-              <a:schemeClr val="tx1"/>
-            </a:solidFill>
-            <a:prstDash val="solid"/>
-            <a:round/>
-            <a:headEnd type="none" w="med" len="med"/>
-            <a:tailEnd type="none" w="med" len="med"/>
-          </a:ln>
-          <a:effectLst/>
-        </p:spPr>
-        <p:txBody>
-          <a:bodyPr vert="horz" wrap="square" lIns="91440" tIns="45720" rIns="91440" bIns="45720" numCol="1" rtlCol="0" anchor="t" anchorCtr="0" compatLnSpc="1">
-            <a:prstTxWarp prst="textNoShape">
-              <a:avLst/>
-            </a:prstTxWarp>
-          </a:bodyPr>
-          <a:lstStyle/>
-          <a:p>
-            <a:pPr marL="0" marR="0" indent="0" algn="l" defTabSz="914400" rtl="0" eaLnBrk="0" fontAlgn="base" latinLnBrk="0" hangingPunct="0">
-              <a:lnSpc>
-                <a:spcPct val="100000"/>
-              </a:lnSpc>
-              <a:spcBef>
-                <a:spcPct val="0"/>
-              </a:spcBef>
-              <a:spcAft>
-                <a:spcPct val="0"/>
-              </a:spcAft>
-              <a:buClrTx/>
-              <a:buSzTx/>
-              <a:buFontTx/>
-              <a:buNone/>
-              <a:tabLst/>
-            </a:pPr>
-            <a:endParaRPr kumimoji="0" lang="zh-CN" altLang="en-US" sz="1400" b="0" i="0" u="none" strike="noStrike" cap="none" normalizeH="0" baseline="0">
-              <a:ln>
-                <a:noFill/>
-              </a:ln>
-              <a:solidFill>
-                <a:schemeClr val="tx1"/>
-              </a:solidFill>
-              <a:effectLst/>
-              <a:latin typeface="Tahoma" pitchFamily="34" charset="0"/>
-            </a:endParaRPr>
-          </a:p>
-        </p:txBody>
-      </p:sp>
-      <p:pic>
-        <p:nvPicPr>
-          <p:cNvPr id="9" name="图片 8"/>
-          <p:cNvPicPr>
-            <a:picLocks noChangeAspect="1"/>
-          </p:cNvPicPr>
-          <p:nvPr/>
-        </p:nvPicPr>
-        <p:blipFill>
-          <a:blip r:embed="rId7">
-            <a:extLst>
-              <a:ext uri="{28A0092B-C50C-407E-A947-70E740481C1C}">
-                <a14:useLocalDpi xmlns:a14="http://schemas.microsoft.com/office/drawing/2010/main" val="0"/>
-              </a:ext>
-            </a:extLst>
-          </a:blip>
-          <a:stretch>
-            <a:fillRect/>
-          </a:stretch>
-        </p:blipFill>
-        <p:spPr>
-          <a:xfrm>
-            <a:off x="3060928" y="3580888"/>
-            <a:ext cx="3443868" cy="2952811"/>
-          </a:xfrm>
-          <a:prstGeom prst="rect">
-            <a:avLst/>
-          </a:prstGeom>
-        </p:spPr>
-      </p:pic>
-      <p:sp>
-        <p:nvSpPr>
-          <p:cNvPr id="14" name="右箭头 13"/>
-          <p:cNvSpPr/>
-          <p:nvPr/>
-        </p:nvSpPr>
-        <p:spPr bwMode="auto">
-          <a:xfrm>
-            <a:off x="6075281" y="2394149"/>
-            <a:ext cx="429515" cy="857753"/>
-          </a:xfrm>
-          <a:prstGeom prst="rightArrow">
-            <a:avLst/>
-          </a:prstGeom>
-          <a:solidFill>
-            <a:schemeClr val="accent1"/>
-          </a:solidFill>
-          <a:ln w="9525" cap="flat" cmpd="sng" algn="ctr">
-            <a:solidFill>
-              <a:schemeClr val="tx1"/>
-            </a:solidFill>
-            <a:prstDash val="solid"/>
-            <a:round/>
-            <a:headEnd type="none" w="med" len="med"/>
-            <a:tailEnd type="none" w="med" len="med"/>
-          </a:ln>
-          <a:effectLst/>
-        </p:spPr>
-        <p:txBody>
-          <a:bodyPr vert="horz" wrap="square" lIns="91440" tIns="45720" rIns="91440" bIns="45720" numCol="1" rtlCol="0" anchor="t" anchorCtr="0" compatLnSpc="1">
-            <a:prstTxWarp prst="textNoShape">
-              <a:avLst/>
-            </a:prstTxWarp>
-          </a:bodyPr>
-          <a:lstStyle/>
-          <a:p>
-            <a:pPr marL="0" marR="0" indent="0" algn="l" defTabSz="914400" rtl="0" eaLnBrk="0" fontAlgn="base" latinLnBrk="0" hangingPunct="0">
-              <a:lnSpc>
-                <a:spcPct val="100000"/>
-              </a:lnSpc>
-              <a:spcBef>
-                <a:spcPct val="0"/>
-              </a:spcBef>
-              <a:spcAft>
-                <a:spcPct val="0"/>
-              </a:spcAft>
-              <a:buClrTx/>
-              <a:buSzTx/>
-              <a:buFontTx/>
-              <a:buNone/>
-              <a:tabLst/>
-            </a:pPr>
-            <a:endParaRPr kumimoji="0" lang="zh-CN" altLang="en-US" sz="1400" b="0" i="0" u="none" strike="noStrike" cap="none" normalizeH="0" baseline="0">
-              <a:ln>
-                <a:noFill/>
-              </a:ln>
-              <a:solidFill>
-                <a:schemeClr val="tx1"/>
-              </a:solidFill>
-              <a:effectLst/>
-              <a:latin typeface="Tahoma" pitchFamily="34" charset="0"/>
-            </a:endParaRPr>
-          </a:p>
-        </p:txBody>
-      </p:sp>
-      <p:sp>
-        <p:nvSpPr>
-          <p:cNvPr id="15" name="右箭头 14"/>
-          <p:cNvSpPr/>
-          <p:nvPr/>
-        </p:nvSpPr>
-        <p:spPr bwMode="auto">
-          <a:xfrm>
-            <a:off x="8627829" y="2394149"/>
-            <a:ext cx="429515" cy="857753"/>
-          </a:xfrm>
-          <a:prstGeom prst="rightArrow">
-            <a:avLst/>
-          </a:prstGeom>
-          <a:solidFill>
-            <a:schemeClr val="accent1"/>
-          </a:solidFill>
-          <a:ln w="9525" cap="flat" cmpd="sng" algn="ctr">
-            <a:solidFill>
-              <a:schemeClr val="tx1"/>
-            </a:solidFill>
-            <a:prstDash val="solid"/>
-            <a:round/>
-            <a:headEnd type="none" w="med" len="med"/>
-            <a:tailEnd type="none" w="med" len="med"/>
-          </a:ln>
-          <a:effectLst/>
-        </p:spPr>
-        <p:txBody>
-          <a:bodyPr vert="horz" wrap="square" lIns="91440" tIns="45720" rIns="91440" bIns="45720" numCol="1" rtlCol="0" anchor="t" anchorCtr="0" compatLnSpc="1">
-            <a:prstTxWarp prst="textNoShape">
-              <a:avLst/>
-            </a:prstTxWarp>
-          </a:bodyPr>
-          <a:lstStyle/>
-          <a:p>
-            <a:pPr marL="0" marR="0" indent="0" algn="l" defTabSz="914400" rtl="0" eaLnBrk="0" fontAlgn="base" latinLnBrk="0" hangingPunct="0">
-              <a:lnSpc>
-                <a:spcPct val="100000"/>
-              </a:lnSpc>
-              <a:spcBef>
-                <a:spcPct val="0"/>
-              </a:spcBef>
-              <a:spcAft>
-                <a:spcPct val="0"/>
-              </a:spcAft>
-              <a:buClrTx/>
-              <a:buSzTx/>
-              <a:buFontTx/>
-              <a:buNone/>
-              <a:tabLst/>
-            </a:pPr>
-            <a:endParaRPr kumimoji="0" lang="zh-CN" altLang="en-US" sz="1400" b="0" i="0" u="none" strike="noStrike" cap="none" normalizeH="0" baseline="0">
-              <a:ln>
-                <a:noFill/>
-              </a:ln>
-              <a:solidFill>
-                <a:schemeClr val="tx1"/>
-              </a:solidFill>
-              <a:effectLst/>
-              <a:latin typeface="Tahoma" pitchFamily="34" charset="0"/>
-            </a:endParaRPr>
-          </a:p>
-        </p:txBody>
-      </p:sp>
-      <p:pic>
-        <p:nvPicPr>
-          <p:cNvPr id="8" name="图片 7"/>
-          <p:cNvPicPr>
-            <a:picLocks noChangeAspect="1"/>
-          </p:cNvPicPr>
-          <p:nvPr/>
-        </p:nvPicPr>
-        <p:blipFill>
-          <a:blip r:embed="rId8">
-            <a:extLst>
-              <a:ext uri="{28A0092B-C50C-407E-A947-70E740481C1C}">
-                <a14:useLocalDpi xmlns:a14="http://schemas.microsoft.com/office/drawing/2010/main" val="0"/>
-              </a:ext>
-            </a:extLst>
-          </a:blip>
-          <a:stretch>
-            <a:fillRect/>
-          </a:stretch>
-        </p:blipFill>
-        <p:spPr>
-          <a:xfrm>
-            <a:off x="9057344" y="4333173"/>
-            <a:ext cx="2733041" cy="1843667"/>
-          </a:xfrm>
-          <a:prstGeom prst="rect">
-            <a:avLst/>
-          </a:prstGeom>
-        </p:spPr>
-      </p:pic>
-      <p:pic>
-        <p:nvPicPr>
-          <p:cNvPr id="10" name="图片 9">
-            <a:extLst>
-              <a:ext uri="{FF2B5EF4-FFF2-40B4-BE49-F238E27FC236}">
-                <a16:creationId xmlns:a16="http://schemas.microsoft.com/office/drawing/2014/main" id="{4BF9AE49-7092-4814-A08F-B69B959D2604}"/>
-              </a:ext>
-            </a:extLst>
-          </p:cNvPr>
-          <p:cNvPicPr>
-            <a:picLocks noChangeAspect="1"/>
-          </p:cNvPicPr>
-          <p:nvPr/>
-        </p:nvPicPr>
-        <p:blipFill>
-          <a:blip r:embed="rId9"/>
-          <a:stretch>
-            <a:fillRect/>
-          </a:stretch>
-        </p:blipFill>
-        <p:spPr>
-          <a:xfrm>
-            <a:off x="2024701" y="3356482"/>
-            <a:ext cx="6122640" cy="3292655"/>
+            <a:off x="7962394" y="873123"/>
+            <a:ext cx="3895170" cy="5111751"/>
           </a:xfrm>
           <a:prstGeom prst="rect">
             <a:avLst/>
@@ -25926,7 +27274,7 @@
     </p:spTree>
     <p:extLst>
       <p:ext uri="{BB962C8B-B14F-4D97-AF65-F5344CB8AC3E}">
-        <p14:creationId xmlns:p14="http://schemas.microsoft.com/office/powerpoint/2010/main" val="3613582510"/>
+        <p14:creationId xmlns:p14="http://schemas.microsoft.com/office/powerpoint/2010/main" val="1270682027"/>
       </p:ext>
     </p:extLst>
   </p:cSld>
@@ -25967,7 +27315,7 @@
                                           </p:stCondLst>
                                         </p:cTn>
                                         <p:tgtEl>
-                                          <p:spTgt spid="2050"/>
+                                          <p:spTgt spid="9"/>
                                         </p:tgtEl>
                                         <p:attrNameLst>
                                           <p:attrName>style.visibility</p:attrName>
@@ -25981,511 +27329,7 @@
                                       <p:cBhvr>
                                         <p:cTn id="7" dur="500"/>
                                         <p:tgtEl>
-                                          <p:spTgt spid="2050"/>
-                                        </p:tgtEl>
-                                      </p:cBhvr>
-                                    </p:animEffect>
-                                  </p:childTnLst>
-                                </p:cTn>
-                              </p:par>
-                            </p:childTnLst>
-                          </p:cTn>
-                        </p:par>
-                      </p:childTnLst>
-                    </p:cTn>
-                  </p:par>
-                  <p:par>
-                    <p:cTn id="8" fill="hold">
-                      <p:stCondLst>
-                        <p:cond delay="indefinite"/>
-                      </p:stCondLst>
-                      <p:childTnLst>
-                        <p:par>
-                          <p:cTn id="9" fill="hold">
-                            <p:stCondLst>
-                              <p:cond delay="0"/>
-                            </p:stCondLst>
-                            <p:childTnLst>
-                              <p:par>
-                                <p:cTn id="10" presetID="10" presetClass="entr" presetSubtype="0" fill="hold" grpId="0" nodeType="clickEffect">
-                                  <p:stCondLst>
-                                    <p:cond delay="0"/>
-                                  </p:stCondLst>
-                                  <p:childTnLst>
-                                    <p:set>
-                                      <p:cBhvr>
-                                        <p:cTn id="11" dur="1" fill="hold">
-                                          <p:stCondLst>
-                                            <p:cond delay="0"/>
-                                          </p:stCondLst>
-                                        </p:cTn>
-                                        <p:tgtEl>
-                                          <p:spTgt spid="13"/>
-                                        </p:tgtEl>
-                                        <p:attrNameLst>
-                                          <p:attrName>style.visibility</p:attrName>
-                                        </p:attrNameLst>
-                                      </p:cBhvr>
-                                      <p:to>
-                                        <p:strVal val="visible"/>
-                                      </p:to>
-                                    </p:set>
-                                    <p:animEffect transition="in" filter="fade">
-                                      <p:cBhvr>
-                                        <p:cTn id="12" dur="500"/>
-                                        <p:tgtEl>
-                                          <p:spTgt spid="13"/>
-                                        </p:tgtEl>
-                                      </p:cBhvr>
-                                    </p:animEffect>
-                                  </p:childTnLst>
-                                </p:cTn>
-                              </p:par>
-                            </p:childTnLst>
-                          </p:cTn>
-                        </p:par>
-                      </p:childTnLst>
-                    </p:cTn>
-                  </p:par>
-                  <p:par>
-                    <p:cTn id="13" fill="hold">
-                      <p:stCondLst>
-                        <p:cond delay="indefinite"/>
-                      </p:stCondLst>
-                      <p:childTnLst>
-                        <p:par>
-                          <p:cTn id="14" fill="hold">
-                            <p:stCondLst>
-                              <p:cond delay="0"/>
-                            </p:stCondLst>
-                            <p:childTnLst>
-                              <p:par>
-                                <p:cTn id="15" presetID="10" presetClass="entr" presetSubtype="0" fill="hold" nodeType="clickEffect">
-                                  <p:stCondLst>
-                                    <p:cond delay="0"/>
-                                  </p:stCondLst>
-                                  <p:childTnLst>
-                                    <p:set>
-                                      <p:cBhvr>
-                                        <p:cTn id="16" dur="1" fill="hold">
-                                          <p:stCondLst>
-                                            <p:cond delay="0"/>
-                                          </p:stCondLst>
-                                        </p:cTn>
-                                        <p:tgtEl>
-                                          <p:spTgt spid="2052"/>
-                                        </p:tgtEl>
-                                        <p:attrNameLst>
-                                          <p:attrName>style.visibility</p:attrName>
-                                        </p:attrNameLst>
-                                      </p:cBhvr>
-                                      <p:to>
-                                        <p:strVal val="visible"/>
-                                      </p:to>
-                                    </p:set>
-                                    <p:animEffect transition="in" filter="fade">
-                                      <p:cBhvr>
-                                        <p:cTn id="17" dur="500"/>
-                                        <p:tgtEl>
-                                          <p:spTgt spid="2052"/>
-                                        </p:tgtEl>
-                                      </p:cBhvr>
-                                    </p:animEffect>
-                                  </p:childTnLst>
-                                </p:cTn>
-                              </p:par>
-                            </p:childTnLst>
-                          </p:cTn>
-                        </p:par>
-                      </p:childTnLst>
-                    </p:cTn>
-                  </p:par>
-                  <p:par>
-                    <p:cTn id="18" fill="hold">
-                      <p:stCondLst>
-                        <p:cond delay="indefinite"/>
-                      </p:stCondLst>
-                      <p:childTnLst>
-                        <p:par>
-                          <p:cTn id="19" fill="hold">
-                            <p:stCondLst>
-                              <p:cond delay="0"/>
-                            </p:stCondLst>
-                            <p:childTnLst>
-                              <p:par>
-                                <p:cTn id="20" presetID="10" presetClass="entr" presetSubtype="0" fill="hold" nodeType="clickEffect">
-                                  <p:stCondLst>
-                                    <p:cond delay="0"/>
-                                  </p:stCondLst>
-                                  <p:childTnLst>
-                                    <p:set>
-                                      <p:cBhvr>
-                                        <p:cTn id="21" dur="1" fill="hold">
-                                          <p:stCondLst>
-                                            <p:cond delay="0"/>
-                                          </p:stCondLst>
-                                        </p:cTn>
-                                        <p:tgtEl>
                                           <p:spTgt spid="9"/>
-                                        </p:tgtEl>
-                                        <p:attrNameLst>
-                                          <p:attrName>style.visibility</p:attrName>
-                                        </p:attrNameLst>
-                                      </p:cBhvr>
-                                      <p:to>
-                                        <p:strVal val="visible"/>
-                                      </p:to>
-                                    </p:set>
-                                    <p:animEffect transition="in" filter="fade">
-                                      <p:cBhvr>
-                                        <p:cTn id="22" dur="500"/>
-                                        <p:tgtEl>
-                                          <p:spTgt spid="9"/>
-                                        </p:tgtEl>
-                                      </p:cBhvr>
-                                    </p:animEffect>
-                                  </p:childTnLst>
-                                </p:cTn>
-                              </p:par>
-                            </p:childTnLst>
-                          </p:cTn>
-                        </p:par>
-                      </p:childTnLst>
-                    </p:cTn>
-                  </p:par>
-                  <p:par>
-                    <p:cTn id="23" fill="hold">
-                      <p:stCondLst>
-                        <p:cond delay="indefinite"/>
-                      </p:stCondLst>
-                      <p:childTnLst>
-                        <p:par>
-                          <p:cTn id="24" fill="hold">
-                            <p:stCondLst>
-                              <p:cond delay="0"/>
-                            </p:stCondLst>
-                            <p:childTnLst>
-                              <p:par>
-                                <p:cTn id="25" presetID="10" presetClass="entr" presetSubtype="0" fill="hold" grpId="0" nodeType="clickEffect">
-                                  <p:stCondLst>
-                                    <p:cond delay="0"/>
-                                  </p:stCondLst>
-                                  <p:childTnLst>
-                                    <p:set>
-                                      <p:cBhvr>
-                                        <p:cTn id="26" dur="1" fill="hold">
-                                          <p:stCondLst>
-                                            <p:cond delay="0"/>
-                                          </p:stCondLst>
-                                        </p:cTn>
-                                        <p:tgtEl>
-                                          <p:spTgt spid="14"/>
-                                        </p:tgtEl>
-                                        <p:attrNameLst>
-                                          <p:attrName>style.visibility</p:attrName>
-                                        </p:attrNameLst>
-                                      </p:cBhvr>
-                                      <p:to>
-                                        <p:strVal val="visible"/>
-                                      </p:to>
-                                    </p:set>
-                                    <p:animEffect transition="in" filter="fade">
-                                      <p:cBhvr>
-                                        <p:cTn id="27" dur="500"/>
-                                        <p:tgtEl>
-                                          <p:spTgt spid="14"/>
-                                        </p:tgtEl>
-                                      </p:cBhvr>
-                                    </p:animEffect>
-                                  </p:childTnLst>
-                                </p:cTn>
-                              </p:par>
-                              <p:par>
-                                <p:cTn id="28" presetID="1" presetClass="exit" presetSubtype="0" fill="hold" nodeType="withEffect">
-                                  <p:stCondLst>
-                                    <p:cond delay="0"/>
-                                  </p:stCondLst>
-                                  <p:childTnLst>
-                                    <p:set>
-                                      <p:cBhvr>
-                                        <p:cTn id="29" dur="1" fill="hold">
-                                          <p:stCondLst>
-                                            <p:cond delay="0"/>
-                                          </p:stCondLst>
-                                        </p:cTn>
-                                        <p:tgtEl>
-                                          <p:spTgt spid="9"/>
-                                        </p:tgtEl>
-                                        <p:attrNameLst>
-                                          <p:attrName>style.visibility</p:attrName>
-                                        </p:attrNameLst>
-                                      </p:cBhvr>
-                                      <p:to>
-                                        <p:strVal val="hidden"/>
-                                      </p:to>
-                                    </p:set>
-                                  </p:childTnLst>
-                                </p:cTn>
-                              </p:par>
-                            </p:childTnLst>
-                          </p:cTn>
-                        </p:par>
-                      </p:childTnLst>
-                    </p:cTn>
-                  </p:par>
-                  <p:par>
-                    <p:cTn id="30" fill="hold">
-                      <p:stCondLst>
-                        <p:cond delay="indefinite"/>
-                      </p:stCondLst>
-                      <p:childTnLst>
-                        <p:par>
-                          <p:cTn id="31" fill="hold">
-                            <p:stCondLst>
-                              <p:cond delay="0"/>
-                            </p:stCondLst>
-                            <p:childTnLst>
-                              <p:par>
-                                <p:cTn id="32" presetID="10" presetClass="entr" presetSubtype="0" fill="hold" nodeType="clickEffect">
-                                  <p:stCondLst>
-                                    <p:cond delay="0"/>
-                                  </p:stCondLst>
-                                  <p:childTnLst>
-                                    <p:set>
-                                      <p:cBhvr>
-                                        <p:cTn id="33" dur="1" fill="hold">
-                                          <p:stCondLst>
-                                            <p:cond delay="0"/>
-                                          </p:stCondLst>
-                                        </p:cTn>
-                                        <p:tgtEl>
-                                          <p:spTgt spid="2054"/>
-                                        </p:tgtEl>
-                                        <p:attrNameLst>
-                                          <p:attrName>style.visibility</p:attrName>
-                                        </p:attrNameLst>
-                                      </p:cBhvr>
-                                      <p:to>
-                                        <p:strVal val="visible"/>
-                                      </p:to>
-                                    </p:set>
-                                    <p:animEffect transition="in" filter="fade">
-                                      <p:cBhvr>
-                                        <p:cTn id="34" dur="500"/>
-                                        <p:tgtEl>
-                                          <p:spTgt spid="2054"/>
-                                        </p:tgtEl>
-                                      </p:cBhvr>
-                                    </p:animEffect>
-                                  </p:childTnLst>
-                                </p:cTn>
-                              </p:par>
-                            </p:childTnLst>
-                          </p:cTn>
-                        </p:par>
-                      </p:childTnLst>
-                    </p:cTn>
-                  </p:par>
-                  <p:par>
-                    <p:cTn id="35" fill="hold">
-                      <p:stCondLst>
-                        <p:cond delay="indefinite"/>
-                      </p:stCondLst>
-                      <p:childTnLst>
-                        <p:par>
-                          <p:cTn id="36" fill="hold">
-                            <p:stCondLst>
-                              <p:cond delay="0"/>
-                            </p:stCondLst>
-                            <p:childTnLst>
-                              <p:par>
-                                <p:cTn id="37" presetID="10" presetClass="entr" presetSubtype="0" fill="hold" grpId="0" nodeType="clickEffect">
-                                  <p:stCondLst>
-                                    <p:cond delay="0"/>
-                                  </p:stCondLst>
-                                  <p:childTnLst>
-                                    <p:set>
-                                      <p:cBhvr>
-                                        <p:cTn id="38" dur="1" fill="hold">
-                                          <p:stCondLst>
-                                            <p:cond delay="0"/>
-                                          </p:stCondLst>
-                                        </p:cTn>
-                                        <p:tgtEl>
-                                          <p:spTgt spid="15"/>
-                                        </p:tgtEl>
-                                        <p:attrNameLst>
-                                          <p:attrName>style.visibility</p:attrName>
-                                        </p:attrNameLst>
-                                      </p:cBhvr>
-                                      <p:to>
-                                        <p:strVal val="visible"/>
-                                      </p:to>
-                                    </p:set>
-                                    <p:animEffect transition="in" filter="fade">
-                                      <p:cBhvr>
-                                        <p:cTn id="39" dur="500"/>
-                                        <p:tgtEl>
-                                          <p:spTgt spid="15"/>
-                                        </p:tgtEl>
-                                      </p:cBhvr>
-                                    </p:animEffect>
-                                  </p:childTnLst>
-                                </p:cTn>
-                              </p:par>
-                            </p:childTnLst>
-                          </p:cTn>
-                        </p:par>
-                      </p:childTnLst>
-                    </p:cTn>
-                  </p:par>
-                  <p:par>
-                    <p:cTn id="40" fill="hold">
-                      <p:stCondLst>
-                        <p:cond delay="indefinite"/>
-                      </p:stCondLst>
-                      <p:childTnLst>
-                        <p:par>
-                          <p:cTn id="41" fill="hold">
-                            <p:stCondLst>
-                              <p:cond delay="0"/>
-                            </p:stCondLst>
-                            <p:childTnLst>
-                              <p:par>
-                                <p:cTn id="42" presetID="10" presetClass="entr" presetSubtype="0" fill="hold" nodeType="clickEffect">
-                                  <p:stCondLst>
-                                    <p:cond delay="0"/>
-                                  </p:stCondLst>
-                                  <p:childTnLst>
-                                    <p:set>
-                                      <p:cBhvr>
-                                        <p:cTn id="43" dur="1" fill="hold">
-                                          <p:stCondLst>
-                                            <p:cond delay="0"/>
-                                          </p:stCondLst>
-                                        </p:cTn>
-                                        <p:tgtEl>
-                                          <p:spTgt spid="7"/>
-                                        </p:tgtEl>
-                                        <p:attrNameLst>
-                                          <p:attrName>style.visibility</p:attrName>
-                                        </p:attrNameLst>
-                                      </p:cBhvr>
-                                      <p:to>
-                                        <p:strVal val="visible"/>
-                                      </p:to>
-                                    </p:set>
-                                    <p:animEffect transition="in" filter="fade">
-                                      <p:cBhvr>
-                                        <p:cTn id="44" dur="500"/>
-                                        <p:tgtEl>
-                                          <p:spTgt spid="7"/>
-                                        </p:tgtEl>
-                                      </p:cBhvr>
-                                    </p:animEffect>
-                                  </p:childTnLst>
-                                </p:cTn>
-                              </p:par>
-                            </p:childTnLst>
-                          </p:cTn>
-                        </p:par>
-                      </p:childTnLst>
-                    </p:cTn>
-                  </p:par>
-                  <p:par>
-                    <p:cTn id="45" fill="hold">
-                      <p:stCondLst>
-                        <p:cond delay="indefinite"/>
-                      </p:stCondLst>
-                      <p:childTnLst>
-                        <p:par>
-                          <p:cTn id="46" fill="hold">
-                            <p:stCondLst>
-                              <p:cond delay="0"/>
-                            </p:stCondLst>
-                            <p:childTnLst>
-                              <p:par>
-                                <p:cTn id="47" presetID="10" presetClass="entr" presetSubtype="0" fill="hold" nodeType="clickEffect">
-                                  <p:stCondLst>
-                                    <p:cond delay="0"/>
-                                  </p:stCondLst>
-                                  <p:childTnLst>
-                                    <p:set>
-                                      <p:cBhvr>
-                                        <p:cTn id="48" dur="1" fill="hold">
-                                          <p:stCondLst>
-                                            <p:cond delay="0"/>
-                                          </p:stCondLst>
-                                        </p:cTn>
-                                        <p:tgtEl>
-                                          <p:spTgt spid="10"/>
-                                        </p:tgtEl>
-                                        <p:attrNameLst>
-                                          <p:attrName>style.visibility</p:attrName>
-                                        </p:attrNameLst>
-                                      </p:cBhvr>
-                                      <p:to>
-                                        <p:strVal val="visible"/>
-                                      </p:to>
-                                    </p:set>
-                                    <p:animEffect transition="in" filter="fade">
-                                      <p:cBhvr>
-                                        <p:cTn id="49" dur="500"/>
-                                        <p:tgtEl>
-                                          <p:spTgt spid="10"/>
-                                        </p:tgtEl>
-                                      </p:cBhvr>
-                                    </p:animEffect>
-                                  </p:childTnLst>
-                                </p:cTn>
-                              </p:par>
-                            </p:childTnLst>
-                          </p:cTn>
-                        </p:par>
-                      </p:childTnLst>
-                    </p:cTn>
-                  </p:par>
-                  <p:par>
-                    <p:cTn id="50" fill="hold">
-                      <p:stCondLst>
-                        <p:cond delay="indefinite"/>
-                      </p:stCondLst>
-                      <p:childTnLst>
-                        <p:par>
-                          <p:cTn id="51" fill="hold">
-                            <p:stCondLst>
-                              <p:cond delay="0"/>
-                            </p:stCondLst>
-                            <p:childTnLst>
-                              <p:par>
-                                <p:cTn id="52" presetID="10" presetClass="entr" presetSubtype="0" fill="hold" nodeType="clickEffect">
-                                  <p:stCondLst>
-                                    <p:cond delay="0"/>
-                                  </p:stCondLst>
-                                  <p:childTnLst>
-                                    <p:set>
-                                      <p:cBhvr>
-                                        <p:cTn id="53" dur="1" fill="hold">
-                                          <p:stCondLst>
-                                            <p:cond delay="0"/>
-                                          </p:stCondLst>
-                                        </p:cTn>
-                                        <p:tgtEl>
-                                          <p:spTgt spid="8"/>
-                                        </p:tgtEl>
-                                        <p:attrNameLst>
-                                          <p:attrName>style.visibility</p:attrName>
-                                        </p:attrNameLst>
-                                      </p:cBhvr>
-                                      <p:to>
-                                        <p:strVal val="visible"/>
-                                      </p:to>
-                                    </p:set>
-                                    <p:animEffect transition="in" filter="fade">
-                                      <p:cBhvr>
-                                        <p:cTn id="54" dur="500"/>
-                                        <p:tgtEl>
-                                          <p:spTgt spid="8"/>
                                         </p:tgtEl>
                                       </p:cBhvr>
                                     </p:animEffect>
@@ -26519,11 +27363,6 @@
         </p:cTn>
       </p:par>
     </p:tnLst>
-    <p:bldLst>
-      <p:bldP spid="13" grpId="0" animBg="1"/>
-      <p:bldP spid="14" grpId="0" animBg="1"/>
-      <p:bldP spid="15" grpId="0" animBg="1"/>
-    </p:bldLst>
   </p:timing>
 </p:sld>
 </file>
